--- a/2021/2021-06-17/ZKDT.pptx
+++ b/2021/2021-06-17/ZKDT.pptx
@@ -9,11 +9,11 @@
   </p:notesMasterIdLst>
   <p:sldIdLst>
     <p:sldId id="256" r:id="rId2"/>
-    <p:sldId id="265" r:id="rId3"/>
-    <p:sldId id="300" r:id="rId4"/>
-    <p:sldId id="299" r:id="rId5"/>
-    <p:sldId id="267" r:id="rId6"/>
-    <p:sldId id="301" r:id="rId7"/>
+    <p:sldId id="310" r:id="rId3"/>
+    <p:sldId id="265" r:id="rId4"/>
+    <p:sldId id="300" r:id="rId5"/>
+    <p:sldId id="299" r:id="rId6"/>
+    <p:sldId id="267" r:id="rId7"/>
     <p:sldId id="302" r:id="rId8"/>
     <p:sldId id="303" r:id="rId9"/>
     <p:sldId id="269" r:id="rId10"/>
@@ -212,7 +212,7 @@
           <a:p>
             <a:fld id="{F36D0B4F-CEF7-4341-982D-1631DCCF74BD}" type="datetimeFigureOut">
               <a:rPr lang="zh-CN" altLang="en-US" smtClean="0"/>
-              <a:t>2021/6/16</a:t>
+              <a:t>2021/6/17</a:t>
             </a:fld>
             <a:endParaRPr lang="zh-CN" altLang="en-US"/>
           </a:p>
@@ -544,7 +544,7 @@
           <a:p>
             <a:fld id="{2E912260-E23D-4CCB-B4E2-B2FA0921ED5B}" type="slidenum">
               <a:rPr lang="zh-CN" altLang="en-US" smtClean="0"/>
-              <a:t>4</a:t>
+              <a:t>5</a:t>
             </a:fld>
             <a:endParaRPr lang="zh-CN" altLang="en-US"/>
           </a:p>
@@ -628,7 +628,7 @@
           <a:p>
             <a:fld id="{2E912260-E23D-4CCB-B4E2-B2FA0921ED5B}" type="slidenum">
               <a:rPr lang="zh-CN" altLang="en-US" smtClean="0"/>
-              <a:t>13</a:t>
+              <a:t>14</a:t>
             </a:fld>
             <a:endParaRPr lang="zh-CN" altLang="en-US"/>
           </a:p>
@@ -637,7 +637,7 @@
     </p:spTree>
     <p:extLst>
       <p:ext uri="{BB962C8B-B14F-4D97-AF65-F5344CB8AC3E}">
-        <p14:creationId xmlns:p14="http://schemas.microsoft.com/office/powerpoint/2010/main" val="1074672329"/>
+        <p14:creationId xmlns:p14="http://schemas.microsoft.com/office/powerpoint/2010/main" val="2123356992"/>
       </p:ext>
     </p:extLst>
   </p:cSld>
@@ -712,90 +712,6 @@
           <a:p>
             <a:fld id="{2E912260-E23D-4CCB-B4E2-B2FA0921ED5B}" type="slidenum">
               <a:rPr lang="zh-CN" altLang="en-US" smtClean="0"/>
-              <a:t>14</a:t>
-            </a:fld>
-            <a:endParaRPr lang="zh-CN" altLang="en-US"/>
-          </a:p>
-        </p:txBody>
-      </p:sp>
-    </p:spTree>
-    <p:extLst>
-      <p:ext uri="{BB962C8B-B14F-4D97-AF65-F5344CB8AC3E}">
-        <p14:creationId xmlns:p14="http://schemas.microsoft.com/office/powerpoint/2010/main" val="2123356992"/>
-      </p:ext>
-    </p:extLst>
-  </p:cSld>
-  <p:clrMapOvr>
-    <a:masterClrMapping/>
-  </p:clrMapOvr>
-</p:notes>
-</file>
-
-<file path=ppt/notesSlides/notesSlide12.xml><?xml version="1.0" encoding="utf-8"?>
-<p:notes xmlns:a="http://schemas.openxmlformats.org/drawingml/2006/main" xmlns:r="http://schemas.openxmlformats.org/officeDocument/2006/relationships" xmlns:p="http://schemas.openxmlformats.org/presentationml/2006/main">
-  <p:cSld>
-    <p:spTree>
-      <p:nvGrpSpPr>
-        <p:cNvPr id="1" name=""/>
-        <p:cNvGrpSpPr/>
-        <p:nvPr/>
-      </p:nvGrpSpPr>
-      <p:grpSpPr>
-        <a:xfrm>
-          <a:off x="0" y="0"/>
-          <a:ext cx="0" cy="0"/>
-          <a:chOff x="0" y="0"/>
-          <a:chExt cx="0" cy="0"/>
-        </a:xfrm>
-      </p:grpSpPr>
-      <p:sp>
-        <p:nvSpPr>
-          <p:cNvPr id="2" name="幻灯片图像占位符 1"/>
-          <p:cNvSpPr>
-            <a:spLocks noGrp="1" noRot="1" noChangeAspect="1"/>
-          </p:cNvSpPr>
-          <p:nvPr>
-            <p:ph type="sldImg"/>
-          </p:nvPr>
-        </p:nvSpPr>
-        <p:spPr/>
-      </p:sp>
-      <p:sp>
-        <p:nvSpPr>
-          <p:cNvPr id="3" name="备注占位符 2"/>
-          <p:cNvSpPr>
-            <a:spLocks noGrp="1"/>
-          </p:cNvSpPr>
-          <p:nvPr>
-            <p:ph type="body" idx="1"/>
-          </p:nvPr>
-        </p:nvSpPr>
-        <p:spPr/>
-        <p:txBody>
-          <a:bodyPr/>
-          <a:lstStyle/>
-          <a:p>
-            <a:endParaRPr lang="zh-CN" altLang="en-US" dirty="0"/>
-          </a:p>
-        </p:txBody>
-      </p:sp>
-      <p:sp>
-        <p:nvSpPr>
-          <p:cNvPr id="4" name="灯片编号占位符 3"/>
-          <p:cNvSpPr>
-            <a:spLocks noGrp="1"/>
-          </p:cNvSpPr>
-          <p:nvPr>
-            <p:ph type="sldNum" sz="quarter" idx="5"/>
-          </p:nvPr>
-        </p:nvSpPr>
-        <p:spPr/>
-        <p:txBody>
-          <a:bodyPr/>
-          <a:lstStyle/>
-          <a:p>
-            <a:fld id="{2E912260-E23D-4CCB-B4E2-B2FA0921ED5B}" type="slidenum">
-              <a:rPr lang="zh-CN" altLang="en-US" smtClean="0"/>
               <a:t>15</a:t>
             </a:fld>
             <a:endParaRPr lang="zh-CN" altLang="en-US"/>
@@ -815,7 +731,7 @@
 </p:notes>
 </file>
 
-<file path=ppt/notesSlides/notesSlide13.xml><?xml version="1.0" encoding="utf-8"?>
+<file path=ppt/notesSlides/notesSlide12.xml><?xml version="1.0" encoding="utf-8"?>
 <p:notes xmlns:a="http://schemas.openxmlformats.org/drawingml/2006/main" xmlns:r="http://schemas.openxmlformats.org/officeDocument/2006/relationships" xmlns:p="http://schemas.openxmlformats.org/presentationml/2006/main">
   <p:cSld>
     <p:spTree>
@@ -964,7 +880,7 @@
           <a:p>
             <a:fld id="{2E912260-E23D-4CCB-B4E2-B2FA0921ED5B}" type="slidenum">
               <a:rPr lang="zh-CN" altLang="en-US" smtClean="0"/>
-              <a:t>5</a:t>
+              <a:t>6</a:t>
             </a:fld>
             <a:endParaRPr lang="zh-CN" altLang="en-US"/>
           </a:p>
@@ -1048,7 +964,7 @@
           <a:p>
             <a:fld id="{2E912260-E23D-4CCB-B4E2-B2FA0921ED5B}" type="slidenum">
               <a:rPr lang="zh-CN" altLang="en-US" smtClean="0"/>
-              <a:t>6</a:t>
+              <a:t>7</a:t>
             </a:fld>
             <a:endParaRPr lang="zh-CN" altLang="en-US"/>
           </a:p>
@@ -1057,7 +973,7 @@
     </p:spTree>
     <p:extLst>
       <p:ext uri="{BB962C8B-B14F-4D97-AF65-F5344CB8AC3E}">
-        <p14:creationId xmlns:p14="http://schemas.microsoft.com/office/powerpoint/2010/main" val="1680080586"/>
+        <p14:creationId xmlns:p14="http://schemas.microsoft.com/office/powerpoint/2010/main" val="1672873498"/>
       </p:ext>
     </p:extLst>
   </p:cSld>
@@ -1132,7 +1048,7 @@
           <a:p>
             <a:fld id="{2E912260-E23D-4CCB-B4E2-B2FA0921ED5B}" type="slidenum">
               <a:rPr lang="zh-CN" altLang="en-US" smtClean="0"/>
-              <a:t>7</a:t>
+              <a:t>8</a:t>
             </a:fld>
             <a:endParaRPr lang="zh-CN" altLang="en-US"/>
           </a:p>
@@ -1141,7 +1057,7 @@
     </p:spTree>
     <p:extLst>
       <p:ext uri="{BB962C8B-B14F-4D97-AF65-F5344CB8AC3E}">
-        <p14:creationId xmlns:p14="http://schemas.microsoft.com/office/powerpoint/2010/main" val="1672873498"/>
+        <p14:creationId xmlns:p14="http://schemas.microsoft.com/office/powerpoint/2010/main" val="3241143003"/>
       </p:ext>
     </p:extLst>
   </p:cSld>
@@ -1216,7 +1132,7 @@
           <a:p>
             <a:fld id="{2E912260-E23D-4CCB-B4E2-B2FA0921ED5B}" type="slidenum">
               <a:rPr lang="zh-CN" altLang="en-US" smtClean="0"/>
-              <a:t>8</a:t>
+              <a:t>9</a:t>
             </a:fld>
             <a:endParaRPr lang="zh-CN" altLang="en-US"/>
           </a:p>
@@ -1225,7 +1141,7 @@
     </p:spTree>
     <p:extLst>
       <p:ext uri="{BB962C8B-B14F-4D97-AF65-F5344CB8AC3E}">
-        <p14:creationId xmlns:p14="http://schemas.microsoft.com/office/powerpoint/2010/main" val="3241143003"/>
+        <p14:creationId xmlns:p14="http://schemas.microsoft.com/office/powerpoint/2010/main" val="3150021534"/>
       </p:ext>
     </p:extLst>
   </p:cSld>
@@ -1300,7 +1216,7 @@
           <a:p>
             <a:fld id="{2E912260-E23D-4CCB-B4E2-B2FA0921ED5B}" type="slidenum">
               <a:rPr lang="zh-CN" altLang="en-US" smtClean="0"/>
-              <a:t>9</a:t>
+              <a:t>10</a:t>
             </a:fld>
             <a:endParaRPr lang="zh-CN" altLang="en-US"/>
           </a:p>
@@ -1309,7 +1225,7 @@
     </p:spTree>
     <p:extLst>
       <p:ext uri="{BB962C8B-B14F-4D97-AF65-F5344CB8AC3E}">
-        <p14:creationId xmlns:p14="http://schemas.microsoft.com/office/powerpoint/2010/main" val="3150021534"/>
+        <p14:creationId xmlns:p14="http://schemas.microsoft.com/office/powerpoint/2010/main" val="1279839075"/>
       </p:ext>
     </p:extLst>
   </p:cSld>
@@ -1384,7 +1300,7 @@
           <a:p>
             <a:fld id="{2E912260-E23D-4CCB-B4E2-B2FA0921ED5B}" type="slidenum">
               <a:rPr lang="zh-CN" altLang="en-US" smtClean="0"/>
-              <a:t>10</a:t>
+              <a:t>11</a:t>
             </a:fld>
             <a:endParaRPr lang="zh-CN" altLang="en-US"/>
           </a:p>
@@ -1393,7 +1309,7 @@
     </p:spTree>
     <p:extLst>
       <p:ext uri="{BB962C8B-B14F-4D97-AF65-F5344CB8AC3E}">
-        <p14:creationId xmlns:p14="http://schemas.microsoft.com/office/powerpoint/2010/main" val="1279839075"/>
+        <p14:creationId xmlns:p14="http://schemas.microsoft.com/office/powerpoint/2010/main" val="1344075582"/>
       </p:ext>
     </p:extLst>
   </p:cSld>
@@ -1468,7 +1384,7 @@
           <a:p>
             <a:fld id="{2E912260-E23D-4CCB-B4E2-B2FA0921ED5B}" type="slidenum">
               <a:rPr lang="zh-CN" altLang="en-US" smtClean="0"/>
-              <a:t>11</a:t>
+              <a:t>12</a:t>
             </a:fld>
             <a:endParaRPr lang="zh-CN" altLang="en-US"/>
           </a:p>
@@ -1477,7 +1393,7 @@
     </p:spTree>
     <p:extLst>
       <p:ext uri="{BB962C8B-B14F-4D97-AF65-F5344CB8AC3E}">
-        <p14:creationId xmlns:p14="http://schemas.microsoft.com/office/powerpoint/2010/main" val="1344075582"/>
+        <p14:creationId xmlns:p14="http://schemas.microsoft.com/office/powerpoint/2010/main" val="3389233611"/>
       </p:ext>
     </p:extLst>
   </p:cSld>
@@ -1552,7 +1468,7 @@
           <a:p>
             <a:fld id="{2E912260-E23D-4CCB-B4E2-B2FA0921ED5B}" type="slidenum">
               <a:rPr lang="zh-CN" altLang="en-US" smtClean="0"/>
-              <a:t>12</a:t>
+              <a:t>13</a:t>
             </a:fld>
             <a:endParaRPr lang="zh-CN" altLang="en-US"/>
           </a:p>
@@ -1561,7 +1477,7 @@
     </p:spTree>
     <p:extLst>
       <p:ext uri="{BB962C8B-B14F-4D97-AF65-F5344CB8AC3E}">
-        <p14:creationId xmlns:p14="http://schemas.microsoft.com/office/powerpoint/2010/main" val="3389233611"/>
+        <p14:creationId xmlns:p14="http://schemas.microsoft.com/office/powerpoint/2010/main" val="1074672329"/>
       </p:ext>
     </p:extLst>
   </p:cSld>
@@ -1718,7 +1634,7 @@
           <a:p>
             <a:fld id="{001772DA-D5CE-A446-9C8D-1215FF0C4978}" type="datetimeFigureOut">
               <a:rPr kumimoji="1" lang="zh-CN" altLang="en-US" smtClean="0"/>
-              <a:t>2021/6/16</a:t>
+              <a:t>2021/6/17</a:t>
             </a:fld>
             <a:endParaRPr kumimoji="1" lang="zh-CN" altLang="en-US"/>
           </a:p>
@@ -1916,7 +1832,7 @@
           <a:p>
             <a:fld id="{001772DA-D5CE-A446-9C8D-1215FF0C4978}" type="datetimeFigureOut">
               <a:rPr kumimoji="1" lang="zh-CN" altLang="en-US" smtClean="0"/>
-              <a:t>2021/6/16</a:t>
+              <a:t>2021/6/17</a:t>
             </a:fld>
             <a:endParaRPr kumimoji="1" lang="zh-CN" altLang="en-US"/>
           </a:p>
@@ -2124,7 +2040,7 @@
           <a:p>
             <a:fld id="{001772DA-D5CE-A446-9C8D-1215FF0C4978}" type="datetimeFigureOut">
               <a:rPr kumimoji="1" lang="zh-CN" altLang="en-US" smtClean="0"/>
-              <a:t>2021/6/16</a:t>
+              <a:t>2021/6/17</a:t>
             </a:fld>
             <a:endParaRPr kumimoji="1" lang="zh-CN" altLang="en-US"/>
           </a:p>
@@ -2322,7 +2238,7 @@
           <a:p>
             <a:fld id="{001772DA-D5CE-A446-9C8D-1215FF0C4978}" type="datetimeFigureOut">
               <a:rPr kumimoji="1" lang="zh-CN" altLang="en-US" smtClean="0"/>
-              <a:t>2021/6/16</a:t>
+              <a:t>2021/6/17</a:t>
             </a:fld>
             <a:endParaRPr kumimoji="1" lang="zh-CN" altLang="en-US"/>
           </a:p>
@@ -2597,7 +2513,7 @@
           <a:p>
             <a:fld id="{001772DA-D5CE-A446-9C8D-1215FF0C4978}" type="datetimeFigureOut">
               <a:rPr kumimoji="1" lang="zh-CN" altLang="en-US" smtClean="0"/>
-              <a:t>2021/6/16</a:t>
+              <a:t>2021/6/17</a:t>
             </a:fld>
             <a:endParaRPr kumimoji="1" lang="zh-CN" altLang="en-US"/>
           </a:p>
@@ -2862,7 +2778,7 @@
           <a:p>
             <a:fld id="{001772DA-D5CE-A446-9C8D-1215FF0C4978}" type="datetimeFigureOut">
               <a:rPr kumimoji="1" lang="zh-CN" altLang="en-US" smtClean="0"/>
-              <a:t>2021/6/16</a:t>
+              <a:t>2021/6/17</a:t>
             </a:fld>
             <a:endParaRPr kumimoji="1" lang="zh-CN" altLang="en-US"/>
           </a:p>
@@ -3274,7 +3190,7 @@
           <a:p>
             <a:fld id="{001772DA-D5CE-A446-9C8D-1215FF0C4978}" type="datetimeFigureOut">
               <a:rPr kumimoji="1" lang="zh-CN" altLang="en-US" smtClean="0"/>
-              <a:t>2021/6/16</a:t>
+              <a:t>2021/6/17</a:t>
             </a:fld>
             <a:endParaRPr kumimoji="1" lang="zh-CN" altLang="en-US"/>
           </a:p>
@@ -3415,7 +3331,7 @@
           <a:p>
             <a:fld id="{001772DA-D5CE-A446-9C8D-1215FF0C4978}" type="datetimeFigureOut">
               <a:rPr kumimoji="1" lang="zh-CN" altLang="en-US" smtClean="0"/>
-              <a:t>2021/6/16</a:t>
+              <a:t>2021/6/17</a:t>
             </a:fld>
             <a:endParaRPr kumimoji="1" lang="zh-CN" altLang="en-US"/>
           </a:p>
@@ -3528,7 +3444,7 @@
           <a:p>
             <a:fld id="{001772DA-D5CE-A446-9C8D-1215FF0C4978}" type="datetimeFigureOut">
               <a:rPr kumimoji="1" lang="zh-CN" altLang="en-US" smtClean="0"/>
-              <a:t>2021/6/16</a:t>
+              <a:t>2021/6/17</a:t>
             </a:fld>
             <a:endParaRPr kumimoji="1" lang="zh-CN" altLang="en-US"/>
           </a:p>
@@ -3839,7 +3755,7 @@
           <a:p>
             <a:fld id="{001772DA-D5CE-A446-9C8D-1215FF0C4978}" type="datetimeFigureOut">
               <a:rPr kumimoji="1" lang="zh-CN" altLang="en-US" smtClean="0"/>
-              <a:t>2021/6/16</a:t>
+              <a:t>2021/6/17</a:t>
             </a:fld>
             <a:endParaRPr kumimoji="1" lang="zh-CN" altLang="en-US"/>
           </a:p>
@@ -4127,7 +4043,7 @@
           <a:p>
             <a:fld id="{001772DA-D5CE-A446-9C8D-1215FF0C4978}" type="datetimeFigureOut">
               <a:rPr kumimoji="1" lang="zh-CN" altLang="en-US" smtClean="0"/>
-              <a:t>2021/6/16</a:t>
+              <a:t>2021/6/17</a:t>
             </a:fld>
             <a:endParaRPr kumimoji="1" lang="zh-CN" altLang="en-US"/>
           </a:p>
@@ -4368,7 +4284,7 @@
           <a:p>
             <a:fld id="{001772DA-D5CE-A446-9C8D-1215FF0C4978}" type="datetimeFigureOut">
               <a:rPr kumimoji="1" lang="zh-CN" altLang="en-US" smtClean="0"/>
-              <a:t>2021/6/16</a:t>
+              <a:t>2021/6/17</a:t>
             </a:fld>
             <a:endParaRPr kumimoji="1" lang="zh-CN" altLang="en-US"/>
           </a:p>
@@ -4949,8 +4865,8 @@
           </a:prstGeom>
         </p:spPr>
       </p:pic>
-      <mc:AlternateContent xmlns:mc="http://schemas.openxmlformats.org/markup-compatibility/2006">
-        <mc:Choice xmlns:a14="http://schemas.microsoft.com/office/drawing/2010/main" Requires="a14">
+      <mc:AlternateContent xmlns:mc="http://schemas.openxmlformats.org/markup-compatibility/2006" xmlns:a14="http://schemas.microsoft.com/office/drawing/2010/main">
+        <mc:Choice Requires="a14">
           <p:sp>
             <p:nvSpPr>
               <p:cNvPr id="9" name="文本框 8">
@@ -4992,6 +4908,7 @@
                 </a:endParaRPr>
               </a:p>
               <a:p>
+                <a:pPr/>
                 <a14:m>
                   <m:oMathPara xmlns:m="http://schemas.openxmlformats.org/officeDocument/2006/math">
                     <m:oMathParaPr>
@@ -5120,6 +5037,7 @@
                 </a:endParaRPr>
               </a:p>
               <a:p>
+                <a:pPr/>
                 <a14:m>
                   <m:oMathPara xmlns:m="http://schemas.openxmlformats.org/officeDocument/2006/math">
                     <m:oMathParaPr>
@@ -5294,6 +5212,7 @@
                 </a:endParaRPr>
               </a:p>
               <a:p>
+                <a:pPr/>
                 <a14:m>
                   <m:oMathPara xmlns:m="http://schemas.openxmlformats.org/officeDocument/2006/math">
                     <m:oMathParaPr>
@@ -5304,22 +5223,30 @@
                         <m:naryPr>
                           <m:chr m:val="∏"/>
                           <m:ctrlPr>
-                            <a:rPr lang="zh-CN" altLang="zh-CN" i="1"/>
+                            <a:rPr lang="zh-CN" altLang="zh-CN" i="1">
+                              <a:latin typeface="Cambria Math" panose="02040503050406030204" pitchFamily="18" charset="0"/>
+                            </a:rPr>
                           </m:ctrlPr>
                         </m:naryPr>
                         <m:sub>
                           <m:r>
-                            <a:rPr lang="en-US" altLang="zh-CN" i="1"/>
+                            <a:rPr lang="en-US" altLang="zh-CN" i="1">
+                              <a:latin typeface="Cambria Math" panose="02040503050406030204" pitchFamily="18" charset="0"/>
+                            </a:rPr>
                             <m:t>𝑖</m:t>
                           </m:r>
                           <m:r>
-                            <a:rPr lang="en-US" altLang="zh-CN" i="1"/>
+                            <a:rPr lang="en-US" altLang="zh-CN" i="1">
+                              <a:latin typeface="Cambria Math" panose="02040503050406030204" pitchFamily="18" charset="0"/>
+                            </a:rPr>
                             <m:t>=1</m:t>
                           </m:r>
                         </m:sub>
                         <m:sup>
                           <m:r>
-                            <a:rPr lang="en-US" altLang="zh-CN" i="1"/>
+                            <a:rPr lang="en-US" altLang="zh-CN" i="1">
+                              <a:latin typeface="Cambria Math" panose="02040503050406030204" pitchFamily="18" charset="0"/>
+                            </a:rPr>
                             <m:t>𝑚</m:t>
                           </m:r>
                         </m:sup>
@@ -5327,33 +5254,45 @@
                           <m:d>
                             <m:dPr>
                               <m:ctrlPr>
-                                <a:rPr lang="zh-CN" altLang="zh-CN" i="1"/>
+                                <a:rPr lang="zh-CN" altLang="zh-CN" i="1">
+                                  <a:latin typeface="Cambria Math" panose="02040503050406030204" pitchFamily="18" charset="0"/>
+                                </a:rPr>
                               </m:ctrlPr>
                             </m:dPr>
                             <m:e>
                               <m:r>
-                                <a:rPr lang="en-US" altLang="zh-CN" i="1"/>
+                                <a:rPr lang="en-US" altLang="zh-CN" i="1">
+                                  <a:latin typeface="Cambria Math" panose="02040503050406030204" pitchFamily="18" charset="0"/>
+                                </a:rPr>
                                 <m:t>𝑟</m:t>
                               </m:r>
                               <m:r>
-                                <a:rPr lang="en-US" altLang="zh-CN" i="1"/>
+                                <a:rPr lang="en-US" altLang="zh-CN" i="1">
+                                  <a:latin typeface="Cambria Math" panose="02040503050406030204" pitchFamily="18" charset="0"/>
+                                </a:rPr>
                                 <m:t>−</m:t>
                               </m:r>
                               <m:sSub>
                                 <m:sSubPr>
                                   <m:ctrlPr>
-                                    <a:rPr lang="zh-CN" altLang="zh-CN" i="1"/>
+                                    <a:rPr lang="zh-CN" altLang="zh-CN" i="1">
+                                      <a:latin typeface="Cambria Math" panose="02040503050406030204" pitchFamily="18" charset="0"/>
+                                    </a:rPr>
                                   </m:ctrlPr>
                                 </m:sSubPr>
                                 <m:e>
                                   <m:r>
-                                    <a:rPr lang="en-US" altLang="zh-CN" i="1"/>
+                                    <a:rPr lang="en-US" altLang="zh-CN" i="1">
+                                      <a:latin typeface="Cambria Math" panose="02040503050406030204" pitchFamily="18" charset="0"/>
+                                    </a:rPr>
                                     <m:t>𝑞</m:t>
                                   </m:r>
                                 </m:e>
                                 <m:sub>
                                   <m:r>
-                                    <a:rPr lang="en-US" altLang="zh-CN" i="1"/>
+                                    <a:rPr lang="en-US" altLang="zh-CN" i="1">
+                                      <a:latin typeface="Cambria Math" panose="02040503050406030204" pitchFamily="18" charset="0"/>
+                                    </a:rPr>
                                     <m:t>𝑖</m:t>
                                   </m:r>
                                 </m:sub>
@@ -5361,7 +5300,9 @@
                             </m:e>
                           </m:d>
                           <m:r>
-                            <a:rPr lang="en-US" altLang="zh-CN" i="1"/>
+                            <a:rPr lang="en-US" altLang="zh-CN" i="1">
+                              <a:latin typeface="Cambria Math" panose="02040503050406030204" pitchFamily="18" charset="0"/>
+                            </a:rPr>
                             <m:t>=</m:t>
                           </m:r>
                         </m:e>
@@ -5370,22 +5311,30 @@
                         <m:naryPr>
                           <m:chr m:val="∏"/>
                           <m:ctrlPr>
-                            <a:rPr lang="zh-CN" altLang="zh-CN" i="1"/>
+                            <a:rPr lang="zh-CN" altLang="zh-CN" i="1">
+                              <a:latin typeface="Cambria Math" panose="02040503050406030204" pitchFamily="18" charset="0"/>
+                            </a:rPr>
                           </m:ctrlPr>
                         </m:naryPr>
                         <m:sub>
                           <m:r>
-                            <a:rPr lang="en-US" altLang="zh-CN" i="1"/>
+                            <a:rPr lang="en-US" altLang="zh-CN" i="1">
+                              <a:latin typeface="Cambria Math" panose="02040503050406030204" pitchFamily="18" charset="0"/>
+                            </a:rPr>
                             <m:t>𝑖</m:t>
                           </m:r>
                           <m:r>
-                            <a:rPr lang="en-US" altLang="zh-CN" i="1"/>
+                            <a:rPr lang="en-US" altLang="zh-CN" i="1">
+                              <a:latin typeface="Cambria Math" panose="02040503050406030204" pitchFamily="18" charset="0"/>
+                            </a:rPr>
                             <m:t>=1</m:t>
                           </m:r>
                         </m:sub>
                         <m:sup>
                           <m:r>
-                            <a:rPr lang="en-US" altLang="zh-CN" i="1"/>
+                            <a:rPr lang="en-US" altLang="zh-CN" i="1">
+                              <a:latin typeface="Cambria Math" panose="02040503050406030204" pitchFamily="18" charset="0"/>
+                            </a:rPr>
                             <m:t>𝑛</m:t>
                           </m:r>
                         </m:sup>
@@ -5393,40 +5342,54 @@
                           <m:sSup>
                             <m:sSupPr>
                               <m:ctrlPr>
-                                <a:rPr lang="zh-CN" altLang="zh-CN" i="1"/>
+                                <a:rPr lang="zh-CN" altLang="zh-CN" i="1">
+                                  <a:latin typeface="Cambria Math" panose="02040503050406030204" pitchFamily="18" charset="0"/>
+                                </a:rPr>
                               </m:ctrlPr>
                             </m:sSupPr>
                             <m:e>
                               <m:d>
                                 <m:dPr>
                                   <m:ctrlPr>
-                                    <a:rPr lang="zh-CN" altLang="zh-CN" i="1"/>
+                                    <a:rPr lang="zh-CN" altLang="zh-CN" i="1">
+                                      <a:latin typeface="Cambria Math" panose="02040503050406030204" pitchFamily="18" charset="0"/>
+                                    </a:rPr>
                                   </m:ctrlPr>
                                 </m:dPr>
                                 <m:e>
                                   <m:r>
-                                    <a:rPr lang="en-US" altLang="zh-CN" i="1"/>
+                                    <a:rPr lang="en-US" altLang="zh-CN" i="1">
+                                      <a:latin typeface="Cambria Math" panose="02040503050406030204" pitchFamily="18" charset="0"/>
+                                    </a:rPr>
                                     <m:t>𝑟</m:t>
                                   </m:r>
                                   <m:r>
-                                    <a:rPr lang="en-US" altLang="zh-CN" i="1"/>
+                                    <a:rPr lang="en-US" altLang="zh-CN" i="1">
+                                      <a:latin typeface="Cambria Math" panose="02040503050406030204" pitchFamily="18" charset="0"/>
+                                    </a:rPr>
                                     <m:t>−</m:t>
                                   </m:r>
                                   <m:sSub>
                                     <m:sSubPr>
                                       <m:ctrlPr>
-                                        <a:rPr lang="zh-CN" altLang="zh-CN" i="1"/>
+                                        <a:rPr lang="zh-CN" altLang="zh-CN" i="1">
+                                          <a:latin typeface="Cambria Math" panose="02040503050406030204" pitchFamily="18" charset="0"/>
+                                        </a:rPr>
                                       </m:ctrlPr>
                                     </m:sSubPr>
                                     <m:e>
                                       <m:r>
-                                        <a:rPr lang="en-US" altLang="zh-CN" i="1"/>
+                                        <a:rPr lang="en-US" altLang="zh-CN" i="1">
+                                          <a:latin typeface="Cambria Math" panose="02040503050406030204" pitchFamily="18" charset="0"/>
+                                        </a:rPr>
                                         <m:t>𝑠</m:t>
                                       </m:r>
                                     </m:e>
                                     <m:sub>
                                       <m:r>
-                                        <a:rPr lang="en-US" altLang="zh-CN" i="1"/>
+                                        <a:rPr lang="en-US" altLang="zh-CN" i="1">
+                                          <a:latin typeface="Cambria Math" panose="02040503050406030204" pitchFamily="18" charset="0"/>
+                                        </a:rPr>
                                         <m:t>𝑖</m:t>
                                       </m:r>
                                     </m:sub>
@@ -5438,18 +5401,24 @@
                               <m:sSub>
                                 <m:sSubPr>
                                   <m:ctrlPr>
-                                    <a:rPr lang="zh-CN" altLang="zh-CN" i="1"/>
+                                    <a:rPr lang="zh-CN" altLang="zh-CN" i="1">
+                                      <a:latin typeface="Cambria Math" panose="02040503050406030204" pitchFamily="18" charset="0"/>
+                                    </a:rPr>
                                   </m:ctrlPr>
                                 </m:sSubPr>
                                 <m:e>
                                   <m:r>
-                                    <a:rPr lang="en-US" altLang="zh-CN" i="1"/>
+                                    <a:rPr lang="en-US" altLang="zh-CN" i="1">
+                                      <a:latin typeface="Cambria Math" panose="02040503050406030204" pitchFamily="18" charset="0"/>
+                                    </a:rPr>
                                     <m:t>𝑓</m:t>
                                   </m:r>
                                 </m:e>
                                 <m:sub>
                                   <m:r>
-                                    <a:rPr lang="en-US" altLang="zh-CN" i="1"/>
+                                    <a:rPr lang="en-US" altLang="zh-CN" i="1">
+                                      <a:latin typeface="Cambria Math" panose="02040503050406030204" pitchFamily="18" charset="0"/>
+                                    </a:rPr>
                                     <m:t>𝑖</m:t>
                                   </m:r>
                                 </m:sub>
@@ -5665,7 +5634,7 @@
             </p:txBody>
           </p:sp>
         </mc:Choice>
-        <mc:Fallback>
+        <mc:Fallback xmlns="">
           <p:sp>
             <p:nvSpPr>
               <p:cNvPr id="9" name="文本框 8">
@@ -7954,6 +7923,1859 @@
       </p:pic>
       <p:sp>
         <p:nvSpPr>
+          <p:cNvPr id="4" name="椭圆 3">
+            <a:extLst>
+              <a:ext uri="{FF2B5EF4-FFF2-40B4-BE49-F238E27FC236}">
+                <a16:creationId xmlns:a16="http://schemas.microsoft.com/office/drawing/2014/main" id="{4C935622-062D-4CAC-8E1A-8D843067D7AA}"/>
+              </a:ext>
+            </a:extLst>
+          </p:cNvPr>
+          <p:cNvSpPr/>
+          <p:nvPr/>
+        </p:nvSpPr>
+        <p:spPr>
+          <a:xfrm>
+            <a:off x="2293620" y="1342703"/>
+            <a:ext cx="581025" cy="581025"/>
+          </a:xfrm>
+          <a:prstGeom prst="ellipse">
+            <a:avLst/>
+          </a:prstGeom>
+        </p:spPr>
+        <p:style>
+          <a:lnRef idx="2">
+            <a:schemeClr val="accent1">
+              <a:shade val="50000"/>
+            </a:schemeClr>
+          </a:lnRef>
+          <a:fillRef idx="1">
+            <a:schemeClr val="accent1"/>
+          </a:fillRef>
+          <a:effectRef idx="0">
+            <a:schemeClr val="accent1"/>
+          </a:effectRef>
+          <a:fontRef idx="minor">
+            <a:schemeClr val="lt1"/>
+          </a:fontRef>
+        </p:style>
+        <p:txBody>
+          <a:bodyPr rtlCol="0" anchor="ctr"/>
+          <a:lstStyle>
+            <a:defPPr>
+              <a:defRPr lang="zh-CN">
+                <a:solidFill>
+                  <a:schemeClr val="lt1"/>
+                </a:solidFill>
+              </a:defRPr>
+            </a:defPPr>
+            <a:lvl1pPr marL="0" algn="l" defTabSz="914400" rtl="0" eaLnBrk="1" latinLnBrk="0" hangingPunct="1">
+              <a:defRPr sz="1800" kern="1200">
+                <a:solidFill>
+                  <a:schemeClr val="lt1"/>
+                </a:solidFill>
+                <a:latin typeface="+mn-lt"/>
+                <a:ea typeface="+mn-ea"/>
+                <a:cs typeface="+mn-cs"/>
+              </a:defRPr>
+            </a:lvl1pPr>
+            <a:lvl2pPr marL="457200" algn="l" defTabSz="914400" rtl="0" eaLnBrk="1" latinLnBrk="0" hangingPunct="1">
+              <a:defRPr sz="1800" kern="1200">
+                <a:solidFill>
+                  <a:schemeClr val="lt1"/>
+                </a:solidFill>
+                <a:latin typeface="+mn-lt"/>
+                <a:ea typeface="+mn-ea"/>
+                <a:cs typeface="+mn-cs"/>
+              </a:defRPr>
+            </a:lvl2pPr>
+            <a:lvl3pPr marL="914400" algn="l" defTabSz="914400" rtl="0" eaLnBrk="1" latinLnBrk="0" hangingPunct="1">
+              <a:defRPr sz="1800" kern="1200">
+                <a:solidFill>
+                  <a:schemeClr val="lt1"/>
+                </a:solidFill>
+                <a:latin typeface="+mn-lt"/>
+                <a:ea typeface="+mn-ea"/>
+                <a:cs typeface="+mn-cs"/>
+              </a:defRPr>
+            </a:lvl3pPr>
+            <a:lvl4pPr marL="1371600" algn="l" defTabSz="914400" rtl="0" eaLnBrk="1" latinLnBrk="0" hangingPunct="1">
+              <a:defRPr sz="1800" kern="1200">
+                <a:solidFill>
+                  <a:schemeClr val="lt1"/>
+                </a:solidFill>
+                <a:latin typeface="+mn-lt"/>
+                <a:ea typeface="+mn-ea"/>
+                <a:cs typeface="+mn-cs"/>
+              </a:defRPr>
+            </a:lvl4pPr>
+            <a:lvl5pPr marL="1828800" algn="l" defTabSz="914400" rtl="0" eaLnBrk="1" latinLnBrk="0" hangingPunct="1">
+              <a:defRPr sz="1800" kern="1200">
+                <a:solidFill>
+                  <a:schemeClr val="lt1"/>
+                </a:solidFill>
+                <a:latin typeface="+mn-lt"/>
+                <a:ea typeface="+mn-ea"/>
+                <a:cs typeface="+mn-cs"/>
+              </a:defRPr>
+            </a:lvl5pPr>
+            <a:lvl6pPr marL="2286000" algn="l" defTabSz="914400" rtl="0" eaLnBrk="1" latinLnBrk="0" hangingPunct="1">
+              <a:defRPr sz="1800" kern="1200">
+                <a:solidFill>
+                  <a:schemeClr val="lt1"/>
+                </a:solidFill>
+                <a:latin typeface="+mn-lt"/>
+                <a:ea typeface="+mn-ea"/>
+                <a:cs typeface="+mn-cs"/>
+              </a:defRPr>
+            </a:lvl6pPr>
+            <a:lvl7pPr marL="2743200" algn="l" defTabSz="914400" rtl="0" eaLnBrk="1" latinLnBrk="0" hangingPunct="1">
+              <a:defRPr sz="1800" kern="1200">
+                <a:solidFill>
+                  <a:schemeClr val="lt1"/>
+                </a:solidFill>
+                <a:latin typeface="+mn-lt"/>
+                <a:ea typeface="+mn-ea"/>
+                <a:cs typeface="+mn-cs"/>
+              </a:defRPr>
+            </a:lvl7pPr>
+            <a:lvl8pPr marL="3200400" algn="l" defTabSz="914400" rtl="0" eaLnBrk="1" latinLnBrk="0" hangingPunct="1">
+              <a:defRPr sz="1800" kern="1200">
+                <a:solidFill>
+                  <a:schemeClr val="lt1"/>
+                </a:solidFill>
+                <a:latin typeface="+mn-lt"/>
+                <a:ea typeface="+mn-ea"/>
+                <a:cs typeface="+mn-cs"/>
+              </a:defRPr>
+            </a:lvl8pPr>
+            <a:lvl9pPr marL="3657600" algn="l" defTabSz="914400" rtl="0" eaLnBrk="1" latinLnBrk="0" hangingPunct="1">
+              <a:defRPr sz="1800" kern="1200">
+                <a:solidFill>
+                  <a:schemeClr val="lt1"/>
+                </a:solidFill>
+                <a:latin typeface="+mn-lt"/>
+                <a:ea typeface="+mn-ea"/>
+                <a:cs typeface="+mn-cs"/>
+              </a:defRPr>
+            </a:lvl9pPr>
+          </a:lstStyle>
+          <a:p>
+            <a:pPr algn="ctr"/>
+            <a:endParaRPr lang="zh-CN" altLang="en-US"/>
+          </a:p>
+        </p:txBody>
+      </p:sp>
+      <p:sp>
+        <p:nvSpPr>
+          <p:cNvPr id="6" name="圆角矩形 4">
+            <a:extLst>
+              <a:ext uri="{FF2B5EF4-FFF2-40B4-BE49-F238E27FC236}">
+                <a16:creationId xmlns:a16="http://schemas.microsoft.com/office/drawing/2014/main" id="{647CE2F2-4E0B-44DC-B46C-7976446ED3AC}"/>
+              </a:ext>
+            </a:extLst>
+          </p:cNvPr>
+          <p:cNvSpPr/>
+          <p:nvPr/>
+        </p:nvSpPr>
+        <p:spPr>
+          <a:xfrm>
+            <a:off x="2165350" y="1923728"/>
+            <a:ext cx="837565" cy="1190625"/>
+          </a:xfrm>
+          <a:prstGeom prst="roundRect">
+            <a:avLst/>
+          </a:prstGeom>
+        </p:spPr>
+        <p:style>
+          <a:lnRef idx="2">
+            <a:schemeClr val="accent1">
+              <a:shade val="50000"/>
+            </a:schemeClr>
+          </a:lnRef>
+          <a:fillRef idx="1">
+            <a:schemeClr val="accent1"/>
+          </a:fillRef>
+          <a:effectRef idx="0">
+            <a:schemeClr val="accent1"/>
+          </a:effectRef>
+          <a:fontRef idx="minor">
+            <a:schemeClr val="lt1"/>
+          </a:fontRef>
+        </p:style>
+        <p:txBody>
+          <a:bodyPr rtlCol="0" anchor="ctr"/>
+          <a:lstStyle>
+            <a:defPPr>
+              <a:defRPr lang="zh-CN">
+                <a:solidFill>
+                  <a:schemeClr val="lt1"/>
+                </a:solidFill>
+              </a:defRPr>
+            </a:defPPr>
+            <a:lvl1pPr marL="0" algn="l" defTabSz="914400" rtl="0" eaLnBrk="1" latinLnBrk="0" hangingPunct="1">
+              <a:defRPr sz="1800" kern="1200">
+                <a:solidFill>
+                  <a:schemeClr val="lt1"/>
+                </a:solidFill>
+                <a:latin typeface="+mn-lt"/>
+                <a:ea typeface="+mn-ea"/>
+                <a:cs typeface="+mn-cs"/>
+              </a:defRPr>
+            </a:lvl1pPr>
+            <a:lvl2pPr marL="457200" algn="l" defTabSz="914400" rtl="0" eaLnBrk="1" latinLnBrk="0" hangingPunct="1">
+              <a:defRPr sz="1800" kern="1200">
+                <a:solidFill>
+                  <a:schemeClr val="lt1"/>
+                </a:solidFill>
+                <a:latin typeface="+mn-lt"/>
+                <a:ea typeface="+mn-ea"/>
+                <a:cs typeface="+mn-cs"/>
+              </a:defRPr>
+            </a:lvl2pPr>
+            <a:lvl3pPr marL="914400" algn="l" defTabSz="914400" rtl="0" eaLnBrk="1" latinLnBrk="0" hangingPunct="1">
+              <a:defRPr sz="1800" kern="1200">
+                <a:solidFill>
+                  <a:schemeClr val="lt1"/>
+                </a:solidFill>
+                <a:latin typeface="+mn-lt"/>
+                <a:ea typeface="+mn-ea"/>
+                <a:cs typeface="+mn-cs"/>
+              </a:defRPr>
+            </a:lvl3pPr>
+            <a:lvl4pPr marL="1371600" algn="l" defTabSz="914400" rtl="0" eaLnBrk="1" latinLnBrk="0" hangingPunct="1">
+              <a:defRPr sz="1800" kern="1200">
+                <a:solidFill>
+                  <a:schemeClr val="lt1"/>
+                </a:solidFill>
+                <a:latin typeface="+mn-lt"/>
+                <a:ea typeface="+mn-ea"/>
+                <a:cs typeface="+mn-cs"/>
+              </a:defRPr>
+            </a:lvl4pPr>
+            <a:lvl5pPr marL="1828800" algn="l" defTabSz="914400" rtl="0" eaLnBrk="1" latinLnBrk="0" hangingPunct="1">
+              <a:defRPr sz="1800" kern="1200">
+                <a:solidFill>
+                  <a:schemeClr val="lt1"/>
+                </a:solidFill>
+                <a:latin typeface="+mn-lt"/>
+                <a:ea typeface="+mn-ea"/>
+                <a:cs typeface="+mn-cs"/>
+              </a:defRPr>
+            </a:lvl5pPr>
+            <a:lvl6pPr marL="2286000" algn="l" defTabSz="914400" rtl="0" eaLnBrk="1" latinLnBrk="0" hangingPunct="1">
+              <a:defRPr sz="1800" kern="1200">
+                <a:solidFill>
+                  <a:schemeClr val="lt1"/>
+                </a:solidFill>
+                <a:latin typeface="+mn-lt"/>
+                <a:ea typeface="+mn-ea"/>
+                <a:cs typeface="+mn-cs"/>
+              </a:defRPr>
+            </a:lvl6pPr>
+            <a:lvl7pPr marL="2743200" algn="l" defTabSz="914400" rtl="0" eaLnBrk="1" latinLnBrk="0" hangingPunct="1">
+              <a:defRPr sz="1800" kern="1200">
+                <a:solidFill>
+                  <a:schemeClr val="lt1"/>
+                </a:solidFill>
+                <a:latin typeface="+mn-lt"/>
+                <a:ea typeface="+mn-ea"/>
+                <a:cs typeface="+mn-cs"/>
+              </a:defRPr>
+            </a:lvl7pPr>
+            <a:lvl8pPr marL="3200400" algn="l" defTabSz="914400" rtl="0" eaLnBrk="1" latinLnBrk="0" hangingPunct="1">
+              <a:defRPr sz="1800" kern="1200">
+                <a:solidFill>
+                  <a:schemeClr val="lt1"/>
+                </a:solidFill>
+                <a:latin typeface="+mn-lt"/>
+                <a:ea typeface="+mn-ea"/>
+                <a:cs typeface="+mn-cs"/>
+              </a:defRPr>
+            </a:lvl8pPr>
+            <a:lvl9pPr marL="3657600" algn="l" defTabSz="914400" rtl="0" eaLnBrk="1" latinLnBrk="0" hangingPunct="1">
+              <a:defRPr sz="1800" kern="1200">
+                <a:solidFill>
+                  <a:schemeClr val="lt1"/>
+                </a:solidFill>
+                <a:latin typeface="+mn-lt"/>
+                <a:ea typeface="+mn-ea"/>
+                <a:cs typeface="+mn-cs"/>
+              </a:defRPr>
+            </a:lvl9pPr>
+          </a:lstStyle>
+          <a:p>
+            <a:pPr algn="ctr"/>
+            <a:endParaRPr lang="zh-CN" altLang="en-US"/>
+          </a:p>
+        </p:txBody>
+      </p:sp>
+      <p:sp>
+        <p:nvSpPr>
+          <p:cNvPr id="7" name="椭圆 6">
+            <a:extLst>
+              <a:ext uri="{FF2B5EF4-FFF2-40B4-BE49-F238E27FC236}">
+                <a16:creationId xmlns:a16="http://schemas.microsoft.com/office/drawing/2014/main" id="{06D2D9A6-4E0F-4A8E-AB0C-99CEB47A66AC}"/>
+              </a:ext>
+            </a:extLst>
+          </p:cNvPr>
+          <p:cNvSpPr/>
+          <p:nvPr/>
+        </p:nvSpPr>
+        <p:spPr>
+          <a:xfrm>
+            <a:off x="9059545" y="1342703"/>
+            <a:ext cx="581025" cy="581025"/>
+          </a:xfrm>
+          <a:prstGeom prst="ellipse">
+            <a:avLst/>
+          </a:prstGeom>
+        </p:spPr>
+        <p:style>
+          <a:lnRef idx="2">
+            <a:schemeClr val="accent1">
+              <a:shade val="50000"/>
+            </a:schemeClr>
+          </a:lnRef>
+          <a:fillRef idx="1">
+            <a:schemeClr val="accent1"/>
+          </a:fillRef>
+          <a:effectRef idx="0">
+            <a:schemeClr val="accent1"/>
+          </a:effectRef>
+          <a:fontRef idx="minor">
+            <a:schemeClr val="lt1"/>
+          </a:fontRef>
+        </p:style>
+        <p:txBody>
+          <a:bodyPr rtlCol="0" anchor="ctr"/>
+          <a:lstStyle>
+            <a:defPPr>
+              <a:defRPr lang="zh-CN">
+                <a:solidFill>
+                  <a:schemeClr val="lt1"/>
+                </a:solidFill>
+              </a:defRPr>
+            </a:defPPr>
+            <a:lvl1pPr marL="0" algn="l" defTabSz="914400" rtl="0" eaLnBrk="1" latinLnBrk="0" hangingPunct="1">
+              <a:defRPr sz="1800" kern="1200">
+                <a:solidFill>
+                  <a:schemeClr val="lt1"/>
+                </a:solidFill>
+                <a:latin typeface="+mn-lt"/>
+                <a:ea typeface="+mn-ea"/>
+                <a:cs typeface="+mn-cs"/>
+              </a:defRPr>
+            </a:lvl1pPr>
+            <a:lvl2pPr marL="457200" algn="l" defTabSz="914400" rtl="0" eaLnBrk="1" latinLnBrk="0" hangingPunct="1">
+              <a:defRPr sz="1800" kern="1200">
+                <a:solidFill>
+                  <a:schemeClr val="lt1"/>
+                </a:solidFill>
+                <a:latin typeface="+mn-lt"/>
+                <a:ea typeface="+mn-ea"/>
+                <a:cs typeface="+mn-cs"/>
+              </a:defRPr>
+            </a:lvl2pPr>
+            <a:lvl3pPr marL="914400" algn="l" defTabSz="914400" rtl="0" eaLnBrk="1" latinLnBrk="0" hangingPunct="1">
+              <a:defRPr sz="1800" kern="1200">
+                <a:solidFill>
+                  <a:schemeClr val="lt1"/>
+                </a:solidFill>
+                <a:latin typeface="+mn-lt"/>
+                <a:ea typeface="+mn-ea"/>
+                <a:cs typeface="+mn-cs"/>
+              </a:defRPr>
+            </a:lvl3pPr>
+            <a:lvl4pPr marL="1371600" algn="l" defTabSz="914400" rtl="0" eaLnBrk="1" latinLnBrk="0" hangingPunct="1">
+              <a:defRPr sz="1800" kern="1200">
+                <a:solidFill>
+                  <a:schemeClr val="lt1"/>
+                </a:solidFill>
+                <a:latin typeface="+mn-lt"/>
+                <a:ea typeface="+mn-ea"/>
+                <a:cs typeface="+mn-cs"/>
+              </a:defRPr>
+            </a:lvl4pPr>
+            <a:lvl5pPr marL="1828800" algn="l" defTabSz="914400" rtl="0" eaLnBrk="1" latinLnBrk="0" hangingPunct="1">
+              <a:defRPr sz="1800" kern="1200">
+                <a:solidFill>
+                  <a:schemeClr val="lt1"/>
+                </a:solidFill>
+                <a:latin typeface="+mn-lt"/>
+                <a:ea typeface="+mn-ea"/>
+                <a:cs typeface="+mn-cs"/>
+              </a:defRPr>
+            </a:lvl5pPr>
+            <a:lvl6pPr marL="2286000" algn="l" defTabSz="914400" rtl="0" eaLnBrk="1" latinLnBrk="0" hangingPunct="1">
+              <a:defRPr sz="1800" kern="1200">
+                <a:solidFill>
+                  <a:schemeClr val="lt1"/>
+                </a:solidFill>
+                <a:latin typeface="+mn-lt"/>
+                <a:ea typeface="+mn-ea"/>
+                <a:cs typeface="+mn-cs"/>
+              </a:defRPr>
+            </a:lvl6pPr>
+            <a:lvl7pPr marL="2743200" algn="l" defTabSz="914400" rtl="0" eaLnBrk="1" latinLnBrk="0" hangingPunct="1">
+              <a:defRPr sz="1800" kern="1200">
+                <a:solidFill>
+                  <a:schemeClr val="lt1"/>
+                </a:solidFill>
+                <a:latin typeface="+mn-lt"/>
+                <a:ea typeface="+mn-ea"/>
+                <a:cs typeface="+mn-cs"/>
+              </a:defRPr>
+            </a:lvl7pPr>
+            <a:lvl8pPr marL="3200400" algn="l" defTabSz="914400" rtl="0" eaLnBrk="1" latinLnBrk="0" hangingPunct="1">
+              <a:defRPr sz="1800" kern="1200">
+                <a:solidFill>
+                  <a:schemeClr val="lt1"/>
+                </a:solidFill>
+                <a:latin typeface="+mn-lt"/>
+                <a:ea typeface="+mn-ea"/>
+                <a:cs typeface="+mn-cs"/>
+              </a:defRPr>
+            </a:lvl8pPr>
+            <a:lvl9pPr marL="3657600" algn="l" defTabSz="914400" rtl="0" eaLnBrk="1" latinLnBrk="0" hangingPunct="1">
+              <a:defRPr sz="1800" kern="1200">
+                <a:solidFill>
+                  <a:schemeClr val="lt1"/>
+                </a:solidFill>
+                <a:latin typeface="+mn-lt"/>
+                <a:ea typeface="+mn-ea"/>
+                <a:cs typeface="+mn-cs"/>
+              </a:defRPr>
+            </a:lvl9pPr>
+          </a:lstStyle>
+          <a:p>
+            <a:pPr algn="ctr"/>
+            <a:endParaRPr lang="zh-CN" altLang="en-US"/>
+          </a:p>
+        </p:txBody>
+      </p:sp>
+      <p:sp>
+        <p:nvSpPr>
+          <p:cNvPr id="8" name="圆角矩形 8">
+            <a:extLst>
+              <a:ext uri="{FF2B5EF4-FFF2-40B4-BE49-F238E27FC236}">
+                <a16:creationId xmlns:a16="http://schemas.microsoft.com/office/drawing/2014/main" id="{DC54C038-97D5-4672-8407-A8C0C02859AD}"/>
+              </a:ext>
+            </a:extLst>
+          </p:cNvPr>
+          <p:cNvSpPr/>
+          <p:nvPr/>
+        </p:nvSpPr>
+        <p:spPr>
+          <a:xfrm>
+            <a:off x="8931275" y="1923728"/>
+            <a:ext cx="837565" cy="1190625"/>
+          </a:xfrm>
+          <a:prstGeom prst="roundRect">
+            <a:avLst/>
+          </a:prstGeom>
+        </p:spPr>
+        <p:style>
+          <a:lnRef idx="2">
+            <a:schemeClr val="accent1">
+              <a:shade val="50000"/>
+            </a:schemeClr>
+          </a:lnRef>
+          <a:fillRef idx="1">
+            <a:schemeClr val="accent1"/>
+          </a:fillRef>
+          <a:effectRef idx="0">
+            <a:schemeClr val="accent1"/>
+          </a:effectRef>
+          <a:fontRef idx="minor">
+            <a:schemeClr val="lt1"/>
+          </a:fontRef>
+        </p:style>
+        <p:txBody>
+          <a:bodyPr rtlCol="0" anchor="ctr"/>
+          <a:lstStyle>
+            <a:defPPr>
+              <a:defRPr lang="zh-CN">
+                <a:solidFill>
+                  <a:schemeClr val="lt1"/>
+                </a:solidFill>
+              </a:defRPr>
+            </a:defPPr>
+            <a:lvl1pPr marL="0" algn="l" defTabSz="914400" rtl="0" eaLnBrk="1" latinLnBrk="0" hangingPunct="1">
+              <a:defRPr sz="1800" kern="1200">
+                <a:solidFill>
+                  <a:schemeClr val="lt1"/>
+                </a:solidFill>
+                <a:latin typeface="+mn-lt"/>
+                <a:ea typeface="+mn-ea"/>
+                <a:cs typeface="+mn-cs"/>
+              </a:defRPr>
+            </a:lvl1pPr>
+            <a:lvl2pPr marL="457200" algn="l" defTabSz="914400" rtl="0" eaLnBrk="1" latinLnBrk="0" hangingPunct="1">
+              <a:defRPr sz="1800" kern="1200">
+                <a:solidFill>
+                  <a:schemeClr val="lt1"/>
+                </a:solidFill>
+                <a:latin typeface="+mn-lt"/>
+                <a:ea typeface="+mn-ea"/>
+                <a:cs typeface="+mn-cs"/>
+              </a:defRPr>
+            </a:lvl2pPr>
+            <a:lvl3pPr marL="914400" algn="l" defTabSz="914400" rtl="0" eaLnBrk="1" latinLnBrk="0" hangingPunct="1">
+              <a:defRPr sz="1800" kern="1200">
+                <a:solidFill>
+                  <a:schemeClr val="lt1"/>
+                </a:solidFill>
+                <a:latin typeface="+mn-lt"/>
+                <a:ea typeface="+mn-ea"/>
+                <a:cs typeface="+mn-cs"/>
+              </a:defRPr>
+            </a:lvl3pPr>
+            <a:lvl4pPr marL="1371600" algn="l" defTabSz="914400" rtl="0" eaLnBrk="1" latinLnBrk="0" hangingPunct="1">
+              <a:defRPr sz="1800" kern="1200">
+                <a:solidFill>
+                  <a:schemeClr val="lt1"/>
+                </a:solidFill>
+                <a:latin typeface="+mn-lt"/>
+                <a:ea typeface="+mn-ea"/>
+                <a:cs typeface="+mn-cs"/>
+              </a:defRPr>
+            </a:lvl4pPr>
+            <a:lvl5pPr marL="1828800" algn="l" defTabSz="914400" rtl="0" eaLnBrk="1" latinLnBrk="0" hangingPunct="1">
+              <a:defRPr sz="1800" kern="1200">
+                <a:solidFill>
+                  <a:schemeClr val="lt1"/>
+                </a:solidFill>
+                <a:latin typeface="+mn-lt"/>
+                <a:ea typeface="+mn-ea"/>
+                <a:cs typeface="+mn-cs"/>
+              </a:defRPr>
+            </a:lvl5pPr>
+            <a:lvl6pPr marL="2286000" algn="l" defTabSz="914400" rtl="0" eaLnBrk="1" latinLnBrk="0" hangingPunct="1">
+              <a:defRPr sz="1800" kern="1200">
+                <a:solidFill>
+                  <a:schemeClr val="lt1"/>
+                </a:solidFill>
+                <a:latin typeface="+mn-lt"/>
+                <a:ea typeface="+mn-ea"/>
+                <a:cs typeface="+mn-cs"/>
+              </a:defRPr>
+            </a:lvl6pPr>
+            <a:lvl7pPr marL="2743200" algn="l" defTabSz="914400" rtl="0" eaLnBrk="1" latinLnBrk="0" hangingPunct="1">
+              <a:defRPr sz="1800" kern="1200">
+                <a:solidFill>
+                  <a:schemeClr val="lt1"/>
+                </a:solidFill>
+                <a:latin typeface="+mn-lt"/>
+                <a:ea typeface="+mn-ea"/>
+                <a:cs typeface="+mn-cs"/>
+              </a:defRPr>
+            </a:lvl7pPr>
+            <a:lvl8pPr marL="3200400" algn="l" defTabSz="914400" rtl="0" eaLnBrk="1" latinLnBrk="0" hangingPunct="1">
+              <a:defRPr sz="1800" kern="1200">
+                <a:solidFill>
+                  <a:schemeClr val="lt1"/>
+                </a:solidFill>
+                <a:latin typeface="+mn-lt"/>
+                <a:ea typeface="+mn-ea"/>
+                <a:cs typeface="+mn-cs"/>
+              </a:defRPr>
+            </a:lvl8pPr>
+            <a:lvl9pPr marL="3657600" algn="l" defTabSz="914400" rtl="0" eaLnBrk="1" latinLnBrk="0" hangingPunct="1">
+              <a:defRPr sz="1800" kern="1200">
+                <a:solidFill>
+                  <a:schemeClr val="lt1"/>
+                </a:solidFill>
+                <a:latin typeface="+mn-lt"/>
+                <a:ea typeface="+mn-ea"/>
+                <a:cs typeface="+mn-cs"/>
+              </a:defRPr>
+            </a:lvl9pPr>
+          </a:lstStyle>
+          <a:p>
+            <a:pPr algn="ctr"/>
+            <a:endParaRPr lang="zh-CN" altLang="en-US"/>
+          </a:p>
+        </p:txBody>
+      </p:sp>
+      <p:sp>
+        <p:nvSpPr>
+          <p:cNvPr id="9" name="文本框 9">
+            <a:extLst>
+              <a:ext uri="{FF2B5EF4-FFF2-40B4-BE49-F238E27FC236}">
+                <a16:creationId xmlns:a16="http://schemas.microsoft.com/office/drawing/2014/main" id="{FFC37053-CB64-4F19-9A03-755FC777D030}"/>
+              </a:ext>
+            </a:extLst>
+          </p:cNvPr>
+          <p:cNvSpPr txBox="1"/>
+          <p:nvPr/>
+        </p:nvSpPr>
+        <p:spPr>
+          <a:xfrm>
+            <a:off x="1979295" y="974403"/>
+            <a:ext cx="1362075" cy="368300"/>
+          </a:xfrm>
+          <a:prstGeom prst="rect">
+            <a:avLst/>
+          </a:prstGeom>
+          <a:noFill/>
+        </p:spPr>
+        <p:txBody>
+          <a:bodyPr wrap="square" rtlCol="0">
+            <a:spAutoFit/>
+          </a:bodyPr>
+          <a:lstStyle>
+            <a:defPPr>
+              <a:defRPr lang="zh-CN"/>
+            </a:defPPr>
+            <a:lvl1pPr marL="0" algn="l" defTabSz="914400" rtl="0" eaLnBrk="1" latinLnBrk="0" hangingPunct="1">
+              <a:defRPr sz="1800" kern="1200">
+                <a:solidFill>
+                  <a:schemeClr val="tx1"/>
+                </a:solidFill>
+                <a:latin typeface="+mn-lt"/>
+                <a:ea typeface="+mn-ea"/>
+                <a:cs typeface="+mn-cs"/>
+              </a:defRPr>
+            </a:lvl1pPr>
+            <a:lvl2pPr marL="457200" algn="l" defTabSz="914400" rtl="0" eaLnBrk="1" latinLnBrk="0" hangingPunct="1">
+              <a:defRPr sz="1800" kern="1200">
+                <a:solidFill>
+                  <a:schemeClr val="tx1"/>
+                </a:solidFill>
+                <a:latin typeface="+mn-lt"/>
+                <a:ea typeface="+mn-ea"/>
+                <a:cs typeface="+mn-cs"/>
+              </a:defRPr>
+            </a:lvl2pPr>
+            <a:lvl3pPr marL="914400" algn="l" defTabSz="914400" rtl="0" eaLnBrk="1" latinLnBrk="0" hangingPunct="1">
+              <a:defRPr sz="1800" kern="1200">
+                <a:solidFill>
+                  <a:schemeClr val="tx1"/>
+                </a:solidFill>
+                <a:latin typeface="+mn-lt"/>
+                <a:ea typeface="+mn-ea"/>
+                <a:cs typeface="+mn-cs"/>
+              </a:defRPr>
+            </a:lvl3pPr>
+            <a:lvl4pPr marL="1371600" algn="l" defTabSz="914400" rtl="0" eaLnBrk="1" latinLnBrk="0" hangingPunct="1">
+              <a:defRPr sz="1800" kern="1200">
+                <a:solidFill>
+                  <a:schemeClr val="tx1"/>
+                </a:solidFill>
+                <a:latin typeface="+mn-lt"/>
+                <a:ea typeface="+mn-ea"/>
+                <a:cs typeface="+mn-cs"/>
+              </a:defRPr>
+            </a:lvl4pPr>
+            <a:lvl5pPr marL="1828800" algn="l" defTabSz="914400" rtl="0" eaLnBrk="1" latinLnBrk="0" hangingPunct="1">
+              <a:defRPr sz="1800" kern="1200">
+                <a:solidFill>
+                  <a:schemeClr val="tx1"/>
+                </a:solidFill>
+                <a:latin typeface="+mn-lt"/>
+                <a:ea typeface="+mn-ea"/>
+                <a:cs typeface="+mn-cs"/>
+              </a:defRPr>
+            </a:lvl5pPr>
+            <a:lvl6pPr marL="2286000" algn="l" defTabSz="914400" rtl="0" eaLnBrk="1" latinLnBrk="0" hangingPunct="1">
+              <a:defRPr sz="1800" kern="1200">
+                <a:solidFill>
+                  <a:schemeClr val="tx1"/>
+                </a:solidFill>
+                <a:latin typeface="+mn-lt"/>
+                <a:ea typeface="+mn-ea"/>
+                <a:cs typeface="+mn-cs"/>
+              </a:defRPr>
+            </a:lvl6pPr>
+            <a:lvl7pPr marL="2743200" algn="l" defTabSz="914400" rtl="0" eaLnBrk="1" latinLnBrk="0" hangingPunct="1">
+              <a:defRPr sz="1800" kern="1200">
+                <a:solidFill>
+                  <a:schemeClr val="tx1"/>
+                </a:solidFill>
+                <a:latin typeface="+mn-lt"/>
+                <a:ea typeface="+mn-ea"/>
+                <a:cs typeface="+mn-cs"/>
+              </a:defRPr>
+            </a:lvl7pPr>
+            <a:lvl8pPr marL="3200400" algn="l" defTabSz="914400" rtl="0" eaLnBrk="1" latinLnBrk="0" hangingPunct="1">
+              <a:defRPr sz="1800" kern="1200">
+                <a:solidFill>
+                  <a:schemeClr val="tx1"/>
+                </a:solidFill>
+                <a:latin typeface="+mn-lt"/>
+                <a:ea typeface="+mn-ea"/>
+                <a:cs typeface="+mn-cs"/>
+              </a:defRPr>
+            </a:lvl8pPr>
+            <a:lvl9pPr marL="3657600" algn="l" defTabSz="914400" rtl="0" eaLnBrk="1" latinLnBrk="0" hangingPunct="1">
+              <a:defRPr sz="1800" kern="1200">
+                <a:solidFill>
+                  <a:schemeClr val="tx1"/>
+                </a:solidFill>
+                <a:latin typeface="+mn-lt"/>
+                <a:ea typeface="+mn-ea"/>
+                <a:cs typeface="+mn-cs"/>
+              </a:defRPr>
+            </a:lvl9pPr>
+          </a:lstStyle>
+          <a:p>
+            <a:r>
+              <a:rPr lang="zh-CN" altLang="en-US"/>
+              <a:t>服务提供商</a:t>
+            </a:r>
+          </a:p>
+        </p:txBody>
+      </p:sp>
+      <p:sp>
+        <p:nvSpPr>
+          <p:cNvPr id="10" name="文本框 10">
+            <a:extLst>
+              <a:ext uri="{FF2B5EF4-FFF2-40B4-BE49-F238E27FC236}">
+                <a16:creationId xmlns:a16="http://schemas.microsoft.com/office/drawing/2014/main" id="{C5C45E69-3A57-4F82-BEEC-7A9F4036072A}"/>
+              </a:ext>
+            </a:extLst>
+          </p:cNvPr>
+          <p:cNvSpPr txBox="1"/>
+          <p:nvPr/>
+        </p:nvSpPr>
+        <p:spPr>
+          <a:xfrm>
+            <a:off x="8669020" y="891853"/>
+            <a:ext cx="1362075" cy="368300"/>
+          </a:xfrm>
+          <a:prstGeom prst="rect">
+            <a:avLst/>
+          </a:prstGeom>
+          <a:noFill/>
+        </p:spPr>
+        <p:txBody>
+          <a:bodyPr wrap="square" rtlCol="0">
+            <a:spAutoFit/>
+          </a:bodyPr>
+          <a:lstStyle>
+            <a:defPPr>
+              <a:defRPr lang="zh-CN"/>
+            </a:defPPr>
+            <a:lvl1pPr marL="0" algn="l" defTabSz="914400" rtl="0" eaLnBrk="1" latinLnBrk="0" hangingPunct="1">
+              <a:defRPr sz="1800" kern="1200">
+                <a:solidFill>
+                  <a:schemeClr val="tx1"/>
+                </a:solidFill>
+                <a:latin typeface="+mn-lt"/>
+                <a:ea typeface="+mn-ea"/>
+                <a:cs typeface="+mn-cs"/>
+              </a:defRPr>
+            </a:lvl1pPr>
+            <a:lvl2pPr marL="457200" algn="l" defTabSz="914400" rtl="0" eaLnBrk="1" latinLnBrk="0" hangingPunct="1">
+              <a:defRPr sz="1800" kern="1200">
+                <a:solidFill>
+                  <a:schemeClr val="tx1"/>
+                </a:solidFill>
+                <a:latin typeface="+mn-lt"/>
+                <a:ea typeface="+mn-ea"/>
+                <a:cs typeface="+mn-cs"/>
+              </a:defRPr>
+            </a:lvl2pPr>
+            <a:lvl3pPr marL="914400" algn="l" defTabSz="914400" rtl="0" eaLnBrk="1" latinLnBrk="0" hangingPunct="1">
+              <a:defRPr sz="1800" kern="1200">
+                <a:solidFill>
+                  <a:schemeClr val="tx1"/>
+                </a:solidFill>
+                <a:latin typeface="+mn-lt"/>
+                <a:ea typeface="+mn-ea"/>
+                <a:cs typeface="+mn-cs"/>
+              </a:defRPr>
+            </a:lvl3pPr>
+            <a:lvl4pPr marL="1371600" algn="l" defTabSz="914400" rtl="0" eaLnBrk="1" latinLnBrk="0" hangingPunct="1">
+              <a:defRPr sz="1800" kern="1200">
+                <a:solidFill>
+                  <a:schemeClr val="tx1"/>
+                </a:solidFill>
+                <a:latin typeface="+mn-lt"/>
+                <a:ea typeface="+mn-ea"/>
+                <a:cs typeface="+mn-cs"/>
+              </a:defRPr>
+            </a:lvl4pPr>
+            <a:lvl5pPr marL="1828800" algn="l" defTabSz="914400" rtl="0" eaLnBrk="1" latinLnBrk="0" hangingPunct="1">
+              <a:defRPr sz="1800" kern="1200">
+                <a:solidFill>
+                  <a:schemeClr val="tx1"/>
+                </a:solidFill>
+                <a:latin typeface="+mn-lt"/>
+                <a:ea typeface="+mn-ea"/>
+                <a:cs typeface="+mn-cs"/>
+              </a:defRPr>
+            </a:lvl5pPr>
+            <a:lvl6pPr marL="2286000" algn="l" defTabSz="914400" rtl="0" eaLnBrk="1" latinLnBrk="0" hangingPunct="1">
+              <a:defRPr sz="1800" kern="1200">
+                <a:solidFill>
+                  <a:schemeClr val="tx1"/>
+                </a:solidFill>
+                <a:latin typeface="+mn-lt"/>
+                <a:ea typeface="+mn-ea"/>
+                <a:cs typeface="+mn-cs"/>
+              </a:defRPr>
+            </a:lvl6pPr>
+            <a:lvl7pPr marL="2743200" algn="l" defTabSz="914400" rtl="0" eaLnBrk="1" latinLnBrk="0" hangingPunct="1">
+              <a:defRPr sz="1800" kern="1200">
+                <a:solidFill>
+                  <a:schemeClr val="tx1"/>
+                </a:solidFill>
+                <a:latin typeface="+mn-lt"/>
+                <a:ea typeface="+mn-ea"/>
+                <a:cs typeface="+mn-cs"/>
+              </a:defRPr>
+            </a:lvl7pPr>
+            <a:lvl8pPr marL="3200400" algn="l" defTabSz="914400" rtl="0" eaLnBrk="1" latinLnBrk="0" hangingPunct="1">
+              <a:defRPr sz="1800" kern="1200">
+                <a:solidFill>
+                  <a:schemeClr val="tx1"/>
+                </a:solidFill>
+                <a:latin typeface="+mn-lt"/>
+                <a:ea typeface="+mn-ea"/>
+                <a:cs typeface="+mn-cs"/>
+              </a:defRPr>
+            </a:lvl8pPr>
+            <a:lvl9pPr marL="3657600" algn="l" defTabSz="914400" rtl="0" eaLnBrk="1" latinLnBrk="0" hangingPunct="1">
+              <a:defRPr sz="1800" kern="1200">
+                <a:solidFill>
+                  <a:schemeClr val="tx1"/>
+                </a:solidFill>
+                <a:latin typeface="+mn-lt"/>
+                <a:ea typeface="+mn-ea"/>
+                <a:cs typeface="+mn-cs"/>
+              </a:defRPr>
+            </a:lvl9pPr>
+          </a:lstStyle>
+          <a:p>
+            <a:pPr algn="ctr"/>
+            <a:r>
+              <a:rPr lang="zh-CN" altLang="en-US"/>
+              <a:t>用户</a:t>
+            </a:r>
+          </a:p>
+        </p:txBody>
+      </p:sp>
+      <p:cxnSp>
+        <p:nvCxnSpPr>
+          <p:cNvPr id="11" name="直接箭头连接符 10">
+            <a:extLst>
+              <a:ext uri="{FF2B5EF4-FFF2-40B4-BE49-F238E27FC236}">
+                <a16:creationId xmlns:a16="http://schemas.microsoft.com/office/drawing/2014/main" id="{BFFB8106-529D-41C4-B00B-BD3789281726}"/>
+              </a:ext>
+            </a:extLst>
+          </p:cNvPr>
+          <p:cNvCxnSpPr/>
+          <p:nvPr/>
+        </p:nvCxnSpPr>
+        <p:spPr>
+          <a:xfrm>
+            <a:off x="3580130" y="2714303"/>
+            <a:ext cx="4467225" cy="9525"/>
+          </a:xfrm>
+          <a:prstGeom prst="straightConnector1">
+            <a:avLst/>
+          </a:prstGeom>
+          <a:ln w="28575" cmpd="sng">
+            <a:solidFill>
+              <a:schemeClr val="accent1">
+                <a:shade val="50000"/>
+              </a:schemeClr>
+            </a:solidFill>
+            <a:prstDash val="solid"/>
+            <a:tailEnd type="arrow"/>
+          </a:ln>
+        </p:spPr>
+        <p:style>
+          <a:lnRef idx="1">
+            <a:schemeClr val="accent1"/>
+          </a:lnRef>
+          <a:fillRef idx="0">
+            <a:schemeClr val="accent1"/>
+          </a:fillRef>
+          <a:effectRef idx="0">
+            <a:schemeClr val="accent1"/>
+          </a:effectRef>
+          <a:fontRef idx="minor">
+            <a:schemeClr val="tx1"/>
+          </a:fontRef>
+        </p:style>
+      </p:cxnSp>
+      <p:cxnSp>
+        <p:nvCxnSpPr>
+          <p:cNvPr id="12" name="直接箭头连接符 11">
+            <a:extLst>
+              <a:ext uri="{FF2B5EF4-FFF2-40B4-BE49-F238E27FC236}">
+                <a16:creationId xmlns:a16="http://schemas.microsoft.com/office/drawing/2014/main" id="{323687CF-4828-4870-BDC6-18725ACC0A8B}"/>
+              </a:ext>
+            </a:extLst>
+          </p:cNvPr>
+          <p:cNvCxnSpPr/>
+          <p:nvPr/>
+        </p:nvCxnSpPr>
+        <p:spPr>
+          <a:xfrm flipH="1" flipV="1">
+            <a:off x="3578860" y="1733228"/>
+            <a:ext cx="4467600" cy="9525"/>
+          </a:xfrm>
+          <a:prstGeom prst="straightConnector1">
+            <a:avLst/>
+          </a:prstGeom>
+          <a:ln w="28575" cmpd="sng">
+            <a:solidFill>
+              <a:schemeClr val="accent1">
+                <a:shade val="50000"/>
+              </a:schemeClr>
+            </a:solidFill>
+            <a:prstDash val="solid"/>
+            <a:tailEnd type="arrow"/>
+          </a:ln>
+        </p:spPr>
+        <p:style>
+          <a:lnRef idx="1">
+            <a:schemeClr val="accent1"/>
+          </a:lnRef>
+          <a:fillRef idx="0">
+            <a:schemeClr val="accent1"/>
+          </a:fillRef>
+          <a:effectRef idx="0">
+            <a:schemeClr val="accent1"/>
+          </a:effectRef>
+          <a:fontRef idx="minor">
+            <a:schemeClr val="tx1"/>
+          </a:fontRef>
+        </p:style>
+      </p:cxnSp>
+      <p:sp>
+        <p:nvSpPr>
+          <p:cNvPr id="13" name="文本框 14">
+            <a:extLst>
+              <a:ext uri="{FF2B5EF4-FFF2-40B4-BE49-F238E27FC236}">
+                <a16:creationId xmlns:a16="http://schemas.microsoft.com/office/drawing/2014/main" id="{A97A13DD-BC0C-4E4C-B796-86C34594D6F6}"/>
+              </a:ext>
+            </a:extLst>
+          </p:cNvPr>
+          <p:cNvSpPr txBox="1"/>
+          <p:nvPr/>
+        </p:nvSpPr>
+        <p:spPr>
+          <a:xfrm>
+            <a:off x="4784725" y="1342703"/>
+            <a:ext cx="2057400" cy="368300"/>
+          </a:xfrm>
+          <a:prstGeom prst="rect">
+            <a:avLst/>
+          </a:prstGeom>
+          <a:noFill/>
+        </p:spPr>
+        <p:txBody>
+          <a:bodyPr wrap="square" rtlCol="0">
+            <a:spAutoFit/>
+          </a:bodyPr>
+          <a:lstStyle>
+            <a:defPPr>
+              <a:defRPr lang="zh-CN"/>
+            </a:defPPr>
+            <a:lvl1pPr marL="0" algn="l" defTabSz="914400" rtl="0" eaLnBrk="1" latinLnBrk="0" hangingPunct="1">
+              <a:defRPr sz="1800" kern="1200">
+                <a:solidFill>
+                  <a:schemeClr val="tx1"/>
+                </a:solidFill>
+                <a:latin typeface="+mn-lt"/>
+                <a:ea typeface="+mn-ea"/>
+                <a:cs typeface="+mn-cs"/>
+              </a:defRPr>
+            </a:lvl1pPr>
+            <a:lvl2pPr marL="457200" algn="l" defTabSz="914400" rtl="0" eaLnBrk="1" latinLnBrk="0" hangingPunct="1">
+              <a:defRPr sz="1800" kern="1200">
+                <a:solidFill>
+                  <a:schemeClr val="tx1"/>
+                </a:solidFill>
+                <a:latin typeface="+mn-lt"/>
+                <a:ea typeface="+mn-ea"/>
+                <a:cs typeface="+mn-cs"/>
+              </a:defRPr>
+            </a:lvl2pPr>
+            <a:lvl3pPr marL="914400" algn="l" defTabSz="914400" rtl="0" eaLnBrk="1" latinLnBrk="0" hangingPunct="1">
+              <a:defRPr sz="1800" kern="1200">
+                <a:solidFill>
+                  <a:schemeClr val="tx1"/>
+                </a:solidFill>
+                <a:latin typeface="+mn-lt"/>
+                <a:ea typeface="+mn-ea"/>
+                <a:cs typeface="+mn-cs"/>
+              </a:defRPr>
+            </a:lvl3pPr>
+            <a:lvl4pPr marL="1371600" algn="l" defTabSz="914400" rtl="0" eaLnBrk="1" latinLnBrk="0" hangingPunct="1">
+              <a:defRPr sz="1800" kern="1200">
+                <a:solidFill>
+                  <a:schemeClr val="tx1"/>
+                </a:solidFill>
+                <a:latin typeface="+mn-lt"/>
+                <a:ea typeface="+mn-ea"/>
+                <a:cs typeface="+mn-cs"/>
+              </a:defRPr>
+            </a:lvl4pPr>
+            <a:lvl5pPr marL="1828800" algn="l" defTabSz="914400" rtl="0" eaLnBrk="1" latinLnBrk="0" hangingPunct="1">
+              <a:defRPr sz="1800" kern="1200">
+                <a:solidFill>
+                  <a:schemeClr val="tx1"/>
+                </a:solidFill>
+                <a:latin typeface="+mn-lt"/>
+                <a:ea typeface="+mn-ea"/>
+                <a:cs typeface="+mn-cs"/>
+              </a:defRPr>
+            </a:lvl5pPr>
+            <a:lvl6pPr marL="2286000" algn="l" defTabSz="914400" rtl="0" eaLnBrk="1" latinLnBrk="0" hangingPunct="1">
+              <a:defRPr sz="1800" kern="1200">
+                <a:solidFill>
+                  <a:schemeClr val="tx1"/>
+                </a:solidFill>
+                <a:latin typeface="+mn-lt"/>
+                <a:ea typeface="+mn-ea"/>
+                <a:cs typeface="+mn-cs"/>
+              </a:defRPr>
+            </a:lvl6pPr>
+            <a:lvl7pPr marL="2743200" algn="l" defTabSz="914400" rtl="0" eaLnBrk="1" latinLnBrk="0" hangingPunct="1">
+              <a:defRPr sz="1800" kern="1200">
+                <a:solidFill>
+                  <a:schemeClr val="tx1"/>
+                </a:solidFill>
+                <a:latin typeface="+mn-lt"/>
+                <a:ea typeface="+mn-ea"/>
+                <a:cs typeface="+mn-cs"/>
+              </a:defRPr>
+            </a:lvl7pPr>
+            <a:lvl8pPr marL="3200400" algn="l" defTabSz="914400" rtl="0" eaLnBrk="1" latinLnBrk="0" hangingPunct="1">
+              <a:defRPr sz="1800" kern="1200">
+                <a:solidFill>
+                  <a:schemeClr val="tx1"/>
+                </a:solidFill>
+                <a:latin typeface="+mn-lt"/>
+                <a:ea typeface="+mn-ea"/>
+                <a:cs typeface="+mn-cs"/>
+              </a:defRPr>
+            </a:lvl8pPr>
+            <a:lvl9pPr marL="3657600" algn="l" defTabSz="914400" rtl="0" eaLnBrk="1" latinLnBrk="0" hangingPunct="1">
+              <a:defRPr sz="1800" kern="1200">
+                <a:solidFill>
+                  <a:schemeClr val="tx1"/>
+                </a:solidFill>
+                <a:latin typeface="+mn-lt"/>
+                <a:ea typeface="+mn-ea"/>
+                <a:cs typeface="+mn-cs"/>
+              </a:defRPr>
+            </a:lvl9pPr>
+          </a:lstStyle>
+          <a:p>
+            <a:r>
+              <a:rPr lang="zh-CN" altLang="en-US"/>
+              <a:t>待预测样本</a:t>
+            </a:r>
+            <a:r>
+              <a:rPr lang="en-US" altLang="zh-CN"/>
+              <a:t>x</a:t>
+            </a:r>
+          </a:p>
+        </p:txBody>
+      </p:sp>
+      <p:sp>
+        <p:nvSpPr>
+          <p:cNvPr id="14" name="文本框 15">
+            <a:extLst>
+              <a:ext uri="{FF2B5EF4-FFF2-40B4-BE49-F238E27FC236}">
+                <a16:creationId xmlns:a16="http://schemas.microsoft.com/office/drawing/2014/main" id="{6D93AA22-90AD-4F4F-AD99-1A265C70CDAA}"/>
+              </a:ext>
+            </a:extLst>
+          </p:cNvPr>
+          <p:cNvSpPr txBox="1"/>
+          <p:nvPr/>
+        </p:nvSpPr>
+        <p:spPr>
+          <a:xfrm>
+            <a:off x="4785360" y="2241228"/>
+            <a:ext cx="2057400" cy="368300"/>
+          </a:xfrm>
+          <a:prstGeom prst="rect">
+            <a:avLst/>
+          </a:prstGeom>
+          <a:noFill/>
+        </p:spPr>
+        <p:txBody>
+          <a:bodyPr wrap="square" rtlCol="0">
+            <a:spAutoFit/>
+          </a:bodyPr>
+          <a:lstStyle>
+            <a:defPPr>
+              <a:defRPr lang="zh-CN"/>
+            </a:defPPr>
+            <a:lvl1pPr marL="0" algn="l" defTabSz="914400" rtl="0" eaLnBrk="1" latinLnBrk="0" hangingPunct="1">
+              <a:defRPr sz="1800" kern="1200">
+                <a:solidFill>
+                  <a:schemeClr val="tx1"/>
+                </a:solidFill>
+                <a:latin typeface="+mn-lt"/>
+                <a:ea typeface="+mn-ea"/>
+                <a:cs typeface="+mn-cs"/>
+              </a:defRPr>
+            </a:lvl1pPr>
+            <a:lvl2pPr marL="457200" algn="l" defTabSz="914400" rtl="0" eaLnBrk="1" latinLnBrk="0" hangingPunct="1">
+              <a:defRPr sz="1800" kern="1200">
+                <a:solidFill>
+                  <a:schemeClr val="tx1"/>
+                </a:solidFill>
+                <a:latin typeface="+mn-lt"/>
+                <a:ea typeface="+mn-ea"/>
+                <a:cs typeface="+mn-cs"/>
+              </a:defRPr>
+            </a:lvl2pPr>
+            <a:lvl3pPr marL="914400" algn="l" defTabSz="914400" rtl="0" eaLnBrk="1" latinLnBrk="0" hangingPunct="1">
+              <a:defRPr sz="1800" kern="1200">
+                <a:solidFill>
+                  <a:schemeClr val="tx1"/>
+                </a:solidFill>
+                <a:latin typeface="+mn-lt"/>
+                <a:ea typeface="+mn-ea"/>
+                <a:cs typeface="+mn-cs"/>
+              </a:defRPr>
+            </a:lvl3pPr>
+            <a:lvl4pPr marL="1371600" algn="l" defTabSz="914400" rtl="0" eaLnBrk="1" latinLnBrk="0" hangingPunct="1">
+              <a:defRPr sz="1800" kern="1200">
+                <a:solidFill>
+                  <a:schemeClr val="tx1"/>
+                </a:solidFill>
+                <a:latin typeface="+mn-lt"/>
+                <a:ea typeface="+mn-ea"/>
+                <a:cs typeface="+mn-cs"/>
+              </a:defRPr>
+            </a:lvl4pPr>
+            <a:lvl5pPr marL="1828800" algn="l" defTabSz="914400" rtl="0" eaLnBrk="1" latinLnBrk="0" hangingPunct="1">
+              <a:defRPr sz="1800" kern="1200">
+                <a:solidFill>
+                  <a:schemeClr val="tx1"/>
+                </a:solidFill>
+                <a:latin typeface="+mn-lt"/>
+                <a:ea typeface="+mn-ea"/>
+                <a:cs typeface="+mn-cs"/>
+              </a:defRPr>
+            </a:lvl5pPr>
+            <a:lvl6pPr marL="2286000" algn="l" defTabSz="914400" rtl="0" eaLnBrk="1" latinLnBrk="0" hangingPunct="1">
+              <a:defRPr sz="1800" kern="1200">
+                <a:solidFill>
+                  <a:schemeClr val="tx1"/>
+                </a:solidFill>
+                <a:latin typeface="+mn-lt"/>
+                <a:ea typeface="+mn-ea"/>
+                <a:cs typeface="+mn-cs"/>
+              </a:defRPr>
+            </a:lvl6pPr>
+            <a:lvl7pPr marL="2743200" algn="l" defTabSz="914400" rtl="0" eaLnBrk="1" latinLnBrk="0" hangingPunct="1">
+              <a:defRPr sz="1800" kern="1200">
+                <a:solidFill>
+                  <a:schemeClr val="tx1"/>
+                </a:solidFill>
+                <a:latin typeface="+mn-lt"/>
+                <a:ea typeface="+mn-ea"/>
+                <a:cs typeface="+mn-cs"/>
+              </a:defRPr>
+            </a:lvl7pPr>
+            <a:lvl8pPr marL="3200400" algn="l" defTabSz="914400" rtl="0" eaLnBrk="1" latinLnBrk="0" hangingPunct="1">
+              <a:defRPr sz="1800" kern="1200">
+                <a:solidFill>
+                  <a:schemeClr val="tx1"/>
+                </a:solidFill>
+                <a:latin typeface="+mn-lt"/>
+                <a:ea typeface="+mn-ea"/>
+                <a:cs typeface="+mn-cs"/>
+              </a:defRPr>
+            </a:lvl8pPr>
+            <a:lvl9pPr marL="3657600" algn="l" defTabSz="914400" rtl="0" eaLnBrk="1" latinLnBrk="0" hangingPunct="1">
+              <a:defRPr sz="1800" kern="1200">
+                <a:solidFill>
+                  <a:schemeClr val="tx1"/>
+                </a:solidFill>
+                <a:latin typeface="+mn-lt"/>
+                <a:ea typeface="+mn-ea"/>
+                <a:cs typeface="+mn-cs"/>
+              </a:defRPr>
+            </a:lvl9pPr>
+          </a:lstStyle>
+          <a:p>
+            <a:r>
+              <a:rPr lang="zh-CN" altLang="en-US"/>
+              <a:t>预测结果</a:t>
+            </a:r>
+            <a:r>
+              <a:rPr lang="en-US" altLang="zh-CN"/>
+              <a:t>y</a:t>
+            </a:r>
+          </a:p>
+        </p:txBody>
+      </p:sp>
+      <p:sp>
+        <p:nvSpPr>
+          <p:cNvPr id="15" name="文本框 16">
+            <a:extLst>
+              <a:ext uri="{FF2B5EF4-FFF2-40B4-BE49-F238E27FC236}">
+                <a16:creationId xmlns:a16="http://schemas.microsoft.com/office/drawing/2014/main" id="{0C59ECDF-506A-420F-89BE-0187637891DE}"/>
+              </a:ext>
+            </a:extLst>
+          </p:cNvPr>
+          <p:cNvSpPr txBox="1"/>
+          <p:nvPr/>
+        </p:nvSpPr>
+        <p:spPr>
+          <a:xfrm>
+            <a:off x="1822450" y="3315013"/>
+            <a:ext cx="1524000" cy="645160"/>
+          </a:xfrm>
+          <a:prstGeom prst="rect">
+            <a:avLst/>
+          </a:prstGeom>
+          <a:noFill/>
+        </p:spPr>
+        <p:txBody>
+          <a:bodyPr wrap="square" rtlCol="0">
+            <a:spAutoFit/>
+          </a:bodyPr>
+          <a:lstStyle>
+            <a:defPPr>
+              <a:defRPr lang="zh-CN"/>
+            </a:defPPr>
+            <a:lvl1pPr marL="0" algn="l" defTabSz="914400" rtl="0" eaLnBrk="1" latinLnBrk="0" hangingPunct="1">
+              <a:defRPr sz="1800" kern="1200">
+                <a:solidFill>
+                  <a:schemeClr val="tx1"/>
+                </a:solidFill>
+                <a:latin typeface="+mn-lt"/>
+                <a:ea typeface="+mn-ea"/>
+                <a:cs typeface="+mn-cs"/>
+              </a:defRPr>
+            </a:lvl1pPr>
+            <a:lvl2pPr marL="457200" algn="l" defTabSz="914400" rtl="0" eaLnBrk="1" latinLnBrk="0" hangingPunct="1">
+              <a:defRPr sz="1800" kern="1200">
+                <a:solidFill>
+                  <a:schemeClr val="tx1"/>
+                </a:solidFill>
+                <a:latin typeface="+mn-lt"/>
+                <a:ea typeface="+mn-ea"/>
+                <a:cs typeface="+mn-cs"/>
+              </a:defRPr>
+            </a:lvl2pPr>
+            <a:lvl3pPr marL="914400" algn="l" defTabSz="914400" rtl="0" eaLnBrk="1" latinLnBrk="0" hangingPunct="1">
+              <a:defRPr sz="1800" kern="1200">
+                <a:solidFill>
+                  <a:schemeClr val="tx1"/>
+                </a:solidFill>
+                <a:latin typeface="+mn-lt"/>
+                <a:ea typeface="+mn-ea"/>
+                <a:cs typeface="+mn-cs"/>
+              </a:defRPr>
+            </a:lvl3pPr>
+            <a:lvl4pPr marL="1371600" algn="l" defTabSz="914400" rtl="0" eaLnBrk="1" latinLnBrk="0" hangingPunct="1">
+              <a:defRPr sz="1800" kern="1200">
+                <a:solidFill>
+                  <a:schemeClr val="tx1"/>
+                </a:solidFill>
+                <a:latin typeface="+mn-lt"/>
+                <a:ea typeface="+mn-ea"/>
+                <a:cs typeface="+mn-cs"/>
+              </a:defRPr>
+            </a:lvl4pPr>
+            <a:lvl5pPr marL="1828800" algn="l" defTabSz="914400" rtl="0" eaLnBrk="1" latinLnBrk="0" hangingPunct="1">
+              <a:defRPr sz="1800" kern="1200">
+                <a:solidFill>
+                  <a:schemeClr val="tx1"/>
+                </a:solidFill>
+                <a:latin typeface="+mn-lt"/>
+                <a:ea typeface="+mn-ea"/>
+                <a:cs typeface="+mn-cs"/>
+              </a:defRPr>
+            </a:lvl5pPr>
+            <a:lvl6pPr marL="2286000" algn="l" defTabSz="914400" rtl="0" eaLnBrk="1" latinLnBrk="0" hangingPunct="1">
+              <a:defRPr sz="1800" kern="1200">
+                <a:solidFill>
+                  <a:schemeClr val="tx1"/>
+                </a:solidFill>
+                <a:latin typeface="+mn-lt"/>
+                <a:ea typeface="+mn-ea"/>
+                <a:cs typeface="+mn-cs"/>
+              </a:defRPr>
+            </a:lvl6pPr>
+            <a:lvl7pPr marL="2743200" algn="l" defTabSz="914400" rtl="0" eaLnBrk="1" latinLnBrk="0" hangingPunct="1">
+              <a:defRPr sz="1800" kern="1200">
+                <a:solidFill>
+                  <a:schemeClr val="tx1"/>
+                </a:solidFill>
+                <a:latin typeface="+mn-lt"/>
+                <a:ea typeface="+mn-ea"/>
+                <a:cs typeface="+mn-cs"/>
+              </a:defRPr>
+            </a:lvl7pPr>
+            <a:lvl8pPr marL="3200400" algn="l" defTabSz="914400" rtl="0" eaLnBrk="1" latinLnBrk="0" hangingPunct="1">
+              <a:defRPr sz="1800" kern="1200">
+                <a:solidFill>
+                  <a:schemeClr val="tx1"/>
+                </a:solidFill>
+                <a:latin typeface="+mn-lt"/>
+                <a:ea typeface="+mn-ea"/>
+                <a:cs typeface="+mn-cs"/>
+              </a:defRPr>
+            </a:lvl8pPr>
+            <a:lvl9pPr marL="3657600" algn="l" defTabSz="914400" rtl="0" eaLnBrk="1" latinLnBrk="0" hangingPunct="1">
+              <a:defRPr sz="1800" kern="1200">
+                <a:solidFill>
+                  <a:schemeClr val="tx1"/>
+                </a:solidFill>
+                <a:latin typeface="+mn-lt"/>
+                <a:ea typeface="+mn-ea"/>
+                <a:cs typeface="+mn-cs"/>
+              </a:defRPr>
+            </a:lvl9pPr>
+          </a:lstStyle>
+          <a:p>
+            <a:pPr algn="ctr"/>
+            <a:r>
+              <a:rPr lang="zh-CN" altLang="en-US"/>
+              <a:t>拥有机器学习模型</a:t>
+            </a:r>
+            <a:r>
+              <a:rPr lang="en-US" altLang="zh-CN"/>
+              <a:t>w</a:t>
+            </a:r>
+          </a:p>
+        </p:txBody>
+      </p:sp>
+      <p:sp>
+        <p:nvSpPr>
+          <p:cNvPr id="16" name="椭圆形标注 17">
+            <a:extLst>
+              <a:ext uri="{FF2B5EF4-FFF2-40B4-BE49-F238E27FC236}">
+                <a16:creationId xmlns:a16="http://schemas.microsoft.com/office/drawing/2014/main" id="{071BD40D-74DF-4199-8D77-36A6799CD581}"/>
+              </a:ext>
+            </a:extLst>
+          </p:cNvPr>
+          <p:cNvSpPr/>
+          <p:nvPr/>
+        </p:nvSpPr>
+        <p:spPr>
+          <a:xfrm>
+            <a:off x="9768840" y="815653"/>
+            <a:ext cx="1543050" cy="771525"/>
+          </a:xfrm>
+          <a:prstGeom prst="wedgeEllipseCallout">
+            <a:avLst/>
+          </a:prstGeom>
+        </p:spPr>
+        <p:style>
+          <a:lnRef idx="2">
+            <a:schemeClr val="accent6"/>
+          </a:lnRef>
+          <a:fillRef idx="1">
+            <a:schemeClr val="lt1"/>
+          </a:fillRef>
+          <a:effectRef idx="0">
+            <a:schemeClr val="accent6"/>
+          </a:effectRef>
+          <a:fontRef idx="minor">
+            <a:schemeClr val="dk1"/>
+          </a:fontRef>
+        </p:style>
+        <p:txBody>
+          <a:bodyPr rtlCol="0" anchor="ctr"/>
+          <a:lstStyle>
+            <a:defPPr>
+              <a:defRPr lang="zh-CN">
+                <a:solidFill>
+                  <a:schemeClr val="dk1"/>
+                </a:solidFill>
+              </a:defRPr>
+            </a:defPPr>
+            <a:lvl1pPr marL="0" algn="l" defTabSz="914400" rtl="0" eaLnBrk="1" latinLnBrk="0" hangingPunct="1">
+              <a:defRPr sz="1800" kern="1200">
+                <a:solidFill>
+                  <a:schemeClr val="dk1"/>
+                </a:solidFill>
+                <a:latin typeface="+mn-lt"/>
+                <a:ea typeface="+mn-ea"/>
+                <a:cs typeface="+mn-cs"/>
+              </a:defRPr>
+            </a:lvl1pPr>
+            <a:lvl2pPr marL="457200" algn="l" defTabSz="914400" rtl="0" eaLnBrk="1" latinLnBrk="0" hangingPunct="1">
+              <a:defRPr sz="1800" kern="1200">
+                <a:solidFill>
+                  <a:schemeClr val="dk1"/>
+                </a:solidFill>
+                <a:latin typeface="+mn-lt"/>
+                <a:ea typeface="+mn-ea"/>
+                <a:cs typeface="+mn-cs"/>
+              </a:defRPr>
+            </a:lvl2pPr>
+            <a:lvl3pPr marL="914400" algn="l" defTabSz="914400" rtl="0" eaLnBrk="1" latinLnBrk="0" hangingPunct="1">
+              <a:defRPr sz="1800" kern="1200">
+                <a:solidFill>
+                  <a:schemeClr val="dk1"/>
+                </a:solidFill>
+                <a:latin typeface="+mn-lt"/>
+                <a:ea typeface="+mn-ea"/>
+                <a:cs typeface="+mn-cs"/>
+              </a:defRPr>
+            </a:lvl3pPr>
+            <a:lvl4pPr marL="1371600" algn="l" defTabSz="914400" rtl="0" eaLnBrk="1" latinLnBrk="0" hangingPunct="1">
+              <a:defRPr sz="1800" kern="1200">
+                <a:solidFill>
+                  <a:schemeClr val="dk1"/>
+                </a:solidFill>
+                <a:latin typeface="+mn-lt"/>
+                <a:ea typeface="+mn-ea"/>
+                <a:cs typeface="+mn-cs"/>
+              </a:defRPr>
+            </a:lvl4pPr>
+            <a:lvl5pPr marL="1828800" algn="l" defTabSz="914400" rtl="0" eaLnBrk="1" latinLnBrk="0" hangingPunct="1">
+              <a:defRPr sz="1800" kern="1200">
+                <a:solidFill>
+                  <a:schemeClr val="dk1"/>
+                </a:solidFill>
+                <a:latin typeface="+mn-lt"/>
+                <a:ea typeface="+mn-ea"/>
+                <a:cs typeface="+mn-cs"/>
+              </a:defRPr>
+            </a:lvl5pPr>
+            <a:lvl6pPr marL="2286000" algn="l" defTabSz="914400" rtl="0" eaLnBrk="1" latinLnBrk="0" hangingPunct="1">
+              <a:defRPr sz="1800" kern="1200">
+                <a:solidFill>
+                  <a:schemeClr val="dk1"/>
+                </a:solidFill>
+                <a:latin typeface="+mn-lt"/>
+                <a:ea typeface="+mn-ea"/>
+                <a:cs typeface="+mn-cs"/>
+              </a:defRPr>
+            </a:lvl6pPr>
+            <a:lvl7pPr marL="2743200" algn="l" defTabSz="914400" rtl="0" eaLnBrk="1" latinLnBrk="0" hangingPunct="1">
+              <a:defRPr sz="1800" kern="1200">
+                <a:solidFill>
+                  <a:schemeClr val="dk1"/>
+                </a:solidFill>
+                <a:latin typeface="+mn-lt"/>
+                <a:ea typeface="+mn-ea"/>
+                <a:cs typeface="+mn-cs"/>
+              </a:defRPr>
+            </a:lvl7pPr>
+            <a:lvl8pPr marL="3200400" algn="l" defTabSz="914400" rtl="0" eaLnBrk="1" latinLnBrk="0" hangingPunct="1">
+              <a:defRPr sz="1800" kern="1200">
+                <a:solidFill>
+                  <a:schemeClr val="dk1"/>
+                </a:solidFill>
+                <a:latin typeface="+mn-lt"/>
+                <a:ea typeface="+mn-ea"/>
+                <a:cs typeface="+mn-cs"/>
+              </a:defRPr>
+            </a:lvl8pPr>
+            <a:lvl9pPr marL="3657600" algn="l" defTabSz="914400" rtl="0" eaLnBrk="1" latinLnBrk="0" hangingPunct="1">
+              <a:defRPr sz="1800" kern="1200">
+                <a:solidFill>
+                  <a:schemeClr val="dk1"/>
+                </a:solidFill>
+                <a:latin typeface="+mn-lt"/>
+                <a:ea typeface="+mn-ea"/>
+                <a:cs typeface="+mn-cs"/>
+              </a:defRPr>
+            </a:lvl9pPr>
+          </a:lstStyle>
+          <a:p>
+            <a:pPr algn="ctr"/>
+            <a:endParaRPr lang="zh-CN" altLang="en-US"/>
+          </a:p>
+        </p:txBody>
+      </p:sp>
+      <p:sp>
+        <p:nvSpPr>
+          <p:cNvPr id="17" name="文本框 18">
+            <a:extLst>
+              <a:ext uri="{FF2B5EF4-FFF2-40B4-BE49-F238E27FC236}">
+                <a16:creationId xmlns:a16="http://schemas.microsoft.com/office/drawing/2014/main" id="{2B094C1A-09D0-4DE9-A674-F02BAB74C45C}"/>
+              </a:ext>
+            </a:extLst>
+          </p:cNvPr>
+          <p:cNvSpPr txBox="1"/>
+          <p:nvPr/>
+        </p:nvSpPr>
+        <p:spPr>
+          <a:xfrm>
+            <a:off x="10031095" y="1017583"/>
+            <a:ext cx="1114425" cy="368300"/>
+          </a:xfrm>
+          <a:prstGeom prst="rect">
+            <a:avLst/>
+          </a:prstGeom>
+          <a:noFill/>
+        </p:spPr>
+        <p:txBody>
+          <a:bodyPr wrap="square" rtlCol="0">
+            <a:spAutoFit/>
+          </a:bodyPr>
+          <a:lstStyle>
+            <a:defPPr>
+              <a:defRPr lang="zh-CN"/>
+            </a:defPPr>
+            <a:lvl1pPr marL="0" algn="l" defTabSz="914400" rtl="0" eaLnBrk="1" latinLnBrk="0" hangingPunct="1">
+              <a:defRPr sz="1800" kern="1200">
+                <a:solidFill>
+                  <a:schemeClr val="tx1"/>
+                </a:solidFill>
+                <a:latin typeface="+mn-lt"/>
+                <a:ea typeface="+mn-ea"/>
+                <a:cs typeface="+mn-cs"/>
+              </a:defRPr>
+            </a:lvl1pPr>
+            <a:lvl2pPr marL="457200" algn="l" defTabSz="914400" rtl="0" eaLnBrk="1" latinLnBrk="0" hangingPunct="1">
+              <a:defRPr sz="1800" kern="1200">
+                <a:solidFill>
+                  <a:schemeClr val="tx1"/>
+                </a:solidFill>
+                <a:latin typeface="+mn-lt"/>
+                <a:ea typeface="+mn-ea"/>
+                <a:cs typeface="+mn-cs"/>
+              </a:defRPr>
+            </a:lvl2pPr>
+            <a:lvl3pPr marL="914400" algn="l" defTabSz="914400" rtl="0" eaLnBrk="1" latinLnBrk="0" hangingPunct="1">
+              <a:defRPr sz="1800" kern="1200">
+                <a:solidFill>
+                  <a:schemeClr val="tx1"/>
+                </a:solidFill>
+                <a:latin typeface="+mn-lt"/>
+                <a:ea typeface="+mn-ea"/>
+                <a:cs typeface="+mn-cs"/>
+              </a:defRPr>
+            </a:lvl3pPr>
+            <a:lvl4pPr marL="1371600" algn="l" defTabSz="914400" rtl="0" eaLnBrk="1" latinLnBrk="0" hangingPunct="1">
+              <a:defRPr sz="1800" kern="1200">
+                <a:solidFill>
+                  <a:schemeClr val="tx1"/>
+                </a:solidFill>
+                <a:latin typeface="+mn-lt"/>
+                <a:ea typeface="+mn-ea"/>
+                <a:cs typeface="+mn-cs"/>
+              </a:defRPr>
+            </a:lvl4pPr>
+            <a:lvl5pPr marL="1828800" algn="l" defTabSz="914400" rtl="0" eaLnBrk="1" latinLnBrk="0" hangingPunct="1">
+              <a:defRPr sz="1800" kern="1200">
+                <a:solidFill>
+                  <a:schemeClr val="tx1"/>
+                </a:solidFill>
+                <a:latin typeface="+mn-lt"/>
+                <a:ea typeface="+mn-ea"/>
+                <a:cs typeface="+mn-cs"/>
+              </a:defRPr>
+            </a:lvl5pPr>
+            <a:lvl6pPr marL="2286000" algn="l" defTabSz="914400" rtl="0" eaLnBrk="1" latinLnBrk="0" hangingPunct="1">
+              <a:defRPr sz="1800" kern="1200">
+                <a:solidFill>
+                  <a:schemeClr val="tx1"/>
+                </a:solidFill>
+                <a:latin typeface="+mn-lt"/>
+                <a:ea typeface="+mn-ea"/>
+                <a:cs typeface="+mn-cs"/>
+              </a:defRPr>
+            </a:lvl6pPr>
+            <a:lvl7pPr marL="2743200" algn="l" defTabSz="914400" rtl="0" eaLnBrk="1" latinLnBrk="0" hangingPunct="1">
+              <a:defRPr sz="1800" kern="1200">
+                <a:solidFill>
+                  <a:schemeClr val="tx1"/>
+                </a:solidFill>
+                <a:latin typeface="+mn-lt"/>
+                <a:ea typeface="+mn-ea"/>
+                <a:cs typeface="+mn-cs"/>
+              </a:defRPr>
+            </a:lvl7pPr>
+            <a:lvl8pPr marL="3200400" algn="l" defTabSz="914400" rtl="0" eaLnBrk="1" latinLnBrk="0" hangingPunct="1">
+              <a:defRPr sz="1800" kern="1200">
+                <a:solidFill>
+                  <a:schemeClr val="tx1"/>
+                </a:solidFill>
+                <a:latin typeface="+mn-lt"/>
+                <a:ea typeface="+mn-ea"/>
+                <a:cs typeface="+mn-cs"/>
+              </a:defRPr>
+            </a:lvl8pPr>
+            <a:lvl9pPr marL="3657600" algn="l" defTabSz="914400" rtl="0" eaLnBrk="1" latinLnBrk="0" hangingPunct="1">
+              <a:defRPr sz="1800" kern="1200">
+                <a:solidFill>
+                  <a:schemeClr val="tx1"/>
+                </a:solidFill>
+                <a:latin typeface="+mn-lt"/>
+                <a:ea typeface="+mn-ea"/>
+                <a:cs typeface="+mn-cs"/>
+              </a:defRPr>
+            </a:lvl9pPr>
+          </a:lstStyle>
+          <a:p>
+            <a:r>
+              <a:rPr lang="en-US" altLang="zh-CN"/>
+              <a:t>y=w(x)?</a:t>
+            </a:r>
+          </a:p>
+        </p:txBody>
+      </p:sp>
+      <p:sp>
+        <p:nvSpPr>
+          <p:cNvPr id="18" name="文本框 17">
+            <a:extLst>
+              <a:ext uri="{FF2B5EF4-FFF2-40B4-BE49-F238E27FC236}">
+                <a16:creationId xmlns:a16="http://schemas.microsoft.com/office/drawing/2014/main" id="{5B9D353E-9763-4BE4-A450-305FAEBF4B5E}"/>
+              </a:ext>
+            </a:extLst>
+          </p:cNvPr>
+          <p:cNvSpPr txBox="1"/>
+          <p:nvPr/>
+        </p:nvSpPr>
+        <p:spPr>
+          <a:xfrm>
+            <a:off x="1588167" y="4160833"/>
+            <a:ext cx="7591927" cy="1200329"/>
+          </a:xfrm>
+          <a:prstGeom prst="rect">
+            <a:avLst/>
+          </a:prstGeom>
+          <a:noFill/>
+        </p:spPr>
+        <p:txBody>
+          <a:bodyPr wrap="square">
+            <a:spAutoFit/>
+          </a:bodyPr>
+          <a:lstStyle/>
+          <a:p>
+            <a:r>
+              <a:rPr lang="zh-CN" altLang="en-US" dirty="0"/>
+              <a:t>优质的模型</a:t>
+            </a:r>
+            <a:r>
+              <a:rPr lang="en-US" altLang="zh-CN" dirty="0"/>
+              <a:t>=</a:t>
+            </a:r>
+            <a:r>
+              <a:rPr lang="zh-CN" altLang="en-US" dirty="0"/>
+              <a:t>重复多次调参</a:t>
+            </a:r>
+            <a:r>
+              <a:rPr lang="en-US" altLang="zh-CN" dirty="0"/>
+              <a:t>+</a:t>
+            </a:r>
+            <a:r>
+              <a:rPr lang="zh-CN" altLang="en-US" dirty="0"/>
+              <a:t>优质的数据集</a:t>
+            </a:r>
+            <a:r>
+              <a:rPr lang="en-US" altLang="zh-CN" dirty="0"/>
+              <a:t>+</a:t>
+            </a:r>
+            <a:r>
+              <a:rPr lang="zh-CN" altLang="en-US" dirty="0"/>
+              <a:t>长时间的训练</a:t>
+            </a:r>
+          </a:p>
+          <a:p>
+            <a:endParaRPr lang="zh-CN" altLang="en-US" dirty="0"/>
+          </a:p>
+          <a:p>
+            <a:endParaRPr lang="zh-CN" altLang="en-US" dirty="0"/>
+          </a:p>
+          <a:p>
+            <a:r>
+              <a:rPr lang="zh-CN" altLang="en-US" dirty="0"/>
+              <a:t>优质模型具有</a:t>
+            </a:r>
+            <a:r>
+              <a:rPr lang="zh-CN" altLang="en-US" b="1" dirty="0">
+                <a:solidFill>
+                  <a:srgbClr val="FF0000"/>
+                </a:solidFill>
+              </a:rPr>
+              <a:t>高额价值</a:t>
+            </a:r>
+            <a:r>
+              <a:rPr lang="zh-CN" altLang="en-US" dirty="0">
+                <a:solidFill>
+                  <a:schemeClr val="tx1"/>
+                </a:solidFill>
+              </a:rPr>
+              <a:t>，为了保证模型安全，不能泄露任何模型信息。</a:t>
+            </a:r>
+          </a:p>
+        </p:txBody>
+      </p:sp>
+    </p:spTree>
+    <p:extLst>
+      <p:ext uri="{BB962C8B-B14F-4D97-AF65-F5344CB8AC3E}">
+        <p14:creationId xmlns:p14="http://schemas.microsoft.com/office/powerpoint/2010/main" val="1941240584"/>
+      </p:ext>
+    </p:extLst>
+  </p:cSld>
+  <p:clrMapOvr>
+    <a:masterClrMapping/>
+  </p:clrMapOvr>
+  <p:timing>
+    <p:tnLst>
+      <p:par>
+        <p:cTn id="1" dur="indefinite" restart="never" nodeType="tmRoot">
+          <p:childTnLst>
+            <p:seq concurrent="1" nextAc="seek">
+              <p:cTn id="2" dur="indefinite" nodeType="mainSeq">
+                <p:childTnLst>
+                  <p:par>
+                    <p:cTn id="3" fill="hold">
+                      <p:stCondLst>
+                        <p:cond delay="indefinite"/>
+                      </p:stCondLst>
+                      <p:childTnLst>
+                        <p:par>
+                          <p:cTn id="4" fill="hold">
+                            <p:stCondLst>
+                              <p:cond delay="0"/>
+                            </p:stCondLst>
+                            <p:childTnLst>
+                              <p:par>
+                                <p:cTn id="5" presetID="1" presetClass="entr" presetSubtype="0" fill="hold" nodeType="clickEffect">
+                                  <p:stCondLst>
+                                    <p:cond delay="0"/>
+                                  </p:stCondLst>
+                                  <p:childTnLst>
+                                    <p:set>
+                                      <p:cBhvr>
+                                        <p:cTn id="6" dur="1" fill="hold">
+                                          <p:stCondLst>
+                                            <p:cond delay="0"/>
+                                          </p:stCondLst>
+                                        </p:cTn>
+                                        <p:tgtEl>
+                                          <p:spTgt spid="18">
+                                            <p:txEl>
+                                              <p:pRg st="0" end="0"/>
+                                            </p:txEl>
+                                          </p:spTgt>
+                                        </p:tgtEl>
+                                        <p:attrNameLst>
+                                          <p:attrName>style.visibility</p:attrName>
+                                        </p:attrNameLst>
+                                      </p:cBhvr>
+                                      <p:to>
+                                        <p:strVal val="visible"/>
+                                      </p:to>
+                                    </p:set>
+                                  </p:childTnLst>
+                                </p:cTn>
+                              </p:par>
+                              <p:par>
+                                <p:cTn id="7" presetID="1" presetClass="entr" presetSubtype="0" fill="hold" nodeType="withEffect">
+                                  <p:stCondLst>
+                                    <p:cond delay="0"/>
+                                  </p:stCondLst>
+                                  <p:childTnLst>
+                                    <p:set>
+                                      <p:cBhvr>
+                                        <p:cTn id="8" dur="1" fill="hold">
+                                          <p:stCondLst>
+                                            <p:cond delay="0"/>
+                                          </p:stCondLst>
+                                        </p:cTn>
+                                        <p:tgtEl>
+                                          <p:spTgt spid="18">
+                                            <p:txEl>
+                                              <p:pRg st="3" end="3"/>
+                                            </p:txEl>
+                                          </p:spTgt>
+                                        </p:tgtEl>
+                                        <p:attrNameLst>
+                                          <p:attrName>style.visibility</p:attrName>
+                                        </p:attrNameLst>
+                                      </p:cBhvr>
+                                      <p:to>
+                                        <p:strVal val="visible"/>
+                                      </p:to>
+                                    </p:set>
+                                  </p:childTnLst>
+                                </p:cTn>
+                              </p:par>
+                            </p:childTnLst>
+                          </p:cTn>
+                        </p:par>
+                      </p:childTnLst>
+                    </p:cTn>
+                  </p:par>
+                </p:childTnLst>
+              </p:cTn>
+              <p:prevCondLst>
+                <p:cond evt="onPrev" delay="0">
+                  <p:tgtEl>
+                    <p:sldTgt/>
+                  </p:tgtEl>
+                </p:cond>
+              </p:prevCondLst>
+              <p:nextCondLst>
+                <p:cond evt="onNext" delay="0">
+                  <p:tgtEl>
+                    <p:sldTgt/>
+                  </p:tgtEl>
+                </p:cond>
+              </p:nextCondLst>
+            </p:seq>
+          </p:childTnLst>
+        </p:cTn>
+      </p:par>
+    </p:tnLst>
+  </p:timing>
+</p:sld>
+</file>
+
+<file path=ppt/slides/slide3.xml><?xml version="1.0" encoding="utf-8"?>
+<p:sld xmlns:a="http://schemas.openxmlformats.org/drawingml/2006/main" xmlns:r="http://schemas.openxmlformats.org/officeDocument/2006/relationships" xmlns:p="http://schemas.openxmlformats.org/presentationml/2006/main">
+  <p:cSld>
+    <p:spTree>
+      <p:nvGrpSpPr>
+        <p:cNvPr id="1" name=""/>
+        <p:cNvGrpSpPr/>
+        <p:nvPr/>
+      </p:nvGrpSpPr>
+      <p:grpSpPr>
+        <a:xfrm>
+          <a:off x="0" y="0"/>
+          <a:ext cx="0" cy="0"/>
+          <a:chOff x="0" y="0"/>
+          <a:chExt cx="0" cy="0"/>
+        </a:xfrm>
+      </p:grpSpPr>
+      <p:pic>
+        <p:nvPicPr>
+          <p:cNvPr id="3" name="图片 2">
+            <a:extLst>
+              <a:ext uri="{FF2B5EF4-FFF2-40B4-BE49-F238E27FC236}">
+                <a16:creationId xmlns:a16="http://schemas.microsoft.com/office/drawing/2014/main" id="{0B9FC9A4-FBD7-2148-998A-D26AF654866A}"/>
+              </a:ext>
+            </a:extLst>
+          </p:cNvPr>
+          <p:cNvPicPr>
+            <a:picLocks noChangeAspect="1"/>
+          </p:cNvPicPr>
+          <p:nvPr/>
+        </p:nvPicPr>
+        <p:blipFill>
+          <a:blip r:embed="rId2"/>
+          <a:stretch>
+            <a:fillRect/>
+          </a:stretch>
+        </p:blipFill>
+        <p:spPr>
+          <a:xfrm>
+            <a:off x="128337" y="372859"/>
+            <a:ext cx="12192000" cy="6632251"/>
+          </a:xfrm>
+          <a:prstGeom prst="rect">
+            <a:avLst/>
+          </a:prstGeom>
+        </p:spPr>
+      </p:pic>
+      <p:sp>
+        <p:nvSpPr>
           <p:cNvPr id="5" name="文本框 4">
             <a:extLst>
               <a:ext uri="{FF2B5EF4-FFF2-40B4-BE49-F238E27FC236}">
@@ -8309,7 +10131,7 @@
 </p:sld>
 </file>
 
-<file path=ppt/slides/slide3.xml><?xml version="1.0" encoding="utf-8"?>
+<file path=ppt/slides/slide4.xml><?xml version="1.0" encoding="utf-8"?>
 <p:sld xmlns:a="http://schemas.openxmlformats.org/drawingml/2006/main" xmlns:r="http://schemas.openxmlformats.org/officeDocument/2006/relationships" xmlns:p="http://schemas.openxmlformats.org/presentationml/2006/main">
   <p:cSld>
     <p:spTree>
@@ -8489,1901 +10311,6 @@
     <p:extLst>
       <p:ext uri="{BB962C8B-B14F-4D97-AF65-F5344CB8AC3E}">
         <p14:creationId xmlns:p14="http://schemas.microsoft.com/office/powerpoint/2010/main" val="111589397"/>
-      </p:ext>
-    </p:extLst>
-  </p:cSld>
-  <p:clrMapOvr>
-    <a:masterClrMapping/>
-  </p:clrMapOvr>
-</p:sld>
-</file>
-
-<file path=ppt/slides/slide4.xml><?xml version="1.0" encoding="utf-8"?>
-<p:sld xmlns:a="http://schemas.openxmlformats.org/drawingml/2006/main" xmlns:r="http://schemas.openxmlformats.org/officeDocument/2006/relationships" xmlns:p="http://schemas.openxmlformats.org/presentationml/2006/main">
-  <p:cSld>
-    <p:spTree>
-      <p:nvGrpSpPr>
-        <p:cNvPr id="1" name=""/>
-        <p:cNvGrpSpPr/>
-        <p:nvPr/>
-      </p:nvGrpSpPr>
-      <p:grpSpPr>
-        <a:xfrm>
-          <a:off x="0" y="0"/>
-          <a:ext cx="0" cy="0"/>
-          <a:chOff x="0" y="0"/>
-          <a:chExt cx="0" cy="0"/>
-        </a:xfrm>
-      </p:grpSpPr>
-      <p:pic>
-        <p:nvPicPr>
-          <p:cNvPr id="3" name="图片 2">
-            <a:extLst>
-              <a:ext uri="{FF2B5EF4-FFF2-40B4-BE49-F238E27FC236}">
-                <a16:creationId xmlns:a16="http://schemas.microsoft.com/office/drawing/2014/main" id="{0B9FC9A4-FBD7-2148-998A-D26AF654866A}"/>
-              </a:ext>
-            </a:extLst>
-          </p:cNvPr>
-          <p:cNvPicPr>
-            <a:picLocks noChangeAspect="1"/>
-          </p:cNvPicPr>
-          <p:nvPr/>
-        </p:nvPicPr>
-        <p:blipFill>
-          <a:blip r:embed="rId3"/>
-          <a:stretch>
-            <a:fillRect/>
-          </a:stretch>
-        </p:blipFill>
-        <p:spPr>
-          <a:xfrm>
-            <a:off x="128337" y="372859"/>
-            <a:ext cx="12192000" cy="6632251"/>
-          </a:xfrm>
-          <a:prstGeom prst="rect">
-            <a:avLst/>
-          </a:prstGeom>
-        </p:spPr>
-      </p:pic>
-      <p:sp>
-        <p:nvSpPr>
-          <p:cNvPr id="5" name="文本框 4">
-            <a:extLst>
-              <a:ext uri="{FF2B5EF4-FFF2-40B4-BE49-F238E27FC236}">
-                <a16:creationId xmlns:a16="http://schemas.microsoft.com/office/drawing/2014/main" id="{4BF52846-C8E9-4DED-B914-3BDF12797D0B}"/>
-              </a:ext>
-            </a:extLst>
-          </p:cNvPr>
-          <p:cNvSpPr txBox="1"/>
-          <p:nvPr/>
-        </p:nvSpPr>
-        <p:spPr>
-          <a:xfrm>
-            <a:off x="417094" y="657726"/>
-            <a:ext cx="11055577" cy="707886"/>
-          </a:xfrm>
-          <a:prstGeom prst="rect">
-            <a:avLst/>
-          </a:prstGeom>
-          <a:noFill/>
-        </p:spPr>
-        <p:txBody>
-          <a:bodyPr wrap="square" rtlCol="0">
-            <a:spAutoFit/>
-          </a:bodyPr>
-          <a:lstStyle/>
-          <a:p>
-            <a:r>
-              <a:rPr lang="en-US" altLang="zh-CN" sz="2000" dirty="0">
-                <a:latin typeface="微软雅黑" panose="020B0503020204020204" pitchFamily="34" charset="-122"/>
-                <a:ea typeface="微软雅黑" panose="020B0503020204020204" pitchFamily="34" charset="-122"/>
-              </a:rPr>
-              <a:t>Commit</a:t>
-            </a:r>
-            <a:r>
-              <a:rPr lang="zh-CN" altLang="en-US" sz="2000" dirty="0">
-                <a:latin typeface="微软雅黑" panose="020B0503020204020204" pitchFamily="34" charset="-122"/>
-                <a:ea typeface="微软雅黑" panose="020B0503020204020204" pitchFamily="34" charset="-122"/>
-              </a:rPr>
-              <a:t>：</a:t>
-            </a:r>
-            <a:endParaRPr lang="en-US" altLang="zh-CN" sz="2000" dirty="0">
-              <a:latin typeface="微软雅黑" panose="020B0503020204020204" pitchFamily="34" charset="-122"/>
-              <a:ea typeface="微软雅黑" panose="020B0503020204020204" pitchFamily="34" charset="-122"/>
-            </a:endParaRPr>
-          </a:p>
-          <a:p>
-            <a:endParaRPr lang="en-US" altLang="zh-CN" sz="2000" dirty="0">
-              <a:latin typeface="微软雅黑" panose="020B0503020204020204" pitchFamily="34" charset="-122"/>
-              <a:ea typeface="微软雅黑" panose="020B0503020204020204" pitchFamily="34" charset="-122"/>
-            </a:endParaRPr>
-          </a:p>
-        </p:txBody>
-      </p:sp>
-      <p:sp>
-        <p:nvSpPr>
-          <p:cNvPr id="18" name="椭圆 17">
-            <a:extLst>
-              <a:ext uri="{FF2B5EF4-FFF2-40B4-BE49-F238E27FC236}">
-                <a16:creationId xmlns:a16="http://schemas.microsoft.com/office/drawing/2014/main" id="{083C3997-7FCD-4B04-BA71-9BFFF87982BD}"/>
-              </a:ext>
-            </a:extLst>
-          </p:cNvPr>
-          <p:cNvSpPr/>
-          <p:nvPr/>
-        </p:nvSpPr>
-        <p:spPr>
-          <a:xfrm>
-            <a:off x="2008505" y="1908664"/>
-            <a:ext cx="581025" cy="581025"/>
-          </a:xfrm>
-          <a:prstGeom prst="ellipse">
-            <a:avLst/>
-          </a:prstGeom>
-        </p:spPr>
-        <p:style>
-          <a:lnRef idx="2">
-            <a:schemeClr val="accent1">
-              <a:shade val="50000"/>
-            </a:schemeClr>
-          </a:lnRef>
-          <a:fillRef idx="1">
-            <a:schemeClr val="accent1"/>
-          </a:fillRef>
-          <a:effectRef idx="0">
-            <a:schemeClr val="accent1"/>
-          </a:effectRef>
-          <a:fontRef idx="minor">
-            <a:schemeClr val="lt1"/>
-          </a:fontRef>
-        </p:style>
-        <p:txBody>
-          <a:bodyPr rtlCol="0" anchor="ctr"/>
-          <a:lstStyle>
-            <a:defPPr>
-              <a:defRPr lang="zh-CN">
-                <a:solidFill>
-                  <a:schemeClr val="lt1"/>
-                </a:solidFill>
-              </a:defRPr>
-            </a:defPPr>
-            <a:lvl1pPr marL="0" algn="l" defTabSz="914400" rtl="0" eaLnBrk="1" latinLnBrk="0" hangingPunct="1">
-              <a:defRPr sz="1800" kern="1200">
-                <a:solidFill>
-                  <a:schemeClr val="lt1"/>
-                </a:solidFill>
-                <a:latin typeface="+mn-lt"/>
-                <a:ea typeface="+mn-ea"/>
-                <a:cs typeface="+mn-cs"/>
-              </a:defRPr>
-            </a:lvl1pPr>
-            <a:lvl2pPr marL="457200" algn="l" defTabSz="914400" rtl="0" eaLnBrk="1" latinLnBrk="0" hangingPunct="1">
-              <a:defRPr sz="1800" kern="1200">
-                <a:solidFill>
-                  <a:schemeClr val="lt1"/>
-                </a:solidFill>
-                <a:latin typeface="+mn-lt"/>
-                <a:ea typeface="+mn-ea"/>
-                <a:cs typeface="+mn-cs"/>
-              </a:defRPr>
-            </a:lvl2pPr>
-            <a:lvl3pPr marL="914400" algn="l" defTabSz="914400" rtl="0" eaLnBrk="1" latinLnBrk="0" hangingPunct="1">
-              <a:defRPr sz="1800" kern="1200">
-                <a:solidFill>
-                  <a:schemeClr val="lt1"/>
-                </a:solidFill>
-                <a:latin typeface="+mn-lt"/>
-                <a:ea typeface="+mn-ea"/>
-                <a:cs typeface="+mn-cs"/>
-              </a:defRPr>
-            </a:lvl3pPr>
-            <a:lvl4pPr marL="1371600" algn="l" defTabSz="914400" rtl="0" eaLnBrk="1" latinLnBrk="0" hangingPunct="1">
-              <a:defRPr sz="1800" kern="1200">
-                <a:solidFill>
-                  <a:schemeClr val="lt1"/>
-                </a:solidFill>
-                <a:latin typeface="+mn-lt"/>
-                <a:ea typeface="+mn-ea"/>
-                <a:cs typeface="+mn-cs"/>
-              </a:defRPr>
-            </a:lvl4pPr>
-            <a:lvl5pPr marL="1828800" algn="l" defTabSz="914400" rtl="0" eaLnBrk="1" latinLnBrk="0" hangingPunct="1">
-              <a:defRPr sz="1800" kern="1200">
-                <a:solidFill>
-                  <a:schemeClr val="lt1"/>
-                </a:solidFill>
-                <a:latin typeface="+mn-lt"/>
-                <a:ea typeface="+mn-ea"/>
-                <a:cs typeface="+mn-cs"/>
-              </a:defRPr>
-            </a:lvl5pPr>
-            <a:lvl6pPr marL="2286000" algn="l" defTabSz="914400" rtl="0" eaLnBrk="1" latinLnBrk="0" hangingPunct="1">
-              <a:defRPr sz="1800" kern="1200">
-                <a:solidFill>
-                  <a:schemeClr val="lt1"/>
-                </a:solidFill>
-                <a:latin typeface="+mn-lt"/>
-                <a:ea typeface="+mn-ea"/>
-                <a:cs typeface="+mn-cs"/>
-              </a:defRPr>
-            </a:lvl6pPr>
-            <a:lvl7pPr marL="2743200" algn="l" defTabSz="914400" rtl="0" eaLnBrk="1" latinLnBrk="0" hangingPunct="1">
-              <a:defRPr sz="1800" kern="1200">
-                <a:solidFill>
-                  <a:schemeClr val="lt1"/>
-                </a:solidFill>
-                <a:latin typeface="+mn-lt"/>
-                <a:ea typeface="+mn-ea"/>
-                <a:cs typeface="+mn-cs"/>
-              </a:defRPr>
-            </a:lvl7pPr>
-            <a:lvl8pPr marL="3200400" algn="l" defTabSz="914400" rtl="0" eaLnBrk="1" latinLnBrk="0" hangingPunct="1">
-              <a:defRPr sz="1800" kern="1200">
-                <a:solidFill>
-                  <a:schemeClr val="lt1"/>
-                </a:solidFill>
-                <a:latin typeface="+mn-lt"/>
-                <a:ea typeface="+mn-ea"/>
-                <a:cs typeface="+mn-cs"/>
-              </a:defRPr>
-            </a:lvl8pPr>
-            <a:lvl9pPr marL="3657600" algn="l" defTabSz="914400" rtl="0" eaLnBrk="1" latinLnBrk="0" hangingPunct="1">
-              <a:defRPr sz="1800" kern="1200">
-                <a:solidFill>
-                  <a:schemeClr val="lt1"/>
-                </a:solidFill>
-                <a:latin typeface="+mn-lt"/>
-                <a:ea typeface="+mn-ea"/>
-                <a:cs typeface="+mn-cs"/>
-              </a:defRPr>
-            </a:lvl9pPr>
-          </a:lstStyle>
-          <a:p>
-            <a:pPr algn="ctr"/>
-            <a:endParaRPr lang="zh-CN" altLang="en-US">
-              <a:latin typeface="微软雅黑" panose="020B0503020204020204" pitchFamily="34" charset="-122"/>
-              <a:ea typeface="微软雅黑" panose="020B0503020204020204" pitchFamily="34" charset="-122"/>
-            </a:endParaRPr>
-          </a:p>
-        </p:txBody>
-      </p:sp>
-      <p:sp>
-        <p:nvSpPr>
-          <p:cNvPr id="19" name="圆角矩形 4">
-            <a:extLst>
-              <a:ext uri="{FF2B5EF4-FFF2-40B4-BE49-F238E27FC236}">
-                <a16:creationId xmlns:a16="http://schemas.microsoft.com/office/drawing/2014/main" id="{E71F84A5-97B7-44D0-83E4-DA5BDE9A9A02}"/>
-              </a:ext>
-            </a:extLst>
-          </p:cNvPr>
-          <p:cNvSpPr/>
-          <p:nvPr/>
-        </p:nvSpPr>
-        <p:spPr>
-          <a:xfrm>
-            <a:off x="1880235" y="2489689"/>
-            <a:ext cx="837565" cy="1190625"/>
-          </a:xfrm>
-          <a:prstGeom prst="roundRect">
-            <a:avLst/>
-          </a:prstGeom>
-        </p:spPr>
-        <p:style>
-          <a:lnRef idx="2">
-            <a:schemeClr val="accent1">
-              <a:shade val="50000"/>
-            </a:schemeClr>
-          </a:lnRef>
-          <a:fillRef idx="1">
-            <a:schemeClr val="accent1"/>
-          </a:fillRef>
-          <a:effectRef idx="0">
-            <a:schemeClr val="accent1"/>
-          </a:effectRef>
-          <a:fontRef idx="minor">
-            <a:schemeClr val="lt1"/>
-          </a:fontRef>
-        </p:style>
-        <p:txBody>
-          <a:bodyPr rtlCol="0" anchor="ctr"/>
-          <a:lstStyle>
-            <a:defPPr>
-              <a:defRPr lang="zh-CN">
-                <a:solidFill>
-                  <a:schemeClr val="lt1"/>
-                </a:solidFill>
-              </a:defRPr>
-            </a:defPPr>
-            <a:lvl1pPr marL="0" algn="l" defTabSz="914400" rtl="0" eaLnBrk="1" latinLnBrk="0" hangingPunct="1">
-              <a:defRPr sz="1800" kern="1200">
-                <a:solidFill>
-                  <a:schemeClr val="lt1"/>
-                </a:solidFill>
-                <a:latin typeface="+mn-lt"/>
-                <a:ea typeface="+mn-ea"/>
-                <a:cs typeface="+mn-cs"/>
-              </a:defRPr>
-            </a:lvl1pPr>
-            <a:lvl2pPr marL="457200" algn="l" defTabSz="914400" rtl="0" eaLnBrk="1" latinLnBrk="0" hangingPunct="1">
-              <a:defRPr sz="1800" kern="1200">
-                <a:solidFill>
-                  <a:schemeClr val="lt1"/>
-                </a:solidFill>
-                <a:latin typeface="+mn-lt"/>
-                <a:ea typeface="+mn-ea"/>
-                <a:cs typeface="+mn-cs"/>
-              </a:defRPr>
-            </a:lvl2pPr>
-            <a:lvl3pPr marL="914400" algn="l" defTabSz="914400" rtl="0" eaLnBrk="1" latinLnBrk="0" hangingPunct="1">
-              <a:defRPr sz="1800" kern="1200">
-                <a:solidFill>
-                  <a:schemeClr val="lt1"/>
-                </a:solidFill>
-                <a:latin typeface="+mn-lt"/>
-                <a:ea typeface="+mn-ea"/>
-                <a:cs typeface="+mn-cs"/>
-              </a:defRPr>
-            </a:lvl3pPr>
-            <a:lvl4pPr marL="1371600" algn="l" defTabSz="914400" rtl="0" eaLnBrk="1" latinLnBrk="0" hangingPunct="1">
-              <a:defRPr sz="1800" kern="1200">
-                <a:solidFill>
-                  <a:schemeClr val="lt1"/>
-                </a:solidFill>
-                <a:latin typeface="+mn-lt"/>
-                <a:ea typeface="+mn-ea"/>
-                <a:cs typeface="+mn-cs"/>
-              </a:defRPr>
-            </a:lvl4pPr>
-            <a:lvl5pPr marL="1828800" algn="l" defTabSz="914400" rtl="0" eaLnBrk="1" latinLnBrk="0" hangingPunct="1">
-              <a:defRPr sz="1800" kern="1200">
-                <a:solidFill>
-                  <a:schemeClr val="lt1"/>
-                </a:solidFill>
-                <a:latin typeface="+mn-lt"/>
-                <a:ea typeface="+mn-ea"/>
-                <a:cs typeface="+mn-cs"/>
-              </a:defRPr>
-            </a:lvl5pPr>
-            <a:lvl6pPr marL="2286000" algn="l" defTabSz="914400" rtl="0" eaLnBrk="1" latinLnBrk="0" hangingPunct="1">
-              <a:defRPr sz="1800" kern="1200">
-                <a:solidFill>
-                  <a:schemeClr val="lt1"/>
-                </a:solidFill>
-                <a:latin typeface="+mn-lt"/>
-                <a:ea typeface="+mn-ea"/>
-                <a:cs typeface="+mn-cs"/>
-              </a:defRPr>
-            </a:lvl6pPr>
-            <a:lvl7pPr marL="2743200" algn="l" defTabSz="914400" rtl="0" eaLnBrk="1" latinLnBrk="0" hangingPunct="1">
-              <a:defRPr sz="1800" kern="1200">
-                <a:solidFill>
-                  <a:schemeClr val="lt1"/>
-                </a:solidFill>
-                <a:latin typeface="+mn-lt"/>
-                <a:ea typeface="+mn-ea"/>
-                <a:cs typeface="+mn-cs"/>
-              </a:defRPr>
-            </a:lvl7pPr>
-            <a:lvl8pPr marL="3200400" algn="l" defTabSz="914400" rtl="0" eaLnBrk="1" latinLnBrk="0" hangingPunct="1">
-              <a:defRPr sz="1800" kern="1200">
-                <a:solidFill>
-                  <a:schemeClr val="lt1"/>
-                </a:solidFill>
-                <a:latin typeface="+mn-lt"/>
-                <a:ea typeface="+mn-ea"/>
-                <a:cs typeface="+mn-cs"/>
-              </a:defRPr>
-            </a:lvl8pPr>
-            <a:lvl9pPr marL="3657600" algn="l" defTabSz="914400" rtl="0" eaLnBrk="1" latinLnBrk="0" hangingPunct="1">
-              <a:defRPr sz="1800" kern="1200">
-                <a:solidFill>
-                  <a:schemeClr val="lt1"/>
-                </a:solidFill>
-                <a:latin typeface="+mn-lt"/>
-                <a:ea typeface="+mn-ea"/>
-                <a:cs typeface="+mn-cs"/>
-              </a:defRPr>
-            </a:lvl9pPr>
-          </a:lstStyle>
-          <a:p>
-            <a:pPr algn="ctr"/>
-            <a:endParaRPr lang="zh-CN" altLang="en-US">
-              <a:latin typeface="微软雅黑" panose="020B0503020204020204" pitchFamily="34" charset="-122"/>
-              <a:ea typeface="微软雅黑" panose="020B0503020204020204" pitchFamily="34" charset="-122"/>
-            </a:endParaRPr>
-          </a:p>
-        </p:txBody>
-      </p:sp>
-      <p:sp>
-        <p:nvSpPr>
-          <p:cNvPr id="20" name="椭圆 19">
-            <a:extLst>
-              <a:ext uri="{FF2B5EF4-FFF2-40B4-BE49-F238E27FC236}">
-                <a16:creationId xmlns:a16="http://schemas.microsoft.com/office/drawing/2014/main" id="{45F1AECF-FFA6-455D-9DAA-02B68AEF7325}"/>
-              </a:ext>
-            </a:extLst>
-          </p:cNvPr>
-          <p:cNvSpPr/>
-          <p:nvPr/>
-        </p:nvSpPr>
-        <p:spPr>
-          <a:xfrm>
-            <a:off x="8774430" y="1908664"/>
-            <a:ext cx="581025" cy="581025"/>
-          </a:xfrm>
-          <a:prstGeom prst="ellipse">
-            <a:avLst/>
-          </a:prstGeom>
-        </p:spPr>
-        <p:style>
-          <a:lnRef idx="2">
-            <a:schemeClr val="accent1">
-              <a:shade val="50000"/>
-            </a:schemeClr>
-          </a:lnRef>
-          <a:fillRef idx="1">
-            <a:schemeClr val="accent1"/>
-          </a:fillRef>
-          <a:effectRef idx="0">
-            <a:schemeClr val="accent1"/>
-          </a:effectRef>
-          <a:fontRef idx="minor">
-            <a:schemeClr val="lt1"/>
-          </a:fontRef>
-        </p:style>
-        <p:txBody>
-          <a:bodyPr rtlCol="0" anchor="ctr"/>
-          <a:lstStyle>
-            <a:defPPr>
-              <a:defRPr lang="zh-CN">
-                <a:solidFill>
-                  <a:schemeClr val="lt1"/>
-                </a:solidFill>
-              </a:defRPr>
-            </a:defPPr>
-            <a:lvl1pPr marL="0" algn="l" defTabSz="914400" rtl="0" eaLnBrk="1" latinLnBrk="0" hangingPunct="1">
-              <a:defRPr sz="1800" kern="1200">
-                <a:solidFill>
-                  <a:schemeClr val="lt1"/>
-                </a:solidFill>
-                <a:latin typeface="+mn-lt"/>
-                <a:ea typeface="+mn-ea"/>
-                <a:cs typeface="+mn-cs"/>
-              </a:defRPr>
-            </a:lvl1pPr>
-            <a:lvl2pPr marL="457200" algn="l" defTabSz="914400" rtl="0" eaLnBrk="1" latinLnBrk="0" hangingPunct="1">
-              <a:defRPr sz="1800" kern="1200">
-                <a:solidFill>
-                  <a:schemeClr val="lt1"/>
-                </a:solidFill>
-                <a:latin typeface="+mn-lt"/>
-                <a:ea typeface="+mn-ea"/>
-                <a:cs typeface="+mn-cs"/>
-              </a:defRPr>
-            </a:lvl2pPr>
-            <a:lvl3pPr marL="914400" algn="l" defTabSz="914400" rtl="0" eaLnBrk="1" latinLnBrk="0" hangingPunct="1">
-              <a:defRPr sz="1800" kern="1200">
-                <a:solidFill>
-                  <a:schemeClr val="lt1"/>
-                </a:solidFill>
-                <a:latin typeface="+mn-lt"/>
-                <a:ea typeface="+mn-ea"/>
-                <a:cs typeface="+mn-cs"/>
-              </a:defRPr>
-            </a:lvl3pPr>
-            <a:lvl4pPr marL="1371600" algn="l" defTabSz="914400" rtl="0" eaLnBrk="1" latinLnBrk="0" hangingPunct="1">
-              <a:defRPr sz="1800" kern="1200">
-                <a:solidFill>
-                  <a:schemeClr val="lt1"/>
-                </a:solidFill>
-                <a:latin typeface="+mn-lt"/>
-                <a:ea typeface="+mn-ea"/>
-                <a:cs typeface="+mn-cs"/>
-              </a:defRPr>
-            </a:lvl4pPr>
-            <a:lvl5pPr marL="1828800" algn="l" defTabSz="914400" rtl="0" eaLnBrk="1" latinLnBrk="0" hangingPunct="1">
-              <a:defRPr sz="1800" kern="1200">
-                <a:solidFill>
-                  <a:schemeClr val="lt1"/>
-                </a:solidFill>
-                <a:latin typeface="+mn-lt"/>
-                <a:ea typeface="+mn-ea"/>
-                <a:cs typeface="+mn-cs"/>
-              </a:defRPr>
-            </a:lvl5pPr>
-            <a:lvl6pPr marL="2286000" algn="l" defTabSz="914400" rtl="0" eaLnBrk="1" latinLnBrk="0" hangingPunct="1">
-              <a:defRPr sz="1800" kern="1200">
-                <a:solidFill>
-                  <a:schemeClr val="lt1"/>
-                </a:solidFill>
-                <a:latin typeface="+mn-lt"/>
-                <a:ea typeface="+mn-ea"/>
-                <a:cs typeface="+mn-cs"/>
-              </a:defRPr>
-            </a:lvl6pPr>
-            <a:lvl7pPr marL="2743200" algn="l" defTabSz="914400" rtl="0" eaLnBrk="1" latinLnBrk="0" hangingPunct="1">
-              <a:defRPr sz="1800" kern="1200">
-                <a:solidFill>
-                  <a:schemeClr val="lt1"/>
-                </a:solidFill>
-                <a:latin typeface="+mn-lt"/>
-                <a:ea typeface="+mn-ea"/>
-                <a:cs typeface="+mn-cs"/>
-              </a:defRPr>
-            </a:lvl7pPr>
-            <a:lvl8pPr marL="3200400" algn="l" defTabSz="914400" rtl="0" eaLnBrk="1" latinLnBrk="0" hangingPunct="1">
-              <a:defRPr sz="1800" kern="1200">
-                <a:solidFill>
-                  <a:schemeClr val="lt1"/>
-                </a:solidFill>
-                <a:latin typeface="+mn-lt"/>
-                <a:ea typeface="+mn-ea"/>
-                <a:cs typeface="+mn-cs"/>
-              </a:defRPr>
-            </a:lvl8pPr>
-            <a:lvl9pPr marL="3657600" algn="l" defTabSz="914400" rtl="0" eaLnBrk="1" latinLnBrk="0" hangingPunct="1">
-              <a:defRPr sz="1800" kern="1200">
-                <a:solidFill>
-                  <a:schemeClr val="lt1"/>
-                </a:solidFill>
-                <a:latin typeface="+mn-lt"/>
-                <a:ea typeface="+mn-ea"/>
-                <a:cs typeface="+mn-cs"/>
-              </a:defRPr>
-            </a:lvl9pPr>
-          </a:lstStyle>
-          <a:p>
-            <a:pPr algn="ctr"/>
-            <a:endParaRPr lang="zh-CN" altLang="en-US">
-              <a:latin typeface="微软雅黑" panose="020B0503020204020204" pitchFamily="34" charset="-122"/>
-              <a:ea typeface="微软雅黑" panose="020B0503020204020204" pitchFamily="34" charset="-122"/>
-            </a:endParaRPr>
-          </a:p>
-        </p:txBody>
-      </p:sp>
-      <p:sp>
-        <p:nvSpPr>
-          <p:cNvPr id="21" name="圆角矩形 8">
-            <a:extLst>
-              <a:ext uri="{FF2B5EF4-FFF2-40B4-BE49-F238E27FC236}">
-                <a16:creationId xmlns:a16="http://schemas.microsoft.com/office/drawing/2014/main" id="{736FB66A-15E4-4803-80CE-5873DA6C5A70}"/>
-              </a:ext>
-            </a:extLst>
-          </p:cNvPr>
-          <p:cNvSpPr/>
-          <p:nvPr/>
-        </p:nvSpPr>
-        <p:spPr>
-          <a:xfrm>
-            <a:off x="8646160" y="2489689"/>
-            <a:ext cx="837565" cy="1190625"/>
-          </a:xfrm>
-          <a:prstGeom prst="roundRect">
-            <a:avLst/>
-          </a:prstGeom>
-        </p:spPr>
-        <p:style>
-          <a:lnRef idx="2">
-            <a:schemeClr val="accent1">
-              <a:shade val="50000"/>
-            </a:schemeClr>
-          </a:lnRef>
-          <a:fillRef idx="1">
-            <a:schemeClr val="accent1"/>
-          </a:fillRef>
-          <a:effectRef idx="0">
-            <a:schemeClr val="accent1"/>
-          </a:effectRef>
-          <a:fontRef idx="minor">
-            <a:schemeClr val="lt1"/>
-          </a:fontRef>
-        </p:style>
-        <p:txBody>
-          <a:bodyPr rtlCol="0" anchor="ctr"/>
-          <a:lstStyle>
-            <a:defPPr>
-              <a:defRPr lang="zh-CN">
-                <a:solidFill>
-                  <a:schemeClr val="lt1"/>
-                </a:solidFill>
-              </a:defRPr>
-            </a:defPPr>
-            <a:lvl1pPr marL="0" algn="l" defTabSz="914400" rtl="0" eaLnBrk="1" latinLnBrk="0" hangingPunct="1">
-              <a:defRPr sz="1800" kern="1200">
-                <a:solidFill>
-                  <a:schemeClr val="lt1"/>
-                </a:solidFill>
-                <a:latin typeface="+mn-lt"/>
-                <a:ea typeface="+mn-ea"/>
-                <a:cs typeface="+mn-cs"/>
-              </a:defRPr>
-            </a:lvl1pPr>
-            <a:lvl2pPr marL="457200" algn="l" defTabSz="914400" rtl="0" eaLnBrk="1" latinLnBrk="0" hangingPunct="1">
-              <a:defRPr sz="1800" kern="1200">
-                <a:solidFill>
-                  <a:schemeClr val="lt1"/>
-                </a:solidFill>
-                <a:latin typeface="+mn-lt"/>
-                <a:ea typeface="+mn-ea"/>
-                <a:cs typeface="+mn-cs"/>
-              </a:defRPr>
-            </a:lvl2pPr>
-            <a:lvl3pPr marL="914400" algn="l" defTabSz="914400" rtl="0" eaLnBrk="1" latinLnBrk="0" hangingPunct="1">
-              <a:defRPr sz="1800" kern="1200">
-                <a:solidFill>
-                  <a:schemeClr val="lt1"/>
-                </a:solidFill>
-                <a:latin typeface="+mn-lt"/>
-                <a:ea typeface="+mn-ea"/>
-                <a:cs typeface="+mn-cs"/>
-              </a:defRPr>
-            </a:lvl3pPr>
-            <a:lvl4pPr marL="1371600" algn="l" defTabSz="914400" rtl="0" eaLnBrk="1" latinLnBrk="0" hangingPunct="1">
-              <a:defRPr sz="1800" kern="1200">
-                <a:solidFill>
-                  <a:schemeClr val="lt1"/>
-                </a:solidFill>
-                <a:latin typeface="+mn-lt"/>
-                <a:ea typeface="+mn-ea"/>
-                <a:cs typeface="+mn-cs"/>
-              </a:defRPr>
-            </a:lvl4pPr>
-            <a:lvl5pPr marL="1828800" algn="l" defTabSz="914400" rtl="0" eaLnBrk="1" latinLnBrk="0" hangingPunct="1">
-              <a:defRPr sz="1800" kern="1200">
-                <a:solidFill>
-                  <a:schemeClr val="lt1"/>
-                </a:solidFill>
-                <a:latin typeface="+mn-lt"/>
-                <a:ea typeface="+mn-ea"/>
-                <a:cs typeface="+mn-cs"/>
-              </a:defRPr>
-            </a:lvl5pPr>
-            <a:lvl6pPr marL="2286000" algn="l" defTabSz="914400" rtl="0" eaLnBrk="1" latinLnBrk="0" hangingPunct="1">
-              <a:defRPr sz="1800" kern="1200">
-                <a:solidFill>
-                  <a:schemeClr val="lt1"/>
-                </a:solidFill>
-                <a:latin typeface="+mn-lt"/>
-                <a:ea typeface="+mn-ea"/>
-                <a:cs typeface="+mn-cs"/>
-              </a:defRPr>
-            </a:lvl6pPr>
-            <a:lvl7pPr marL="2743200" algn="l" defTabSz="914400" rtl="0" eaLnBrk="1" latinLnBrk="0" hangingPunct="1">
-              <a:defRPr sz="1800" kern="1200">
-                <a:solidFill>
-                  <a:schemeClr val="lt1"/>
-                </a:solidFill>
-                <a:latin typeface="+mn-lt"/>
-                <a:ea typeface="+mn-ea"/>
-                <a:cs typeface="+mn-cs"/>
-              </a:defRPr>
-            </a:lvl7pPr>
-            <a:lvl8pPr marL="3200400" algn="l" defTabSz="914400" rtl="0" eaLnBrk="1" latinLnBrk="0" hangingPunct="1">
-              <a:defRPr sz="1800" kern="1200">
-                <a:solidFill>
-                  <a:schemeClr val="lt1"/>
-                </a:solidFill>
-                <a:latin typeface="+mn-lt"/>
-                <a:ea typeface="+mn-ea"/>
-                <a:cs typeface="+mn-cs"/>
-              </a:defRPr>
-            </a:lvl8pPr>
-            <a:lvl9pPr marL="3657600" algn="l" defTabSz="914400" rtl="0" eaLnBrk="1" latinLnBrk="0" hangingPunct="1">
-              <a:defRPr sz="1800" kern="1200">
-                <a:solidFill>
-                  <a:schemeClr val="lt1"/>
-                </a:solidFill>
-                <a:latin typeface="+mn-lt"/>
-                <a:ea typeface="+mn-ea"/>
-                <a:cs typeface="+mn-cs"/>
-              </a:defRPr>
-            </a:lvl9pPr>
-          </a:lstStyle>
-          <a:p>
-            <a:pPr algn="ctr"/>
-            <a:endParaRPr lang="zh-CN" altLang="en-US">
-              <a:latin typeface="微软雅黑" panose="020B0503020204020204" pitchFamily="34" charset="-122"/>
-              <a:ea typeface="微软雅黑" panose="020B0503020204020204" pitchFamily="34" charset="-122"/>
-            </a:endParaRPr>
-          </a:p>
-        </p:txBody>
-      </p:sp>
-      <p:sp>
-        <p:nvSpPr>
-          <p:cNvPr id="22" name="文本框 9">
-            <a:extLst>
-              <a:ext uri="{FF2B5EF4-FFF2-40B4-BE49-F238E27FC236}">
-                <a16:creationId xmlns:a16="http://schemas.microsoft.com/office/drawing/2014/main" id="{660C67A3-97D3-4769-95B0-BD252E96A497}"/>
-              </a:ext>
-            </a:extLst>
-          </p:cNvPr>
-          <p:cNvSpPr txBox="1"/>
-          <p:nvPr/>
-        </p:nvSpPr>
-        <p:spPr>
-          <a:xfrm>
-            <a:off x="1880235" y="1532344"/>
-            <a:ext cx="1362075" cy="369332"/>
-          </a:xfrm>
-          <a:prstGeom prst="rect">
-            <a:avLst/>
-          </a:prstGeom>
-          <a:noFill/>
-        </p:spPr>
-        <p:txBody>
-          <a:bodyPr wrap="square" rtlCol="0">
-            <a:spAutoFit/>
-          </a:bodyPr>
-          <a:lstStyle>
-            <a:defPPr>
-              <a:defRPr lang="zh-CN"/>
-            </a:defPPr>
-            <a:lvl1pPr marL="0" algn="l" defTabSz="914400" rtl="0" eaLnBrk="1" latinLnBrk="0" hangingPunct="1">
-              <a:defRPr sz="1800" kern="1200">
-                <a:solidFill>
-                  <a:schemeClr val="tx1"/>
-                </a:solidFill>
-                <a:latin typeface="+mn-lt"/>
-                <a:ea typeface="+mn-ea"/>
-                <a:cs typeface="+mn-cs"/>
-              </a:defRPr>
-            </a:lvl1pPr>
-            <a:lvl2pPr marL="457200" algn="l" defTabSz="914400" rtl="0" eaLnBrk="1" latinLnBrk="0" hangingPunct="1">
-              <a:defRPr sz="1800" kern="1200">
-                <a:solidFill>
-                  <a:schemeClr val="tx1"/>
-                </a:solidFill>
-                <a:latin typeface="+mn-lt"/>
-                <a:ea typeface="+mn-ea"/>
-                <a:cs typeface="+mn-cs"/>
-              </a:defRPr>
-            </a:lvl2pPr>
-            <a:lvl3pPr marL="914400" algn="l" defTabSz="914400" rtl="0" eaLnBrk="1" latinLnBrk="0" hangingPunct="1">
-              <a:defRPr sz="1800" kern="1200">
-                <a:solidFill>
-                  <a:schemeClr val="tx1"/>
-                </a:solidFill>
-                <a:latin typeface="+mn-lt"/>
-                <a:ea typeface="+mn-ea"/>
-                <a:cs typeface="+mn-cs"/>
-              </a:defRPr>
-            </a:lvl3pPr>
-            <a:lvl4pPr marL="1371600" algn="l" defTabSz="914400" rtl="0" eaLnBrk="1" latinLnBrk="0" hangingPunct="1">
-              <a:defRPr sz="1800" kern="1200">
-                <a:solidFill>
-                  <a:schemeClr val="tx1"/>
-                </a:solidFill>
-                <a:latin typeface="+mn-lt"/>
-                <a:ea typeface="+mn-ea"/>
-                <a:cs typeface="+mn-cs"/>
-              </a:defRPr>
-            </a:lvl4pPr>
-            <a:lvl5pPr marL="1828800" algn="l" defTabSz="914400" rtl="0" eaLnBrk="1" latinLnBrk="0" hangingPunct="1">
-              <a:defRPr sz="1800" kern="1200">
-                <a:solidFill>
-                  <a:schemeClr val="tx1"/>
-                </a:solidFill>
-                <a:latin typeface="+mn-lt"/>
-                <a:ea typeface="+mn-ea"/>
-                <a:cs typeface="+mn-cs"/>
-              </a:defRPr>
-            </a:lvl5pPr>
-            <a:lvl6pPr marL="2286000" algn="l" defTabSz="914400" rtl="0" eaLnBrk="1" latinLnBrk="0" hangingPunct="1">
-              <a:defRPr sz="1800" kern="1200">
-                <a:solidFill>
-                  <a:schemeClr val="tx1"/>
-                </a:solidFill>
-                <a:latin typeface="+mn-lt"/>
-                <a:ea typeface="+mn-ea"/>
-                <a:cs typeface="+mn-cs"/>
-              </a:defRPr>
-            </a:lvl6pPr>
-            <a:lvl7pPr marL="2743200" algn="l" defTabSz="914400" rtl="0" eaLnBrk="1" latinLnBrk="0" hangingPunct="1">
-              <a:defRPr sz="1800" kern="1200">
-                <a:solidFill>
-                  <a:schemeClr val="tx1"/>
-                </a:solidFill>
-                <a:latin typeface="+mn-lt"/>
-                <a:ea typeface="+mn-ea"/>
-                <a:cs typeface="+mn-cs"/>
-              </a:defRPr>
-            </a:lvl7pPr>
-            <a:lvl8pPr marL="3200400" algn="l" defTabSz="914400" rtl="0" eaLnBrk="1" latinLnBrk="0" hangingPunct="1">
-              <a:defRPr sz="1800" kern="1200">
-                <a:solidFill>
-                  <a:schemeClr val="tx1"/>
-                </a:solidFill>
-                <a:latin typeface="+mn-lt"/>
-                <a:ea typeface="+mn-ea"/>
-                <a:cs typeface="+mn-cs"/>
-              </a:defRPr>
-            </a:lvl8pPr>
-            <a:lvl9pPr marL="3657600" algn="l" defTabSz="914400" rtl="0" eaLnBrk="1" latinLnBrk="0" hangingPunct="1">
-              <a:defRPr sz="1800" kern="1200">
-                <a:solidFill>
-                  <a:schemeClr val="tx1"/>
-                </a:solidFill>
-                <a:latin typeface="+mn-lt"/>
-                <a:ea typeface="+mn-ea"/>
-                <a:cs typeface="+mn-cs"/>
-              </a:defRPr>
-            </a:lvl9pPr>
-          </a:lstStyle>
-          <a:p>
-            <a:r>
-              <a:rPr lang="zh-CN" altLang="en-US" dirty="0">
-                <a:latin typeface="微软雅黑" panose="020B0503020204020204" pitchFamily="34" charset="-122"/>
-                <a:ea typeface="微软雅黑" panose="020B0503020204020204" pitchFamily="34" charset="-122"/>
-              </a:rPr>
-              <a:t>承诺方</a:t>
-            </a:r>
-          </a:p>
-        </p:txBody>
-      </p:sp>
-      <p:sp>
-        <p:nvSpPr>
-          <p:cNvPr id="23" name="文本框 10">
-            <a:extLst>
-              <a:ext uri="{FF2B5EF4-FFF2-40B4-BE49-F238E27FC236}">
-                <a16:creationId xmlns:a16="http://schemas.microsoft.com/office/drawing/2014/main" id="{784A327C-F3EC-480F-A929-CA6ED4EFF8B5}"/>
-              </a:ext>
-            </a:extLst>
-          </p:cNvPr>
-          <p:cNvSpPr txBox="1"/>
-          <p:nvPr/>
-        </p:nvSpPr>
-        <p:spPr>
-          <a:xfrm>
-            <a:off x="8383905" y="1457814"/>
-            <a:ext cx="1362075" cy="368300"/>
-          </a:xfrm>
-          <a:prstGeom prst="rect">
-            <a:avLst/>
-          </a:prstGeom>
-          <a:noFill/>
-        </p:spPr>
-        <p:txBody>
-          <a:bodyPr wrap="square" rtlCol="0">
-            <a:spAutoFit/>
-          </a:bodyPr>
-          <a:lstStyle>
-            <a:defPPr>
-              <a:defRPr lang="zh-CN"/>
-            </a:defPPr>
-            <a:lvl1pPr marL="0" algn="l" defTabSz="914400" rtl="0" eaLnBrk="1" latinLnBrk="0" hangingPunct="1">
-              <a:defRPr sz="1800" kern="1200">
-                <a:solidFill>
-                  <a:schemeClr val="tx1"/>
-                </a:solidFill>
-                <a:latin typeface="+mn-lt"/>
-                <a:ea typeface="+mn-ea"/>
-                <a:cs typeface="+mn-cs"/>
-              </a:defRPr>
-            </a:lvl1pPr>
-            <a:lvl2pPr marL="457200" algn="l" defTabSz="914400" rtl="0" eaLnBrk="1" latinLnBrk="0" hangingPunct="1">
-              <a:defRPr sz="1800" kern="1200">
-                <a:solidFill>
-                  <a:schemeClr val="tx1"/>
-                </a:solidFill>
-                <a:latin typeface="+mn-lt"/>
-                <a:ea typeface="+mn-ea"/>
-                <a:cs typeface="+mn-cs"/>
-              </a:defRPr>
-            </a:lvl2pPr>
-            <a:lvl3pPr marL="914400" algn="l" defTabSz="914400" rtl="0" eaLnBrk="1" latinLnBrk="0" hangingPunct="1">
-              <a:defRPr sz="1800" kern="1200">
-                <a:solidFill>
-                  <a:schemeClr val="tx1"/>
-                </a:solidFill>
-                <a:latin typeface="+mn-lt"/>
-                <a:ea typeface="+mn-ea"/>
-                <a:cs typeface="+mn-cs"/>
-              </a:defRPr>
-            </a:lvl3pPr>
-            <a:lvl4pPr marL="1371600" algn="l" defTabSz="914400" rtl="0" eaLnBrk="1" latinLnBrk="0" hangingPunct="1">
-              <a:defRPr sz="1800" kern="1200">
-                <a:solidFill>
-                  <a:schemeClr val="tx1"/>
-                </a:solidFill>
-                <a:latin typeface="+mn-lt"/>
-                <a:ea typeface="+mn-ea"/>
-                <a:cs typeface="+mn-cs"/>
-              </a:defRPr>
-            </a:lvl4pPr>
-            <a:lvl5pPr marL="1828800" algn="l" defTabSz="914400" rtl="0" eaLnBrk="1" latinLnBrk="0" hangingPunct="1">
-              <a:defRPr sz="1800" kern="1200">
-                <a:solidFill>
-                  <a:schemeClr val="tx1"/>
-                </a:solidFill>
-                <a:latin typeface="+mn-lt"/>
-                <a:ea typeface="+mn-ea"/>
-                <a:cs typeface="+mn-cs"/>
-              </a:defRPr>
-            </a:lvl5pPr>
-            <a:lvl6pPr marL="2286000" algn="l" defTabSz="914400" rtl="0" eaLnBrk="1" latinLnBrk="0" hangingPunct="1">
-              <a:defRPr sz="1800" kern="1200">
-                <a:solidFill>
-                  <a:schemeClr val="tx1"/>
-                </a:solidFill>
-                <a:latin typeface="+mn-lt"/>
-                <a:ea typeface="+mn-ea"/>
-                <a:cs typeface="+mn-cs"/>
-              </a:defRPr>
-            </a:lvl6pPr>
-            <a:lvl7pPr marL="2743200" algn="l" defTabSz="914400" rtl="0" eaLnBrk="1" latinLnBrk="0" hangingPunct="1">
-              <a:defRPr sz="1800" kern="1200">
-                <a:solidFill>
-                  <a:schemeClr val="tx1"/>
-                </a:solidFill>
-                <a:latin typeface="+mn-lt"/>
-                <a:ea typeface="+mn-ea"/>
-                <a:cs typeface="+mn-cs"/>
-              </a:defRPr>
-            </a:lvl7pPr>
-            <a:lvl8pPr marL="3200400" algn="l" defTabSz="914400" rtl="0" eaLnBrk="1" latinLnBrk="0" hangingPunct="1">
-              <a:defRPr sz="1800" kern="1200">
-                <a:solidFill>
-                  <a:schemeClr val="tx1"/>
-                </a:solidFill>
-                <a:latin typeface="+mn-lt"/>
-                <a:ea typeface="+mn-ea"/>
-                <a:cs typeface="+mn-cs"/>
-              </a:defRPr>
-            </a:lvl8pPr>
-            <a:lvl9pPr marL="3657600" algn="l" defTabSz="914400" rtl="0" eaLnBrk="1" latinLnBrk="0" hangingPunct="1">
-              <a:defRPr sz="1800" kern="1200">
-                <a:solidFill>
-                  <a:schemeClr val="tx1"/>
-                </a:solidFill>
-                <a:latin typeface="+mn-lt"/>
-                <a:ea typeface="+mn-ea"/>
-                <a:cs typeface="+mn-cs"/>
-              </a:defRPr>
-            </a:lvl9pPr>
-          </a:lstStyle>
-          <a:p>
-            <a:pPr algn="ctr"/>
-            <a:r>
-              <a:rPr lang="zh-CN" altLang="en-US" dirty="0">
-                <a:latin typeface="微软雅黑" panose="020B0503020204020204" pitchFamily="34" charset="-122"/>
-                <a:ea typeface="微软雅黑" panose="020B0503020204020204" pitchFamily="34" charset="-122"/>
-              </a:rPr>
-              <a:t>验证方</a:t>
-            </a:r>
-          </a:p>
-        </p:txBody>
-      </p:sp>
-      <p:cxnSp>
-        <p:nvCxnSpPr>
-          <p:cNvPr id="24" name="直接箭头连接符 23">
-            <a:extLst>
-              <a:ext uri="{FF2B5EF4-FFF2-40B4-BE49-F238E27FC236}">
-                <a16:creationId xmlns:a16="http://schemas.microsoft.com/office/drawing/2014/main" id="{E8771A28-0067-4D7B-A0EA-B98BBEB3B037}"/>
-              </a:ext>
-            </a:extLst>
-          </p:cNvPr>
-          <p:cNvCxnSpPr/>
-          <p:nvPr/>
-        </p:nvCxnSpPr>
-        <p:spPr>
-          <a:xfrm>
-            <a:off x="3384232" y="2697823"/>
-            <a:ext cx="4467225" cy="9525"/>
-          </a:xfrm>
-          <a:prstGeom prst="straightConnector1">
-            <a:avLst/>
-          </a:prstGeom>
-          <a:ln w="28575" cmpd="sng">
-            <a:solidFill>
-              <a:schemeClr val="accent1">
-                <a:shade val="50000"/>
-              </a:schemeClr>
-            </a:solidFill>
-            <a:prstDash val="solid"/>
-            <a:tailEnd type="arrow"/>
-          </a:ln>
-        </p:spPr>
-        <p:style>
-          <a:lnRef idx="1">
-            <a:schemeClr val="accent1"/>
-          </a:lnRef>
-          <a:fillRef idx="0">
-            <a:schemeClr val="accent1"/>
-          </a:fillRef>
-          <a:effectRef idx="0">
-            <a:schemeClr val="accent1"/>
-          </a:effectRef>
-          <a:fontRef idx="minor">
-            <a:schemeClr val="tx1"/>
-          </a:fontRef>
-        </p:style>
-      </p:cxnSp>
-      <p:sp>
-        <p:nvSpPr>
-          <p:cNvPr id="27" name="文本框 15">
-            <a:extLst>
-              <a:ext uri="{FF2B5EF4-FFF2-40B4-BE49-F238E27FC236}">
-                <a16:creationId xmlns:a16="http://schemas.microsoft.com/office/drawing/2014/main" id="{D82B47E1-E50A-4357-BE52-689930A3B8D3}"/>
-              </a:ext>
-            </a:extLst>
-          </p:cNvPr>
-          <p:cNvSpPr txBox="1"/>
-          <p:nvPr/>
-        </p:nvSpPr>
-        <p:spPr>
-          <a:xfrm>
-            <a:off x="4296207" y="2154053"/>
-            <a:ext cx="2619248" cy="369332"/>
-          </a:xfrm>
-          <a:prstGeom prst="rect">
-            <a:avLst/>
-          </a:prstGeom>
-          <a:noFill/>
-        </p:spPr>
-        <p:txBody>
-          <a:bodyPr wrap="square" rtlCol="0">
-            <a:spAutoFit/>
-          </a:bodyPr>
-          <a:lstStyle>
-            <a:defPPr>
-              <a:defRPr lang="zh-CN"/>
-            </a:defPPr>
-            <a:lvl1pPr marL="0" algn="l" defTabSz="914400" rtl="0" eaLnBrk="1" latinLnBrk="0" hangingPunct="1">
-              <a:defRPr sz="1800" kern="1200">
-                <a:solidFill>
-                  <a:schemeClr val="tx1"/>
-                </a:solidFill>
-                <a:latin typeface="+mn-lt"/>
-                <a:ea typeface="+mn-ea"/>
-                <a:cs typeface="+mn-cs"/>
-              </a:defRPr>
-            </a:lvl1pPr>
-            <a:lvl2pPr marL="457200" algn="l" defTabSz="914400" rtl="0" eaLnBrk="1" latinLnBrk="0" hangingPunct="1">
-              <a:defRPr sz="1800" kern="1200">
-                <a:solidFill>
-                  <a:schemeClr val="tx1"/>
-                </a:solidFill>
-                <a:latin typeface="+mn-lt"/>
-                <a:ea typeface="+mn-ea"/>
-                <a:cs typeface="+mn-cs"/>
-              </a:defRPr>
-            </a:lvl2pPr>
-            <a:lvl3pPr marL="914400" algn="l" defTabSz="914400" rtl="0" eaLnBrk="1" latinLnBrk="0" hangingPunct="1">
-              <a:defRPr sz="1800" kern="1200">
-                <a:solidFill>
-                  <a:schemeClr val="tx1"/>
-                </a:solidFill>
-                <a:latin typeface="+mn-lt"/>
-                <a:ea typeface="+mn-ea"/>
-                <a:cs typeface="+mn-cs"/>
-              </a:defRPr>
-            </a:lvl3pPr>
-            <a:lvl4pPr marL="1371600" algn="l" defTabSz="914400" rtl="0" eaLnBrk="1" latinLnBrk="0" hangingPunct="1">
-              <a:defRPr sz="1800" kern="1200">
-                <a:solidFill>
-                  <a:schemeClr val="tx1"/>
-                </a:solidFill>
-                <a:latin typeface="+mn-lt"/>
-                <a:ea typeface="+mn-ea"/>
-                <a:cs typeface="+mn-cs"/>
-              </a:defRPr>
-            </a:lvl4pPr>
-            <a:lvl5pPr marL="1828800" algn="l" defTabSz="914400" rtl="0" eaLnBrk="1" latinLnBrk="0" hangingPunct="1">
-              <a:defRPr sz="1800" kern="1200">
-                <a:solidFill>
-                  <a:schemeClr val="tx1"/>
-                </a:solidFill>
-                <a:latin typeface="+mn-lt"/>
-                <a:ea typeface="+mn-ea"/>
-                <a:cs typeface="+mn-cs"/>
-              </a:defRPr>
-            </a:lvl5pPr>
-            <a:lvl6pPr marL="2286000" algn="l" defTabSz="914400" rtl="0" eaLnBrk="1" latinLnBrk="0" hangingPunct="1">
-              <a:defRPr sz="1800" kern="1200">
-                <a:solidFill>
-                  <a:schemeClr val="tx1"/>
-                </a:solidFill>
-                <a:latin typeface="+mn-lt"/>
-                <a:ea typeface="+mn-ea"/>
-                <a:cs typeface="+mn-cs"/>
-              </a:defRPr>
-            </a:lvl6pPr>
-            <a:lvl7pPr marL="2743200" algn="l" defTabSz="914400" rtl="0" eaLnBrk="1" latinLnBrk="0" hangingPunct="1">
-              <a:defRPr sz="1800" kern="1200">
-                <a:solidFill>
-                  <a:schemeClr val="tx1"/>
-                </a:solidFill>
-                <a:latin typeface="+mn-lt"/>
-                <a:ea typeface="+mn-ea"/>
-                <a:cs typeface="+mn-cs"/>
-              </a:defRPr>
-            </a:lvl7pPr>
-            <a:lvl8pPr marL="3200400" algn="l" defTabSz="914400" rtl="0" eaLnBrk="1" latinLnBrk="0" hangingPunct="1">
-              <a:defRPr sz="1800" kern="1200">
-                <a:solidFill>
-                  <a:schemeClr val="tx1"/>
-                </a:solidFill>
-                <a:latin typeface="+mn-lt"/>
-                <a:ea typeface="+mn-ea"/>
-                <a:cs typeface="+mn-cs"/>
-              </a:defRPr>
-            </a:lvl8pPr>
-            <a:lvl9pPr marL="3657600" algn="l" defTabSz="914400" rtl="0" eaLnBrk="1" latinLnBrk="0" hangingPunct="1">
-              <a:defRPr sz="1800" kern="1200">
-                <a:solidFill>
-                  <a:schemeClr val="tx1"/>
-                </a:solidFill>
-                <a:latin typeface="+mn-lt"/>
-                <a:ea typeface="+mn-ea"/>
-                <a:cs typeface="+mn-cs"/>
-              </a:defRPr>
-            </a:lvl9pPr>
-          </a:lstStyle>
-          <a:p>
-            <a:r>
-              <a:rPr lang="zh-CN" altLang="en-US" dirty="0">
-                <a:latin typeface="微软雅黑" panose="020B0503020204020204" pitchFamily="34" charset="-122"/>
-                <a:ea typeface="微软雅黑" panose="020B0503020204020204" pitchFamily="34" charset="-122"/>
-              </a:rPr>
-              <a:t>承诺结果</a:t>
-            </a:r>
-            <a:r>
-              <a:rPr lang="en-US" altLang="zh-CN" dirty="0">
-                <a:latin typeface="微软雅黑" panose="020B0503020204020204" pitchFamily="34" charset="-122"/>
-                <a:ea typeface="微软雅黑" panose="020B0503020204020204" pitchFamily="34" charset="-122"/>
-              </a:rPr>
-              <a:t>C=commit</a:t>
-            </a:r>
-            <a:r>
-              <a:rPr lang="zh-CN" altLang="en-US" dirty="0">
-                <a:latin typeface="微软雅黑" panose="020B0503020204020204" pitchFamily="34" charset="-122"/>
-                <a:ea typeface="微软雅黑" panose="020B0503020204020204" pitchFamily="34" charset="-122"/>
-              </a:rPr>
-              <a:t>（</a:t>
-            </a:r>
-            <a:r>
-              <a:rPr lang="en-US" altLang="zh-CN" dirty="0">
-                <a:latin typeface="微软雅黑" panose="020B0503020204020204" pitchFamily="34" charset="-122"/>
-                <a:ea typeface="微软雅黑" panose="020B0503020204020204" pitchFamily="34" charset="-122"/>
-              </a:rPr>
-              <a:t>x</a:t>
-            </a:r>
-            <a:r>
-              <a:rPr lang="zh-CN" altLang="en-US" dirty="0">
-                <a:latin typeface="微软雅黑" panose="020B0503020204020204" pitchFamily="34" charset="-122"/>
-                <a:ea typeface="微软雅黑" panose="020B0503020204020204" pitchFamily="34" charset="-122"/>
-              </a:rPr>
-              <a:t>）</a:t>
-            </a:r>
-            <a:endParaRPr lang="en-US" altLang="zh-CN" dirty="0">
-              <a:latin typeface="微软雅黑" panose="020B0503020204020204" pitchFamily="34" charset="-122"/>
-              <a:ea typeface="微软雅黑" panose="020B0503020204020204" pitchFamily="34" charset="-122"/>
-            </a:endParaRPr>
-          </a:p>
-        </p:txBody>
-      </p:sp>
-      <p:sp>
-        <p:nvSpPr>
-          <p:cNvPr id="29" name="椭圆形标注 17">
-            <a:extLst>
-              <a:ext uri="{FF2B5EF4-FFF2-40B4-BE49-F238E27FC236}">
-                <a16:creationId xmlns:a16="http://schemas.microsoft.com/office/drawing/2014/main" id="{EEBE8464-BEC4-44F0-9374-B32125B70878}"/>
-              </a:ext>
-            </a:extLst>
-          </p:cNvPr>
-          <p:cNvSpPr/>
-          <p:nvPr/>
-        </p:nvSpPr>
-        <p:spPr>
-          <a:xfrm>
-            <a:off x="9483725" y="1381614"/>
-            <a:ext cx="1543050" cy="771525"/>
-          </a:xfrm>
-          <a:prstGeom prst="wedgeEllipseCallout">
-            <a:avLst/>
-          </a:prstGeom>
-        </p:spPr>
-        <p:style>
-          <a:lnRef idx="2">
-            <a:schemeClr val="accent6"/>
-          </a:lnRef>
-          <a:fillRef idx="1">
-            <a:schemeClr val="lt1"/>
-          </a:fillRef>
-          <a:effectRef idx="0">
-            <a:schemeClr val="accent6"/>
-          </a:effectRef>
-          <a:fontRef idx="minor">
-            <a:schemeClr val="dk1"/>
-          </a:fontRef>
-        </p:style>
-        <p:txBody>
-          <a:bodyPr rtlCol="0" anchor="ctr"/>
-          <a:lstStyle>
-            <a:defPPr>
-              <a:defRPr lang="zh-CN">
-                <a:solidFill>
-                  <a:schemeClr val="dk1"/>
-                </a:solidFill>
-              </a:defRPr>
-            </a:defPPr>
-            <a:lvl1pPr marL="0" algn="l" defTabSz="914400" rtl="0" eaLnBrk="1" latinLnBrk="0" hangingPunct="1">
-              <a:defRPr sz="1800" kern="1200">
-                <a:solidFill>
-                  <a:schemeClr val="dk1"/>
-                </a:solidFill>
-                <a:latin typeface="+mn-lt"/>
-                <a:ea typeface="+mn-ea"/>
-                <a:cs typeface="+mn-cs"/>
-              </a:defRPr>
-            </a:lvl1pPr>
-            <a:lvl2pPr marL="457200" algn="l" defTabSz="914400" rtl="0" eaLnBrk="1" latinLnBrk="0" hangingPunct="1">
-              <a:defRPr sz="1800" kern="1200">
-                <a:solidFill>
-                  <a:schemeClr val="dk1"/>
-                </a:solidFill>
-                <a:latin typeface="+mn-lt"/>
-                <a:ea typeface="+mn-ea"/>
-                <a:cs typeface="+mn-cs"/>
-              </a:defRPr>
-            </a:lvl2pPr>
-            <a:lvl3pPr marL="914400" algn="l" defTabSz="914400" rtl="0" eaLnBrk="1" latinLnBrk="0" hangingPunct="1">
-              <a:defRPr sz="1800" kern="1200">
-                <a:solidFill>
-                  <a:schemeClr val="dk1"/>
-                </a:solidFill>
-                <a:latin typeface="+mn-lt"/>
-                <a:ea typeface="+mn-ea"/>
-                <a:cs typeface="+mn-cs"/>
-              </a:defRPr>
-            </a:lvl3pPr>
-            <a:lvl4pPr marL="1371600" algn="l" defTabSz="914400" rtl="0" eaLnBrk="1" latinLnBrk="0" hangingPunct="1">
-              <a:defRPr sz="1800" kern="1200">
-                <a:solidFill>
-                  <a:schemeClr val="dk1"/>
-                </a:solidFill>
-                <a:latin typeface="+mn-lt"/>
-                <a:ea typeface="+mn-ea"/>
-                <a:cs typeface="+mn-cs"/>
-              </a:defRPr>
-            </a:lvl4pPr>
-            <a:lvl5pPr marL="1828800" algn="l" defTabSz="914400" rtl="0" eaLnBrk="1" latinLnBrk="0" hangingPunct="1">
-              <a:defRPr sz="1800" kern="1200">
-                <a:solidFill>
-                  <a:schemeClr val="dk1"/>
-                </a:solidFill>
-                <a:latin typeface="+mn-lt"/>
-                <a:ea typeface="+mn-ea"/>
-                <a:cs typeface="+mn-cs"/>
-              </a:defRPr>
-            </a:lvl5pPr>
-            <a:lvl6pPr marL="2286000" algn="l" defTabSz="914400" rtl="0" eaLnBrk="1" latinLnBrk="0" hangingPunct="1">
-              <a:defRPr sz="1800" kern="1200">
-                <a:solidFill>
-                  <a:schemeClr val="dk1"/>
-                </a:solidFill>
-                <a:latin typeface="+mn-lt"/>
-                <a:ea typeface="+mn-ea"/>
-                <a:cs typeface="+mn-cs"/>
-              </a:defRPr>
-            </a:lvl6pPr>
-            <a:lvl7pPr marL="2743200" algn="l" defTabSz="914400" rtl="0" eaLnBrk="1" latinLnBrk="0" hangingPunct="1">
-              <a:defRPr sz="1800" kern="1200">
-                <a:solidFill>
-                  <a:schemeClr val="dk1"/>
-                </a:solidFill>
-                <a:latin typeface="+mn-lt"/>
-                <a:ea typeface="+mn-ea"/>
-                <a:cs typeface="+mn-cs"/>
-              </a:defRPr>
-            </a:lvl7pPr>
-            <a:lvl8pPr marL="3200400" algn="l" defTabSz="914400" rtl="0" eaLnBrk="1" latinLnBrk="0" hangingPunct="1">
-              <a:defRPr sz="1800" kern="1200">
-                <a:solidFill>
-                  <a:schemeClr val="dk1"/>
-                </a:solidFill>
-                <a:latin typeface="+mn-lt"/>
-                <a:ea typeface="+mn-ea"/>
-                <a:cs typeface="+mn-cs"/>
-              </a:defRPr>
-            </a:lvl8pPr>
-            <a:lvl9pPr marL="3657600" algn="l" defTabSz="914400" rtl="0" eaLnBrk="1" latinLnBrk="0" hangingPunct="1">
-              <a:defRPr sz="1800" kern="1200">
-                <a:solidFill>
-                  <a:schemeClr val="dk1"/>
-                </a:solidFill>
-                <a:latin typeface="+mn-lt"/>
-                <a:ea typeface="+mn-ea"/>
-                <a:cs typeface="+mn-cs"/>
-              </a:defRPr>
-            </a:lvl9pPr>
-          </a:lstStyle>
-          <a:p>
-            <a:pPr algn="ctr"/>
-            <a:endParaRPr lang="zh-CN" altLang="en-US">
-              <a:latin typeface="微软雅黑" panose="020B0503020204020204" pitchFamily="34" charset="-122"/>
-              <a:ea typeface="微软雅黑" panose="020B0503020204020204" pitchFamily="34" charset="-122"/>
-            </a:endParaRPr>
-          </a:p>
-        </p:txBody>
-      </p:sp>
-      <p:sp>
-        <p:nvSpPr>
-          <p:cNvPr id="30" name="文本框 18">
-            <a:extLst>
-              <a:ext uri="{FF2B5EF4-FFF2-40B4-BE49-F238E27FC236}">
-                <a16:creationId xmlns:a16="http://schemas.microsoft.com/office/drawing/2014/main" id="{B831F0B8-1A81-4904-BEF4-BC4DE1D477FC}"/>
-              </a:ext>
-            </a:extLst>
-          </p:cNvPr>
-          <p:cNvSpPr txBox="1"/>
-          <p:nvPr/>
-        </p:nvSpPr>
-        <p:spPr>
-          <a:xfrm>
-            <a:off x="9679305" y="1457814"/>
-            <a:ext cx="1170747" cy="646331"/>
-          </a:xfrm>
-          <a:prstGeom prst="rect">
-            <a:avLst/>
-          </a:prstGeom>
-          <a:noFill/>
-        </p:spPr>
-        <p:txBody>
-          <a:bodyPr wrap="square" rtlCol="0">
-            <a:spAutoFit/>
-          </a:bodyPr>
-          <a:lstStyle>
-            <a:defPPr>
-              <a:defRPr lang="zh-CN"/>
-            </a:defPPr>
-            <a:lvl1pPr marL="0" algn="l" defTabSz="914400" rtl="0" eaLnBrk="1" latinLnBrk="0" hangingPunct="1">
-              <a:defRPr sz="1800" kern="1200">
-                <a:solidFill>
-                  <a:schemeClr val="tx1"/>
-                </a:solidFill>
-                <a:latin typeface="+mn-lt"/>
-                <a:ea typeface="+mn-ea"/>
-                <a:cs typeface="+mn-cs"/>
-              </a:defRPr>
-            </a:lvl1pPr>
-            <a:lvl2pPr marL="457200" algn="l" defTabSz="914400" rtl="0" eaLnBrk="1" latinLnBrk="0" hangingPunct="1">
-              <a:defRPr sz="1800" kern="1200">
-                <a:solidFill>
-                  <a:schemeClr val="tx1"/>
-                </a:solidFill>
-                <a:latin typeface="+mn-lt"/>
-                <a:ea typeface="+mn-ea"/>
-                <a:cs typeface="+mn-cs"/>
-              </a:defRPr>
-            </a:lvl2pPr>
-            <a:lvl3pPr marL="914400" algn="l" defTabSz="914400" rtl="0" eaLnBrk="1" latinLnBrk="0" hangingPunct="1">
-              <a:defRPr sz="1800" kern="1200">
-                <a:solidFill>
-                  <a:schemeClr val="tx1"/>
-                </a:solidFill>
-                <a:latin typeface="+mn-lt"/>
-                <a:ea typeface="+mn-ea"/>
-                <a:cs typeface="+mn-cs"/>
-              </a:defRPr>
-            </a:lvl3pPr>
-            <a:lvl4pPr marL="1371600" algn="l" defTabSz="914400" rtl="0" eaLnBrk="1" latinLnBrk="0" hangingPunct="1">
-              <a:defRPr sz="1800" kern="1200">
-                <a:solidFill>
-                  <a:schemeClr val="tx1"/>
-                </a:solidFill>
-                <a:latin typeface="+mn-lt"/>
-                <a:ea typeface="+mn-ea"/>
-                <a:cs typeface="+mn-cs"/>
-              </a:defRPr>
-            </a:lvl4pPr>
-            <a:lvl5pPr marL="1828800" algn="l" defTabSz="914400" rtl="0" eaLnBrk="1" latinLnBrk="0" hangingPunct="1">
-              <a:defRPr sz="1800" kern="1200">
-                <a:solidFill>
-                  <a:schemeClr val="tx1"/>
-                </a:solidFill>
-                <a:latin typeface="+mn-lt"/>
-                <a:ea typeface="+mn-ea"/>
-                <a:cs typeface="+mn-cs"/>
-              </a:defRPr>
-            </a:lvl5pPr>
-            <a:lvl6pPr marL="2286000" algn="l" defTabSz="914400" rtl="0" eaLnBrk="1" latinLnBrk="0" hangingPunct="1">
-              <a:defRPr sz="1800" kern="1200">
-                <a:solidFill>
-                  <a:schemeClr val="tx1"/>
-                </a:solidFill>
-                <a:latin typeface="+mn-lt"/>
-                <a:ea typeface="+mn-ea"/>
-                <a:cs typeface="+mn-cs"/>
-              </a:defRPr>
-            </a:lvl6pPr>
-            <a:lvl7pPr marL="2743200" algn="l" defTabSz="914400" rtl="0" eaLnBrk="1" latinLnBrk="0" hangingPunct="1">
-              <a:defRPr sz="1800" kern="1200">
-                <a:solidFill>
-                  <a:schemeClr val="tx1"/>
-                </a:solidFill>
-                <a:latin typeface="+mn-lt"/>
-                <a:ea typeface="+mn-ea"/>
-                <a:cs typeface="+mn-cs"/>
-              </a:defRPr>
-            </a:lvl7pPr>
-            <a:lvl8pPr marL="3200400" algn="l" defTabSz="914400" rtl="0" eaLnBrk="1" latinLnBrk="0" hangingPunct="1">
-              <a:defRPr sz="1800" kern="1200">
-                <a:solidFill>
-                  <a:schemeClr val="tx1"/>
-                </a:solidFill>
-                <a:latin typeface="+mn-lt"/>
-                <a:ea typeface="+mn-ea"/>
-                <a:cs typeface="+mn-cs"/>
-              </a:defRPr>
-            </a:lvl8pPr>
-            <a:lvl9pPr marL="3657600" algn="l" defTabSz="914400" rtl="0" eaLnBrk="1" latinLnBrk="0" hangingPunct="1">
-              <a:defRPr sz="1800" kern="1200">
-                <a:solidFill>
-                  <a:schemeClr val="tx1"/>
-                </a:solidFill>
-                <a:latin typeface="+mn-lt"/>
-                <a:ea typeface="+mn-ea"/>
-                <a:cs typeface="+mn-cs"/>
-              </a:defRPr>
-            </a:lvl9pPr>
-          </a:lstStyle>
-          <a:p>
-            <a:r>
-              <a:rPr lang="en-US" altLang="zh-CN" dirty="0">
-                <a:latin typeface="微软雅黑" panose="020B0503020204020204" pitchFamily="34" charset="-122"/>
-                <a:ea typeface="微软雅黑" panose="020B0503020204020204" pitchFamily="34" charset="-122"/>
-              </a:rPr>
-              <a:t>C=commit(x</a:t>
-            </a:r>
-            <a:r>
-              <a:rPr lang="zh-CN" altLang="en-US" dirty="0">
-                <a:latin typeface="微软雅黑" panose="020B0503020204020204" pitchFamily="34" charset="-122"/>
-                <a:ea typeface="微软雅黑" panose="020B0503020204020204" pitchFamily="34" charset="-122"/>
-              </a:rPr>
-              <a:t>‘</a:t>
-            </a:r>
-            <a:r>
-              <a:rPr lang="en-US" altLang="zh-CN" dirty="0">
-                <a:latin typeface="微软雅黑" panose="020B0503020204020204" pitchFamily="34" charset="-122"/>
-                <a:ea typeface="微软雅黑" panose="020B0503020204020204" pitchFamily="34" charset="-122"/>
-              </a:rPr>
-              <a:t>)?</a:t>
-            </a:r>
-          </a:p>
-        </p:txBody>
-      </p:sp>
-      <p:cxnSp>
-        <p:nvCxnSpPr>
-          <p:cNvPr id="31" name="直接箭头连接符 30">
-            <a:extLst>
-              <a:ext uri="{FF2B5EF4-FFF2-40B4-BE49-F238E27FC236}">
-                <a16:creationId xmlns:a16="http://schemas.microsoft.com/office/drawing/2014/main" id="{EF297F55-5B79-45D7-83AA-41DFAF8AEA2D}"/>
-              </a:ext>
-            </a:extLst>
-          </p:cNvPr>
-          <p:cNvCxnSpPr/>
-          <p:nvPr/>
-        </p:nvCxnSpPr>
-        <p:spPr>
-          <a:xfrm>
-            <a:off x="3384232" y="3504629"/>
-            <a:ext cx="4467225" cy="9525"/>
-          </a:xfrm>
-          <a:prstGeom prst="straightConnector1">
-            <a:avLst/>
-          </a:prstGeom>
-          <a:ln w="28575" cmpd="sng">
-            <a:solidFill>
-              <a:schemeClr val="accent1">
-                <a:shade val="50000"/>
-              </a:schemeClr>
-            </a:solidFill>
-            <a:prstDash val="solid"/>
-            <a:tailEnd type="arrow"/>
-          </a:ln>
-        </p:spPr>
-        <p:style>
-          <a:lnRef idx="1">
-            <a:schemeClr val="accent1"/>
-          </a:lnRef>
-          <a:fillRef idx="0">
-            <a:schemeClr val="accent1"/>
-          </a:fillRef>
-          <a:effectRef idx="0">
-            <a:schemeClr val="accent1"/>
-          </a:effectRef>
-          <a:fontRef idx="minor">
-            <a:schemeClr val="tx1"/>
-          </a:fontRef>
-        </p:style>
-      </p:cxnSp>
-      <p:sp>
-        <p:nvSpPr>
-          <p:cNvPr id="32" name="文本框 15">
-            <a:extLst>
-              <a:ext uri="{FF2B5EF4-FFF2-40B4-BE49-F238E27FC236}">
-                <a16:creationId xmlns:a16="http://schemas.microsoft.com/office/drawing/2014/main" id="{110FB888-3F99-43AE-B6F5-A8880A12A6C4}"/>
-              </a:ext>
-            </a:extLst>
-          </p:cNvPr>
-          <p:cNvSpPr txBox="1"/>
-          <p:nvPr/>
-        </p:nvSpPr>
-        <p:spPr>
-          <a:xfrm>
-            <a:off x="4296207" y="2960859"/>
-            <a:ext cx="2619248" cy="369332"/>
-          </a:xfrm>
-          <a:prstGeom prst="rect">
-            <a:avLst/>
-          </a:prstGeom>
-          <a:noFill/>
-        </p:spPr>
-        <p:txBody>
-          <a:bodyPr wrap="square" rtlCol="0">
-            <a:spAutoFit/>
-          </a:bodyPr>
-          <a:lstStyle>
-            <a:defPPr>
-              <a:defRPr lang="zh-CN"/>
-            </a:defPPr>
-            <a:lvl1pPr marL="0" algn="l" defTabSz="914400" rtl="0" eaLnBrk="1" latinLnBrk="0" hangingPunct="1">
-              <a:defRPr sz="1800" kern="1200">
-                <a:solidFill>
-                  <a:schemeClr val="tx1"/>
-                </a:solidFill>
-                <a:latin typeface="+mn-lt"/>
-                <a:ea typeface="+mn-ea"/>
-                <a:cs typeface="+mn-cs"/>
-              </a:defRPr>
-            </a:lvl1pPr>
-            <a:lvl2pPr marL="457200" algn="l" defTabSz="914400" rtl="0" eaLnBrk="1" latinLnBrk="0" hangingPunct="1">
-              <a:defRPr sz="1800" kern="1200">
-                <a:solidFill>
-                  <a:schemeClr val="tx1"/>
-                </a:solidFill>
-                <a:latin typeface="+mn-lt"/>
-                <a:ea typeface="+mn-ea"/>
-                <a:cs typeface="+mn-cs"/>
-              </a:defRPr>
-            </a:lvl2pPr>
-            <a:lvl3pPr marL="914400" algn="l" defTabSz="914400" rtl="0" eaLnBrk="1" latinLnBrk="0" hangingPunct="1">
-              <a:defRPr sz="1800" kern="1200">
-                <a:solidFill>
-                  <a:schemeClr val="tx1"/>
-                </a:solidFill>
-                <a:latin typeface="+mn-lt"/>
-                <a:ea typeface="+mn-ea"/>
-                <a:cs typeface="+mn-cs"/>
-              </a:defRPr>
-            </a:lvl3pPr>
-            <a:lvl4pPr marL="1371600" algn="l" defTabSz="914400" rtl="0" eaLnBrk="1" latinLnBrk="0" hangingPunct="1">
-              <a:defRPr sz="1800" kern="1200">
-                <a:solidFill>
-                  <a:schemeClr val="tx1"/>
-                </a:solidFill>
-                <a:latin typeface="+mn-lt"/>
-                <a:ea typeface="+mn-ea"/>
-                <a:cs typeface="+mn-cs"/>
-              </a:defRPr>
-            </a:lvl4pPr>
-            <a:lvl5pPr marL="1828800" algn="l" defTabSz="914400" rtl="0" eaLnBrk="1" latinLnBrk="0" hangingPunct="1">
-              <a:defRPr sz="1800" kern="1200">
-                <a:solidFill>
-                  <a:schemeClr val="tx1"/>
-                </a:solidFill>
-                <a:latin typeface="+mn-lt"/>
-                <a:ea typeface="+mn-ea"/>
-                <a:cs typeface="+mn-cs"/>
-              </a:defRPr>
-            </a:lvl5pPr>
-            <a:lvl6pPr marL="2286000" algn="l" defTabSz="914400" rtl="0" eaLnBrk="1" latinLnBrk="0" hangingPunct="1">
-              <a:defRPr sz="1800" kern="1200">
-                <a:solidFill>
-                  <a:schemeClr val="tx1"/>
-                </a:solidFill>
-                <a:latin typeface="+mn-lt"/>
-                <a:ea typeface="+mn-ea"/>
-                <a:cs typeface="+mn-cs"/>
-              </a:defRPr>
-            </a:lvl6pPr>
-            <a:lvl7pPr marL="2743200" algn="l" defTabSz="914400" rtl="0" eaLnBrk="1" latinLnBrk="0" hangingPunct="1">
-              <a:defRPr sz="1800" kern="1200">
-                <a:solidFill>
-                  <a:schemeClr val="tx1"/>
-                </a:solidFill>
-                <a:latin typeface="+mn-lt"/>
-                <a:ea typeface="+mn-ea"/>
-                <a:cs typeface="+mn-cs"/>
-              </a:defRPr>
-            </a:lvl7pPr>
-            <a:lvl8pPr marL="3200400" algn="l" defTabSz="914400" rtl="0" eaLnBrk="1" latinLnBrk="0" hangingPunct="1">
-              <a:defRPr sz="1800" kern="1200">
-                <a:solidFill>
-                  <a:schemeClr val="tx1"/>
-                </a:solidFill>
-                <a:latin typeface="+mn-lt"/>
-                <a:ea typeface="+mn-ea"/>
-                <a:cs typeface="+mn-cs"/>
-              </a:defRPr>
-            </a:lvl8pPr>
-            <a:lvl9pPr marL="3657600" algn="l" defTabSz="914400" rtl="0" eaLnBrk="1" latinLnBrk="0" hangingPunct="1">
-              <a:defRPr sz="1800" kern="1200">
-                <a:solidFill>
-                  <a:schemeClr val="tx1"/>
-                </a:solidFill>
-                <a:latin typeface="+mn-lt"/>
-                <a:ea typeface="+mn-ea"/>
-                <a:cs typeface="+mn-cs"/>
-              </a:defRPr>
-            </a:lvl9pPr>
-          </a:lstStyle>
-          <a:p>
-            <a:pPr algn="ctr"/>
-            <a:r>
-              <a:rPr lang="zh-CN" altLang="en-US" dirty="0">
-                <a:latin typeface="微软雅黑" panose="020B0503020204020204" pitchFamily="34" charset="-122"/>
-                <a:ea typeface="微软雅黑" panose="020B0503020204020204" pitchFamily="34" charset="-122"/>
-              </a:rPr>
-              <a:t>公布密文</a:t>
-            </a:r>
-            <a:r>
-              <a:rPr lang="en-US" altLang="zh-CN" dirty="0">
-                <a:latin typeface="微软雅黑" panose="020B0503020204020204" pitchFamily="34" charset="-122"/>
-                <a:ea typeface="微软雅黑" panose="020B0503020204020204" pitchFamily="34" charset="-122"/>
-              </a:rPr>
-              <a:t>x’</a:t>
-            </a:r>
-          </a:p>
-        </p:txBody>
-      </p:sp>
-      <p:sp>
-        <p:nvSpPr>
-          <p:cNvPr id="33" name="文本框 9">
-            <a:extLst>
-              <a:ext uri="{FF2B5EF4-FFF2-40B4-BE49-F238E27FC236}">
-                <a16:creationId xmlns:a16="http://schemas.microsoft.com/office/drawing/2014/main" id="{7C4FEB8D-0499-414A-9E43-E91278D33A1F}"/>
-              </a:ext>
-            </a:extLst>
-          </p:cNvPr>
-          <p:cNvSpPr txBox="1"/>
-          <p:nvPr/>
-        </p:nvSpPr>
-        <p:spPr>
-          <a:xfrm>
-            <a:off x="1880234" y="3697328"/>
-            <a:ext cx="1362075" cy="369332"/>
-          </a:xfrm>
-          <a:prstGeom prst="rect">
-            <a:avLst/>
-          </a:prstGeom>
-          <a:noFill/>
-        </p:spPr>
-        <p:txBody>
-          <a:bodyPr wrap="square" rtlCol="0">
-            <a:spAutoFit/>
-          </a:bodyPr>
-          <a:lstStyle>
-            <a:defPPr>
-              <a:defRPr lang="zh-CN"/>
-            </a:defPPr>
-            <a:lvl1pPr marL="0" algn="l" defTabSz="914400" rtl="0" eaLnBrk="1" latinLnBrk="0" hangingPunct="1">
-              <a:defRPr sz="1800" kern="1200">
-                <a:solidFill>
-                  <a:schemeClr val="tx1"/>
-                </a:solidFill>
-                <a:latin typeface="+mn-lt"/>
-                <a:ea typeface="+mn-ea"/>
-                <a:cs typeface="+mn-cs"/>
-              </a:defRPr>
-            </a:lvl1pPr>
-            <a:lvl2pPr marL="457200" algn="l" defTabSz="914400" rtl="0" eaLnBrk="1" latinLnBrk="0" hangingPunct="1">
-              <a:defRPr sz="1800" kern="1200">
-                <a:solidFill>
-                  <a:schemeClr val="tx1"/>
-                </a:solidFill>
-                <a:latin typeface="+mn-lt"/>
-                <a:ea typeface="+mn-ea"/>
-                <a:cs typeface="+mn-cs"/>
-              </a:defRPr>
-            </a:lvl2pPr>
-            <a:lvl3pPr marL="914400" algn="l" defTabSz="914400" rtl="0" eaLnBrk="1" latinLnBrk="0" hangingPunct="1">
-              <a:defRPr sz="1800" kern="1200">
-                <a:solidFill>
-                  <a:schemeClr val="tx1"/>
-                </a:solidFill>
-                <a:latin typeface="+mn-lt"/>
-                <a:ea typeface="+mn-ea"/>
-                <a:cs typeface="+mn-cs"/>
-              </a:defRPr>
-            </a:lvl3pPr>
-            <a:lvl4pPr marL="1371600" algn="l" defTabSz="914400" rtl="0" eaLnBrk="1" latinLnBrk="0" hangingPunct="1">
-              <a:defRPr sz="1800" kern="1200">
-                <a:solidFill>
-                  <a:schemeClr val="tx1"/>
-                </a:solidFill>
-                <a:latin typeface="+mn-lt"/>
-                <a:ea typeface="+mn-ea"/>
-                <a:cs typeface="+mn-cs"/>
-              </a:defRPr>
-            </a:lvl4pPr>
-            <a:lvl5pPr marL="1828800" algn="l" defTabSz="914400" rtl="0" eaLnBrk="1" latinLnBrk="0" hangingPunct="1">
-              <a:defRPr sz="1800" kern="1200">
-                <a:solidFill>
-                  <a:schemeClr val="tx1"/>
-                </a:solidFill>
-                <a:latin typeface="+mn-lt"/>
-                <a:ea typeface="+mn-ea"/>
-                <a:cs typeface="+mn-cs"/>
-              </a:defRPr>
-            </a:lvl5pPr>
-            <a:lvl6pPr marL="2286000" algn="l" defTabSz="914400" rtl="0" eaLnBrk="1" latinLnBrk="0" hangingPunct="1">
-              <a:defRPr sz="1800" kern="1200">
-                <a:solidFill>
-                  <a:schemeClr val="tx1"/>
-                </a:solidFill>
-                <a:latin typeface="+mn-lt"/>
-                <a:ea typeface="+mn-ea"/>
-                <a:cs typeface="+mn-cs"/>
-              </a:defRPr>
-            </a:lvl6pPr>
-            <a:lvl7pPr marL="2743200" algn="l" defTabSz="914400" rtl="0" eaLnBrk="1" latinLnBrk="0" hangingPunct="1">
-              <a:defRPr sz="1800" kern="1200">
-                <a:solidFill>
-                  <a:schemeClr val="tx1"/>
-                </a:solidFill>
-                <a:latin typeface="+mn-lt"/>
-                <a:ea typeface="+mn-ea"/>
-                <a:cs typeface="+mn-cs"/>
-              </a:defRPr>
-            </a:lvl7pPr>
-            <a:lvl8pPr marL="3200400" algn="l" defTabSz="914400" rtl="0" eaLnBrk="1" latinLnBrk="0" hangingPunct="1">
-              <a:defRPr sz="1800" kern="1200">
-                <a:solidFill>
-                  <a:schemeClr val="tx1"/>
-                </a:solidFill>
-                <a:latin typeface="+mn-lt"/>
-                <a:ea typeface="+mn-ea"/>
-                <a:cs typeface="+mn-cs"/>
-              </a:defRPr>
-            </a:lvl8pPr>
-            <a:lvl9pPr marL="3657600" algn="l" defTabSz="914400" rtl="0" eaLnBrk="1" latinLnBrk="0" hangingPunct="1">
-              <a:defRPr sz="1800" kern="1200">
-                <a:solidFill>
-                  <a:schemeClr val="tx1"/>
-                </a:solidFill>
-                <a:latin typeface="+mn-lt"/>
-                <a:ea typeface="+mn-ea"/>
-                <a:cs typeface="+mn-cs"/>
-              </a:defRPr>
-            </a:lvl9pPr>
-          </a:lstStyle>
-          <a:p>
-            <a:r>
-              <a:rPr lang="zh-CN" altLang="en-US" dirty="0">
-                <a:latin typeface="微软雅黑" panose="020B0503020204020204" pitchFamily="34" charset="-122"/>
-                <a:ea typeface="微软雅黑" panose="020B0503020204020204" pitchFamily="34" charset="-122"/>
-              </a:rPr>
-              <a:t>拥有</a:t>
-            </a:r>
-            <a:r>
-              <a:rPr lang="en-US" altLang="zh-CN" dirty="0">
-                <a:latin typeface="微软雅黑" panose="020B0503020204020204" pitchFamily="34" charset="-122"/>
-                <a:ea typeface="微软雅黑" panose="020B0503020204020204" pitchFamily="34" charset="-122"/>
-              </a:rPr>
-              <a:t>x</a:t>
-            </a:r>
-            <a:endParaRPr lang="zh-CN" altLang="en-US" dirty="0">
-              <a:latin typeface="微软雅黑" panose="020B0503020204020204" pitchFamily="34" charset="-122"/>
-              <a:ea typeface="微软雅黑" panose="020B0503020204020204" pitchFamily="34" charset="-122"/>
-            </a:endParaRPr>
-          </a:p>
-        </p:txBody>
-      </p:sp>
-      <p:sp>
-        <p:nvSpPr>
-          <p:cNvPr id="2" name="文本框 1">
-            <a:extLst>
-              <a:ext uri="{FF2B5EF4-FFF2-40B4-BE49-F238E27FC236}">
-                <a16:creationId xmlns:a16="http://schemas.microsoft.com/office/drawing/2014/main" id="{D903E15B-F5C1-4796-A580-DFB90F65BC53}"/>
-              </a:ext>
-            </a:extLst>
-          </p:cNvPr>
-          <p:cNvSpPr txBox="1"/>
-          <p:nvPr/>
-        </p:nvSpPr>
-        <p:spPr>
-          <a:xfrm>
-            <a:off x="1133856" y="4462272"/>
-            <a:ext cx="9716196" cy="923330"/>
-          </a:xfrm>
-          <a:prstGeom prst="rect">
-            <a:avLst/>
-          </a:prstGeom>
-          <a:noFill/>
-        </p:spPr>
-        <p:txBody>
-          <a:bodyPr wrap="square" rtlCol="0">
-            <a:spAutoFit/>
-          </a:bodyPr>
-          <a:lstStyle/>
-          <a:p>
-            <a:r>
-              <a:rPr lang="zh-CN" altLang="en-US" dirty="0">
-                <a:latin typeface="微软雅黑" panose="020B0503020204020204" pitchFamily="34" charset="-122"/>
-                <a:ea typeface="微软雅黑" panose="020B0503020204020204" pitchFamily="34" charset="-122"/>
-              </a:rPr>
-              <a:t>选择合适的计算，可以保证</a:t>
-            </a:r>
-            <a:r>
-              <a:rPr lang="en-US" altLang="zh-CN" dirty="0">
-                <a:latin typeface="微软雅黑" panose="020B0503020204020204" pitchFamily="34" charset="-122"/>
-                <a:ea typeface="微软雅黑" panose="020B0503020204020204" pitchFamily="34" charset="-122"/>
-              </a:rPr>
-              <a:t>x</a:t>
-            </a:r>
-            <a:r>
-              <a:rPr lang="zh-CN" altLang="en-US" dirty="0">
-                <a:latin typeface="微软雅黑" panose="020B0503020204020204" pitchFamily="34" charset="-122"/>
-                <a:ea typeface="微软雅黑" panose="020B0503020204020204" pitchFamily="34" charset="-122"/>
-              </a:rPr>
-              <a:t>和</a:t>
-            </a:r>
-            <a:r>
-              <a:rPr lang="en-US" altLang="zh-CN" dirty="0">
-                <a:latin typeface="微软雅黑" panose="020B0503020204020204" pitchFamily="34" charset="-122"/>
-                <a:ea typeface="微软雅黑" panose="020B0503020204020204" pitchFamily="34" charset="-122"/>
-              </a:rPr>
-              <a:t>x’</a:t>
-            </a:r>
-            <a:r>
-              <a:rPr lang="zh-CN" altLang="en-US" dirty="0">
-                <a:latin typeface="微软雅黑" panose="020B0503020204020204" pitchFamily="34" charset="-122"/>
-                <a:ea typeface="微软雅黑" panose="020B0503020204020204" pitchFamily="34" charset="-122"/>
-              </a:rPr>
-              <a:t>一致</a:t>
-            </a:r>
-            <a:endParaRPr lang="en-US" altLang="zh-CN" dirty="0">
-              <a:latin typeface="微软雅黑" panose="020B0503020204020204" pitchFamily="34" charset="-122"/>
-              <a:ea typeface="微软雅黑" panose="020B0503020204020204" pitchFamily="34" charset="-122"/>
-            </a:endParaRPr>
-          </a:p>
-          <a:p>
-            <a:endParaRPr lang="en-US" altLang="zh-CN" dirty="0">
-              <a:latin typeface="微软雅黑" panose="020B0503020204020204" pitchFamily="34" charset="-122"/>
-              <a:ea typeface="微软雅黑" panose="020B0503020204020204" pitchFamily="34" charset="-122"/>
-            </a:endParaRPr>
-          </a:p>
-          <a:p>
-            <a:r>
-              <a:rPr lang="zh-CN" altLang="en-US" dirty="0">
-                <a:latin typeface="微软雅黑" panose="020B0503020204020204" pitchFamily="34" charset="-122"/>
-                <a:ea typeface="微软雅黑" panose="020B0503020204020204" pitchFamily="34" charset="-122"/>
-              </a:rPr>
-              <a:t>在论文中，将模型的一些信息进行</a:t>
-            </a:r>
-            <a:r>
-              <a:rPr lang="en-US" altLang="zh-CN" dirty="0">
-                <a:latin typeface="微软雅黑" panose="020B0503020204020204" pitchFamily="34" charset="-122"/>
-                <a:ea typeface="微软雅黑" panose="020B0503020204020204" pitchFamily="34" charset="-122"/>
-              </a:rPr>
-              <a:t>commit</a:t>
-            </a:r>
-            <a:r>
-              <a:rPr lang="zh-CN" altLang="en-US" dirty="0">
-                <a:latin typeface="微软雅黑" panose="020B0503020204020204" pitchFamily="34" charset="-122"/>
-                <a:ea typeface="微软雅黑" panose="020B0503020204020204" pitchFamily="34" charset="-122"/>
-              </a:rPr>
-              <a:t>，提高系统的可靠性</a:t>
-            </a:r>
-          </a:p>
-        </p:txBody>
-      </p:sp>
-    </p:spTree>
-    <p:extLst>
-      <p:ext uri="{BB962C8B-B14F-4D97-AF65-F5344CB8AC3E}">
-        <p14:creationId xmlns:p14="http://schemas.microsoft.com/office/powerpoint/2010/main" val="2403268084"/>
       </p:ext>
     </p:extLst>
   </p:cSld>
@@ -10432,7 +10359,7 @@
         </p:blipFill>
         <p:spPr>
           <a:xfrm>
-            <a:off x="0" y="225749"/>
+            <a:off x="128337" y="372859"/>
             <a:ext cx="12192000" cy="6632251"/>
           </a:xfrm>
           <a:prstGeom prst="rect">
@@ -10440,42 +10367,12 @@
           </a:prstGeom>
         </p:spPr>
       </p:pic>
-      <p:pic>
-        <p:nvPicPr>
-          <p:cNvPr id="6" name="图片 5">
+      <p:sp>
+        <p:nvSpPr>
+          <p:cNvPr id="5" name="文本框 4">
             <a:extLst>
               <a:ext uri="{FF2B5EF4-FFF2-40B4-BE49-F238E27FC236}">
-                <a16:creationId xmlns:a16="http://schemas.microsoft.com/office/drawing/2014/main" id="{9FB7CBEE-F89F-4081-9B8B-18B1B10887E2}"/>
-              </a:ext>
-            </a:extLst>
-          </p:cNvPr>
-          <p:cNvPicPr>
-            <a:picLocks noChangeAspect="1"/>
-          </p:cNvPicPr>
-          <p:nvPr/>
-        </p:nvPicPr>
-        <p:blipFill>
-          <a:blip r:embed="rId4"/>
-          <a:stretch>
-            <a:fillRect/>
-          </a:stretch>
-        </p:blipFill>
-        <p:spPr>
-          <a:xfrm>
-            <a:off x="2464529" y="989198"/>
-            <a:ext cx="7262941" cy="1549262"/>
-          </a:xfrm>
-          <a:prstGeom prst="rect">
-            <a:avLst/>
-          </a:prstGeom>
-        </p:spPr>
-      </p:pic>
-      <p:sp>
-        <p:nvSpPr>
-          <p:cNvPr id="7" name="文本框 6">
-            <a:extLst>
-              <a:ext uri="{FF2B5EF4-FFF2-40B4-BE49-F238E27FC236}">
-                <a16:creationId xmlns:a16="http://schemas.microsoft.com/office/drawing/2014/main" id="{BD92D289-0D05-47BA-8BA8-1BFA07222D3F}"/>
+                <a16:creationId xmlns:a16="http://schemas.microsoft.com/office/drawing/2014/main" id="{4BF52846-C8E9-4DED-B914-3BDF12797D0B}"/>
               </a:ext>
             </a:extLst>
           </p:cNvPr>
@@ -10484,8 +10381,8 @@
         </p:nvSpPr>
         <p:spPr>
           <a:xfrm>
-            <a:off x="713232" y="3871115"/>
-            <a:ext cx="10561160" cy="1477328"/>
+            <a:off x="417094" y="657726"/>
+            <a:ext cx="11055577" cy="707886"/>
           </a:xfrm>
           <a:prstGeom prst="rect">
             <a:avLst/>
@@ -10499,72 +10396,1816 @@
           <a:lstStyle/>
           <a:p>
             <a:r>
+              <a:rPr lang="en-US" altLang="zh-CN" sz="2000" dirty="0">
+                <a:latin typeface="微软雅黑" panose="020B0503020204020204" pitchFamily="34" charset="-122"/>
+                <a:ea typeface="微软雅黑" panose="020B0503020204020204" pitchFamily="34" charset="-122"/>
+              </a:rPr>
+              <a:t>Commit</a:t>
+            </a:r>
+            <a:r>
+              <a:rPr lang="zh-CN" altLang="en-US" sz="2000" dirty="0">
+                <a:latin typeface="微软雅黑" panose="020B0503020204020204" pitchFamily="34" charset="-122"/>
+                <a:ea typeface="微软雅黑" panose="020B0503020204020204" pitchFamily="34" charset="-122"/>
+              </a:rPr>
+              <a:t>：</a:t>
+            </a:r>
+            <a:endParaRPr lang="en-US" altLang="zh-CN" sz="2000" dirty="0">
+              <a:latin typeface="微软雅黑" panose="020B0503020204020204" pitchFamily="34" charset="-122"/>
+              <a:ea typeface="微软雅黑" panose="020B0503020204020204" pitchFamily="34" charset="-122"/>
+            </a:endParaRPr>
+          </a:p>
+          <a:p>
+            <a:endParaRPr lang="en-US" altLang="zh-CN" sz="2000" dirty="0">
+              <a:latin typeface="微软雅黑" panose="020B0503020204020204" pitchFamily="34" charset="-122"/>
+              <a:ea typeface="微软雅黑" panose="020B0503020204020204" pitchFamily="34" charset="-122"/>
+            </a:endParaRPr>
+          </a:p>
+        </p:txBody>
+      </p:sp>
+      <p:sp>
+        <p:nvSpPr>
+          <p:cNvPr id="18" name="椭圆 17">
+            <a:extLst>
+              <a:ext uri="{FF2B5EF4-FFF2-40B4-BE49-F238E27FC236}">
+                <a16:creationId xmlns:a16="http://schemas.microsoft.com/office/drawing/2014/main" id="{083C3997-7FCD-4B04-BA71-9BFFF87982BD}"/>
+              </a:ext>
+            </a:extLst>
+          </p:cNvPr>
+          <p:cNvSpPr/>
+          <p:nvPr/>
+        </p:nvSpPr>
+        <p:spPr>
+          <a:xfrm>
+            <a:off x="2008505" y="1908664"/>
+            <a:ext cx="581025" cy="581025"/>
+          </a:xfrm>
+          <a:prstGeom prst="ellipse">
+            <a:avLst/>
+          </a:prstGeom>
+        </p:spPr>
+        <p:style>
+          <a:lnRef idx="2">
+            <a:schemeClr val="accent1">
+              <a:shade val="50000"/>
+            </a:schemeClr>
+          </a:lnRef>
+          <a:fillRef idx="1">
+            <a:schemeClr val="accent1"/>
+          </a:fillRef>
+          <a:effectRef idx="0">
+            <a:schemeClr val="accent1"/>
+          </a:effectRef>
+          <a:fontRef idx="minor">
+            <a:schemeClr val="lt1"/>
+          </a:fontRef>
+        </p:style>
+        <p:txBody>
+          <a:bodyPr rtlCol="0" anchor="ctr"/>
+          <a:lstStyle>
+            <a:defPPr>
+              <a:defRPr lang="zh-CN">
+                <a:solidFill>
+                  <a:schemeClr val="lt1"/>
+                </a:solidFill>
+              </a:defRPr>
+            </a:defPPr>
+            <a:lvl1pPr marL="0" algn="l" defTabSz="914400" rtl="0" eaLnBrk="1" latinLnBrk="0" hangingPunct="1">
+              <a:defRPr sz="1800" kern="1200">
+                <a:solidFill>
+                  <a:schemeClr val="lt1"/>
+                </a:solidFill>
+                <a:latin typeface="+mn-lt"/>
+                <a:ea typeface="+mn-ea"/>
+                <a:cs typeface="+mn-cs"/>
+              </a:defRPr>
+            </a:lvl1pPr>
+            <a:lvl2pPr marL="457200" algn="l" defTabSz="914400" rtl="0" eaLnBrk="1" latinLnBrk="0" hangingPunct="1">
+              <a:defRPr sz="1800" kern="1200">
+                <a:solidFill>
+                  <a:schemeClr val="lt1"/>
+                </a:solidFill>
+                <a:latin typeface="+mn-lt"/>
+                <a:ea typeface="+mn-ea"/>
+                <a:cs typeface="+mn-cs"/>
+              </a:defRPr>
+            </a:lvl2pPr>
+            <a:lvl3pPr marL="914400" algn="l" defTabSz="914400" rtl="0" eaLnBrk="1" latinLnBrk="0" hangingPunct="1">
+              <a:defRPr sz="1800" kern="1200">
+                <a:solidFill>
+                  <a:schemeClr val="lt1"/>
+                </a:solidFill>
+                <a:latin typeface="+mn-lt"/>
+                <a:ea typeface="+mn-ea"/>
+                <a:cs typeface="+mn-cs"/>
+              </a:defRPr>
+            </a:lvl3pPr>
+            <a:lvl4pPr marL="1371600" algn="l" defTabSz="914400" rtl="0" eaLnBrk="1" latinLnBrk="0" hangingPunct="1">
+              <a:defRPr sz="1800" kern="1200">
+                <a:solidFill>
+                  <a:schemeClr val="lt1"/>
+                </a:solidFill>
+                <a:latin typeface="+mn-lt"/>
+                <a:ea typeface="+mn-ea"/>
+                <a:cs typeface="+mn-cs"/>
+              </a:defRPr>
+            </a:lvl4pPr>
+            <a:lvl5pPr marL="1828800" algn="l" defTabSz="914400" rtl="0" eaLnBrk="1" latinLnBrk="0" hangingPunct="1">
+              <a:defRPr sz="1800" kern="1200">
+                <a:solidFill>
+                  <a:schemeClr val="lt1"/>
+                </a:solidFill>
+                <a:latin typeface="+mn-lt"/>
+                <a:ea typeface="+mn-ea"/>
+                <a:cs typeface="+mn-cs"/>
+              </a:defRPr>
+            </a:lvl5pPr>
+            <a:lvl6pPr marL="2286000" algn="l" defTabSz="914400" rtl="0" eaLnBrk="1" latinLnBrk="0" hangingPunct="1">
+              <a:defRPr sz="1800" kern="1200">
+                <a:solidFill>
+                  <a:schemeClr val="lt1"/>
+                </a:solidFill>
+                <a:latin typeface="+mn-lt"/>
+                <a:ea typeface="+mn-ea"/>
+                <a:cs typeface="+mn-cs"/>
+              </a:defRPr>
+            </a:lvl6pPr>
+            <a:lvl7pPr marL="2743200" algn="l" defTabSz="914400" rtl="0" eaLnBrk="1" latinLnBrk="0" hangingPunct="1">
+              <a:defRPr sz="1800" kern="1200">
+                <a:solidFill>
+                  <a:schemeClr val="lt1"/>
+                </a:solidFill>
+                <a:latin typeface="+mn-lt"/>
+                <a:ea typeface="+mn-ea"/>
+                <a:cs typeface="+mn-cs"/>
+              </a:defRPr>
+            </a:lvl7pPr>
+            <a:lvl8pPr marL="3200400" algn="l" defTabSz="914400" rtl="0" eaLnBrk="1" latinLnBrk="0" hangingPunct="1">
+              <a:defRPr sz="1800" kern="1200">
+                <a:solidFill>
+                  <a:schemeClr val="lt1"/>
+                </a:solidFill>
+                <a:latin typeface="+mn-lt"/>
+                <a:ea typeface="+mn-ea"/>
+                <a:cs typeface="+mn-cs"/>
+              </a:defRPr>
+            </a:lvl8pPr>
+            <a:lvl9pPr marL="3657600" algn="l" defTabSz="914400" rtl="0" eaLnBrk="1" latinLnBrk="0" hangingPunct="1">
+              <a:defRPr sz="1800" kern="1200">
+                <a:solidFill>
+                  <a:schemeClr val="lt1"/>
+                </a:solidFill>
+                <a:latin typeface="+mn-lt"/>
+                <a:ea typeface="+mn-ea"/>
+                <a:cs typeface="+mn-cs"/>
+              </a:defRPr>
+            </a:lvl9pPr>
+          </a:lstStyle>
+          <a:p>
+            <a:pPr algn="ctr"/>
+            <a:endParaRPr lang="zh-CN" altLang="en-US">
+              <a:latin typeface="微软雅黑" panose="020B0503020204020204" pitchFamily="34" charset="-122"/>
+              <a:ea typeface="微软雅黑" panose="020B0503020204020204" pitchFamily="34" charset="-122"/>
+            </a:endParaRPr>
+          </a:p>
+        </p:txBody>
+      </p:sp>
+      <p:sp>
+        <p:nvSpPr>
+          <p:cNvPr id="19" name="圆角矩形 4">
+            <a:extLst>
+              <a:ext uri="{FF2B5EF4-FFF2-40B4-BE49-F238E27FC236}">
+                <a16:creationId xmlns:a16="http://schemas.microsoft.com/office/drawing/2014/main" id="{E71F84A5-97B7-44D0-83E4-DA5BDE9A9A02}"/>
+              </a:ext>
+            </a:extLst>
+          </p:cNvPr>
+          <p:cNvSpPr/>
+          <p:nvPr/>
+        </p:nvSpPr>
+        <p:spPr>
+          <a:xfrm>
+            <a:off x="1880235" y="2489689"/>
+            <a:ext cx="837565" cy="1190625"/>
+          </a:xfrm>
+          <a:prstGeom prst="roundRect">
+            <a:avLst/>
+          </a:prstGeom>
+        </p:spPr>
+        <p:style>
+          <a:lnRef idx="2">
+            <a:schemeClr val="accent1">
+              <a:shade val="50000"/>
+            </a:schemeClr>
+          </a:lnRef>
+          <a:fillRef idx="1">
+            <a:schemeClr val="accent1"/>
+          </a:fillRef>
+          <a:effectRef idx="0">
+            <a:schemeClr val="accent1"/>
+          </a:effectRef>
+          <a:fontRef idx="minor">
+            <a:schemeClr val="lt1"/>
+          </a:fontRef>
+        </p:style>
+        <p:txBody>
+          <a:bodyPr rtlCol="0" anchor="ctr"/>
+          <a:lstStyle>
+            <a:defPPr>
+              <a:defRPr lang="zh-CN">
+                <a:solidFill>
+                  <a:schemeClr val="lt1"/>
+                </a:solidFill>
+              </a:defRPr>
+            </a:defPPr>
+            <a:lvl1pPr marL="0" algn="l" defTabSz="914400" rtl="0" eaLnBrk="1" latinLnBrk="0" hangingPunct="1">
+              <a:defRPr sz="1800" kern="1200">
+                <a:solidFill>
+                  <a:schemeClr val="lt1"/>
+                </a:solidFill>
+                <a:latin typeface="+mn-lt"/>
+                <a:ea typeface="+mn-ea"/>
+                <a:cs typeface="+mn-cs"/>
+              </a:defRPr>
+            </a:lvl1pPr>
+            <a:lvl2pPr marL="457200" algn="l" defTabSz="914400" rtl="0" eaLnBrk="1" latinLnBrk="0" hangingPunct="1">
+              <a:defRPr sz="1800" kern="1200">
+                <a:solidFill>
+                  <a:schemeClr val="lt1"/>
+                </a:solidFill>
+                <a:latin typeface="+mn-lt"/>
+                <a:ea typeface="+mn-ea"/>
+                <a:cs typeface="+mn-cs"/>
+              </a:defRPr>
+            </a:lvl2pPr>
+            <a:lvl3pPr marL="914400" algn="l" defTabSz="914400" rtl="0" eaLnBrk="1" latinLnBrk="0" hangingPunct="1">
+              <a:defRPr sz="1800" kern="1200">
+                <a:solidFill>
+                  <a:schemeClr val="lt1"/>
+                </a:solidFill>
+                <a:latin typeface="+mn-lt"/>
+                <a:ea typeface="+mn-ea"/>
+                <a:cs typeface="+mn-cs"/>
+              </a:defRPr>
+            </a:lvl3pPr>
+            <a:lvl4pPr marL="1371600" algn="l" defTabSz="914400" rtl="0" eaLnBrk="1" latinLnBrk="0" hangingPunct="1">
+              <a:defRPr sz="1800" kern="1200">
+                <a:solidFill>
+                  <a:schemeClr val="lt1"/>
+                </a:solidFill>
+                <a:latin typeface="+mn-lt"/>
+                <a:ea typeface="+mn-ea"/>
+                <a:cs typeface="+mn-cs"/>
+              </a:defRPr>
+            </a:lvl4pPr>
+            <a:lvl5pPr marL="1828800" algn="l" defTabSz="914400" rtl="0" eaLnBrk="1" latinLnBrk="0" hangingPunct="1">
+              <a:defRPr sz="1800" kern="1200">
+                <a:solidFill>
+                  <a:schemeClr val="lt1"/>
+                </a:solidFill>
+                <a:latin typeface="+mn-lt"/>
+                <a:ea typeface="+mn-ea"/>
+                <a:cs typeface="+mn-cs"/>
+              </a:defRPr>
+            </a:lvl5pPr>
+            <a:lvl6pPr marL="2286000" algn="l" defTabSz="914400" rtl="0" eaLnBrk="1" latinLnBrk="0" hangingPunct="1">
+              <a:defRPr sz="1800" kern="1200">
+                <a:solidFill>
+                  <a:schemeClr val="lt1"/>
+                </a:solidFill>
+                <a:latin typeface="+mn-lt"/>
+                <a:ea typeface="+mn-ea"/>
+                <a:cs typeface="+mn-cs"/>
+              </a:defRPr>
+            </a:lvl6pPr>
+            <a:lvl7pPr marL="2743200" algn="l" defTabSz="914400" rtl="0" eaLnBrk="1" latinLnBrk="0" hangingPunct="1">
+              <a:defRPr sz="1800" kern="1200">
+                <a:solidFill>
+                  <a:schemeClr val="lt1"/>
+                </a:solidFill>
+                <a:latin typeface="+mn-lt"/>
+                <a:ea typeface="+mn-ea"/>
+                <a:cs typeface="+mn-cs"/>
+              </a:defRPr>
+            </a:lvl7pPr>
+            <a:lvl8pPr marL="3200400" algn="l" defTabSz="914400" rtl="0" eaLnBrk="1" latinLnBrk="0" hangingPunct="1">
+              <a:defRPr sz="1800" kern="1200">
+                <a:solidFill>
+                  <a:schemeClr val="lt1"/>
+                </a:solidFill>
+                <a:latin typeface="+mn-lt"/>
+                <a:ea typeface="+mn-ea"/>
+                <a:cs typeface="+mn-cs"/>
+              </a:defRPr>
+            </a:lvl8pPr>
+            <a:lvl9pPr marL="3657600" algn="l" defTabSz="914400" rtl="0" eaLnBrk="1" latinLnBrk="0" hangingPunct="1">
+              <a:defRPr sz="1800" kern="1200">
+                <a:solidFill>
+                  <a:schemeClr val="lt1"/>
+                </a:solidFill>
+                <a:latin typeface="+mn-lt"/>
+                <a:ea typeface="+mn-ea"/>
+                <a:cs typeface="+mn-cs"/>
+              </a:defRPr>
+            </a:lvl9pPr>
+          </a:lstStyle>
+          <a:p>
+            <a:pPr algn="ctr"/>
+            <a:endParaRPr lang="zh-CN" altLang="en-US">
+              <a:latin typeface="微软雅黑" panose="020B0503020204020204" pitchFamily="34" charset="-122"/>
+              <a:ea typeface="微软雅黑" panose="020B0503020204020204" pitchFamily="34" charset="-122"/>
+            </a:endParaRPr>
+          </a:p>
+        </p:txBody>
+      </p:sp>
+      <p:sp>
+        <p:nvSpPr>
+          <p:cNvPr id="20" name="椭圆 19">
+            <a:extLst>
+              <a:ext uri="{FF2B5EF4-FFF2-40B4-BE49-F238E27FC236}">
+                <a16:creationId xmlns:a16="http://schemas.microsoft.com/office/drawing/2014/main" id="{45F1AECF-FFA6-455D-9DAA-02B68AEF7325}"/>
+              </a:ext>
+            </a:extLst>
+          </p:cNvPr>
+          <p:cNvSpPr/>
+          <p:nvPr/>
+        </p:nvSpPr>
+        <p:spPr>
+          <a:xfrm>
+            <a:off x="8774430" y="1908664"/>
+            <a:ext cx="581025" cy="581025"/>
+          </a:xfrm>
+          <a:prstGeom prst="ellipse">
+            <a:avLst/>
+          </a:prstGeom>
+        </p:spPr>
+        <p:style>
+          <a:lnRef idx="2">
+            <a:schemeClr val="accent1">
+              <a:shade val="50000"/>
+            </a:schemeClr>
+          </a:lnRef>
+          <a:fillRef idx="1">
+            <a:schemeClr val="accent1"/>
+          </a:fillRef>
+          <a:effectRef idx="0">
+            <a:schemeClr val="accent1"/>
+          </a:effectRef>
+          <a:fontRef idx="minor">
+            <a:schemeClr val="lt1"/>
+          </a:fontRef>
+        </p:style>
+        <p:txBody>
+          <a:bodyPr rtlCol="0" anchor="ctr"/>
+          <a:lstStyle>
+            <a:defPPr>
+              <a:defRPr lang="zh-CN">
+                <a:solidFill>
+                  <a:schemeClr val="lt1"/>
+                </a:solidFill>
+              </a:defRPr>
+            </a:defPPr>
+            <a:lvl1pPr marL="0" algn="l" defTabSz="914400" rtl="0" eaLnBrk="1" latinLnBrk="0" hangingPunct="1">
+              <a:defRPr sz="1800" kern="1200">
+                <a:solidFill>
+                  <a:schemeClr val="lt1"/>
+                </a:solidFill>
+                <a:latin typeface="+mn-lt"/>
+                <a:ea typeface="+mn-ea"/>
+                <a:cs typeface="+mn-cs"/>
+              </a:defRPr>
+            </a:lvl1pPr>
+            <a:lvl2pPr marL="457200" algn="l" defTabSz="914400" rtl="0" eaLnBrk="1" latinLnBrk="0" hangingPunct="1">
+              <a:defRPr sz="1800" kern="1200">
+                <a:solidFill>
+                  <a:schemeClr val="lt1"/>
+                </a:solidFill>
+                <a:latin typeface="+mn-lt"/>
+                <a:ea typeface="+mn-ea"/>
+                <a:cs typeface="+mn-cs"/>
+              </a:defRPr>
+            </a:lvl2pPr>
+            <a:lvl3pPr marL="914400" algn="l" defTabSz="914400" rtl="0" eaLnBrk="1" latinLnBrk="0" hangingPunct="1">
+              <a:defRPr sz="1800" kern="1200">
+                <a:solidFill>
+                  <a:schemeClr val="lt1"/>
+                </a:solidFill>
+                <a:latin typeface="+mn-lt"/>
+                <a:ea typeface="+mn-ea"/>
+                <a:cs typeface="+mn-cs"/>
+              </a:defRPr>
+            </a:lvl3pPr>
+            <a:lvl4pPr marL="1371600" algn="l" defTabSz="914400" rtl="0" eaLnBrk="1" latinLnBrk="0" hangingPunct="1">
+              <a:defRPr sz="1800" kern="1200">
+                <a:solidFill>
+                  <a:schemeClr val="lt1"/>
+                </a:solidFill>
+                <a:latin typeface="+mn-lt"/>
+                <a:ea typeface="+mn-ea"/>
+                <a:cs typeface="+mn-cs"/>
+              </a:defRPr>
+            </a:lvl4pPr>
+            <a:lvl5pPr marL="1828800" algn="l" defTabSz="914400" rtl="0" eaLnBrk="1" latinLnBrk="0" hangingPunct="1">
+              <a:defRPr sz="1800" kern="1200">
+                <a:solidFill>
+                  <a:schemeClr val="lt1"/>
+                </a:solidFill>
+                <a:latin typeface="+mn-lt"/>
+                <a:ea typeface="+mn-ea"/>
+                <a:cs typeface="+mn-cs"/>
+              </a:defRPr>
+            </a:lvl5pPr>
+            <a:lvl6pPr marL="2286000" algn="l" defTabSz="914400" rtl="0" eaLnBrk="1" latinLnBrk="0" hangingPunct="1">
+              <a:defRPr sz="1800" kern="1200">
+                <a:solidFill>
+                  <a:schemeClr val="lt1"/>
+                </a:solidFill>
+                <a:latin typeface="+mn-lt"/>
+                <a:ea typeface="+mn-ea"/>
+                <a:cs typeface="+mn-cs"/>
+              </a:defRPr>
+            </a:lvl6pPr>
+            <a:lvl7pPr marL="2743200" algn="l" defTabSz="914400" rtl="0" eaLnBrk="1" latinLnBrk="0" hangingPunct="1">
+              <a:defRPr sz="1800" kern="1200">
+                <a:solidFill>
+                  <a:schemeClr val="lt1"/>
+                </a:solidFill>
+                <a:latin typeface="+mn-lt"/>
+                <a:ea typeface="+mn-ea"/>
+                <a:cs typeface="+mn-cs"/>
+              </a:defRPr>
+            </a:lvl7pPr>
+            <a:lvl8pPr marL="3200400" algn="l" defTabSz="914400" rtl="0" eaLnBrk="1" latinLnBrk="0" hangingPunct="1">
+              <a:defRPr sz="1800" kern="1200">
+                <a:solidFill>
+                  <a:schemeClr val="lt1"/>
+                </a:solidFill>
+                <a:latin typeface="+mn-lt"/>
+                <a:ea typeface="+mn-ea"/>
+                <a:cs typeface="+mn-cs"/>
+              </a:defRPr>
+            </a:lvl8pPr>
+            <a:lvl9pPr marL="3657600" algn="l" defTabSz="914400" rtl="0" eaLnBrk="1" latinLnBrk="0" hangingPunct="1">
+              <a:defRPr sz="1800" kern="1200">
+                <a:solidFill>
+                  <a:schemeClr val="lt1"/>
+                </a:solidFill>
+                <a:latin typeface="+mn-lt"/>
+                <a:ea typeface="+mn-ea"/>
+                <a:cs typeface="+mn-cs"/>
+              </a:defRPr>
+            </a:lvl9pPr>
+          </a:lstStyle>
+          <a:p>
+            <a:pPr algn="ctr"/>
+            <a:endParaRPr lang="zh-CN" altLang="en-US">
+              <a:latin typeface="微软雅黑" panose="020B0503020204020204" pitchFamily="34" charset="-122"/>
+              <a:ea typeface="微软雅黑" panose="020B0503020204020204" pitchFamily="34" charset="-122"/>
+            </a:endParaRPr>
+          </a:p>
+        </p:txBody>
+      </p:sp>
+      <p:sp>
+        <p:nvSpPr>
+          <p:cNvPr id="21" name="圆角矩形 8">
+            <a:extLst>
+              <a:ext uri="{FF2B5EF4-FFF2-40B4-BE49-F238E27FC236}">
+                <a16:creationId xmlns:a16="http://schemas.microsoft.com/office/drawing/2014/main" id="{736FB66A-15E4-4803-80CE-5873DA6C5A70}"/>
+              </a:ext>
+            </a:extLst>
+          </p:cNvPr>
+          <p:cNvSpPr/>
+          <p:nvPr/>
+        </p:nvSpPr>
+        <p:spPr>
+          <a:xfrm>
+            <a:off x="8646160" y="2489689"/>
+            <a:ext cx="837565" cy="1190625"/>
+          </a:xfrm>
+          <a:prstGeom prst="roundRect">
+            <a:avLst/>
+          </a:prstGeom>
+        </p:spPr>
+        <p:style>
+          <a:lnRef idx="2">
+            <a:schemeClr val="accent1">
+              <a:shade val="50000"/>
+            </a:schemeClr>
+          </a:lnRef>
+          <a:fillRef idx="1">
+            <a:schemeClr val="accent1"/>
+          </a:fillRef>
+          <a:effectRef idx="0">
+            <a:schemeClr val="accent1"/>
+          </a:effectRef>
+          <a:fontRef idx="minor">
+            <a:schemeClr val="lt1"/>
+          </a:fontRef>
+        </p:style>
+        <p:txBody>
+          <a:bodyPr rtlCol="0" anchor="ctr"/>
+          <a:lstStyle>
+            <a:defPPr>
+              <a:defRPr lang="zh-CN">
+                <a:solidFill>
+                  <a:schemeClr val="lt1"/>
+                </a:solidFill>
+              </a:defRPr>
+            </a:defPPr>
+            <a:lvl1pPr marL="0" algn="l" defTabSz="914400" rtl="0" eaLnBrk="1" latinLnBrk="0" hangingPunct="1">
+              <a:defRPr sz="1800" kern="1200">
+                <a:solidFill>
+                  <a:schemeClr val="lt1"/>
+                </a:solidFill>
+                <a:latin typeface="+mn-lt"/>
+                <a:ea typeface="+mn-ea"/>
+                <a:cs typeface="+mn-cs"/>
+              </a:defRPr>
+            </a:lvl1pPr>
+            <a:lvl2pPr marL="457200" algn="l" defTabSz="914400" rtl="0" eaLnBrk="1" latinLnBrk="0" hangingPunct="1">
+              <a:defRPr sz="1800" kern="1200">
+                <a:solidFill>
+                  <a:schemeClr val="lt1"/>
+                </a:solidFill>
+                <a:latin typeface="+mn-lt"/>
+                <a:ea typeface="+mn-ea"/>
+                <a:cs typeface="+mn-cs"/>
+              </a:defRPr>
+            </a:lvl2pPr>
+            <a:lvl3pPr marL="914400" algn="l" defTabSz="914400" rtl="0" eaLnBrk="1" latinLnBrk="0" hangingPunct="1">
+              <a:defRPr sz="1800" kern="1200">
+                <a:solidFill>
+                  <a:schemeClr val="lt1"/>
+                </a:solidFill>
+                <a:latin typeface="+mn-lt"/>
+                <a:ea typeface="+mn-ea"/>
+                <a:cs typeface="+mn-cs"/>
+              </a:defRPr>
+            </a:lvl3pPr>
+            <a:lvl4pPr marL="1371600" algn="l" defTabSz="914400" rtl="0" eaLnBrk="1" latinLnBrk="0" hangingPunct="1">
+              <a:defRPr sz="1800" kern="1200">
+                <a:solidFill>
+                  <a:schemeClr val="lt1"/>
+                </a:solidFill>
+                <a:latin typeface="+mn-lt"/>
+                <a:ea typeface="+mn-ea"/>
+                <a:cs typeface="+mn-cs"/>
+              </a:defRPr>
+            </a:lvl4pPr>
+            <a:lvl5pPr marL="1828800" algn="l" defTabSz="914400" rtl="0" eaLnBrk="1" latinLnBrk="0" hangingPunct="1">
+              <a:defRPr sz="1800" kern="1200">
+                <a:solidFill>
+                  <a:schemeClr val="lt1"/>
+                </a:solidFill>
+                <a:latin typeface="+mn-lt"/>
+                <a:ea typeface="+mn-ea"/>
+                <a:cs typeface="+mn-cs"/>
+              </a:defRPr>
+            </a:lvl5pPr>
+            <a:lvl6pPr marL="2286000" algn="l" defTabSz="914400" rtl="0" eaLnBrk="1" latinLnBrk="0" hangingPunct="1">
+              <a:defRPr sz="1800" kern="1200">
+                <a:solidFill>
+                  <a:schemeClr val="lt1"/>
+                </a:solidFill>
+                <a:latin typeface="+mn-lt"/>
+                <a:ea typeface="+mn-ea"/>
+                <a:cs typeface="+mn-cs"/>
+              </a:defRPr>
+            </a:lvl6pPr>
+            <a:lvl7pPr marL="2743200" algn="l" defTabSz="914400" rtl="0" eaLnBrk="1" latinLnBrk="0" hangingPunct="1">
+              <a:defRPr sz="1800" kern="1200">
+                <a:solidFill>
+                  <a:schemeClr val="lt1"/>
+                </a:solidFill>
+                <a:latin typeface="+mn-lt"/>
+                <a:ea typeface="+mn-ea"/>
+                <a:cs typeface="+mn-cs"/>
+              </a:defRPr>
+            </a:lvl7pPr>
+            <a:lvl8pPr marL="3200400" algn="l" defTabSz="914400" rtl="0" eaLnBrk="1" latinLnBrk="0" hangingPunct="1">
+              <a:defRPr sz="1800" kern="1200">
+                <a:solidFill>
+                  <a:schemeClr val="lt1"/>
+                </a:solidFill>
+                <a:latin typeface="+mn-lt"/>
+                <a:ea typeface="+mn-ea"/>
+                <a:cs typeface="+mn-cs"/>
+              </a:defRPr>
+            </a:lvl8pPr>
+            <a:lvl9pPr marL="3657600" algn="l" defTabSz="914400" rtl="0" eaLnBrk="1" latinLnBrk="0" hangingPunct="1">
+              <a:defRPr sz="1800" kern="1200">
+                <a:solidFill>
+                  <a:schemeClr val="lt1"/>
+                </a:solidFill>
+                <a:latin typeface="+mn-lt"/>
+                <a:ea typeface="+mn-ea"/>
+                <a:cs typeface="+mn-cs"/>
+              </a:defRPr>
+            </a:lvl9pPr>
+          </a:lstStyle>
+          <a:p>
+            <a:pPr algn="ctr"/>
+            <a:endParaRPr lang="zh-CN" altLang="en-US">
+              <a:latin typeface="微软雅黑" panose="020B0503020204020204" pitchFamily="34" charset="-122"/>
+              <a:ea typeface="微软雅黑" panose="020B0503020204020204" pitchFamily="34" charset="-122"/>
+            </a:endParaRPr>
+          </a:p>
+        </p:txBody>
+      </p:sp>
+      <p:sp>
+        <p:nvSpPr>
+          <p:cNvPr id="22" name="文本框 9">
+            <a:extLst>
+              <a:ext uri="{FF2B5EF4-FFF2-40B4-BE49-F238E27FC236}">
+                <a16:creationId xmlns:a16="http://schemas.microsoft.com/office/drawing/2014/main" id="{660C67A3-97D3-4769-95B0-BD252E96A497}"/>
+              </a:ext>
+            </a:extLst>
+          </p:cNvPr>
+          <p:cNvSpPr txBox="1"/>
+          <p:nvPr/>
+        </p:nvSpPr>
+        <p:spPr>
+          <a:xfrm>
+            <a:off x="1880235" y="1532344"/>
+            <a:ext cx="1362075" cy="369332"/>
+          </a:xfrm>
+          <a:prstGeom prst="rect">
+            <a:avLst/>
+          </a:prstGeom>
+          <a:noFill/>
+        </p:spPr>
+        <p:txBody>
+          <a:bodyPr wrap="square" rtlCol="0">
+            <a:spAutoFit/>
+          </a:bodyPr>
+          <a:lstStyle>
+            <a:defPPr>
+              <a:defRPr lang="zh-CN"/>
+            </a:defPPr>
+            <a:lvl1pPr marL="0" algn="l" defTabSz="914400" rtl="0" eaLnBrk="1" latinLnBrk="0" hangingPunct="1">
+              <a:defRPr sz="1800" kern="1200">
+                <a:solidFill>
+                  <a:schemeClr val="tx1"/>
+                </a:solidFill>
+                <a:latin typeface="+mn-lt"/>
+                <a:ea typeface="+mn-ea"/>
+                <a:cs typeface="+mn-cs"/>
+              </a:defRPr>
+            </a:lvl1pPr>
+            <a:lvl2pPr marL="457200" algn="l" defTabSz="914400" rtl="0" eaLnBrk="1" latinLnBrk="0" hangingPunct="1">
+              <a:defRPr sz="1800" kern="1200">
+                <a:solidFill>
+                  <a:schemeClr val="tx1"/>
+                </a:solidFill>
+                <a:latin typeface="+mn-lt"/>
+                <a:ea typeface="+mn-ea"/>
+                <a:cs typeface="+mn-cs"/>
+              </a:defRPr>
+            </a:lvl2pPr>
+            <a:lvl3pPr marL="914400" algn="l" defTabSz="914400" rtl="0" eaLnBrk="1" latinLnBrk="0" hangingPunct="1">
+              <a:defRPr sz="1800" kern="1200">
+                <a:solidFill>
+                  <a:schemeClr val="tx1"/>
+                </a:solidFill>
+                <a:latin typeface="+mn-lt"/>
+                <a:ea typeface="+mn-ea"/>
+                <a:cs typeface="+mn-cs"/>
+              </a:defRPr>
+            </a:lvl3pPr>
+            <a:lvl4pPr marL="1371600" algn="l" defTabSz="914400" rtl="0" eaLnBrk="1" latinLnBrk="0" hangingPunct="1">
+              <a:defRPr sz="1800" kern="1200">
+                <a:solidFill>
+                  <a:schemeClr val="tx1"/>
+                </a:solidFill>
+                <a:latin typeface="+mn-lt"/>
+                <a:ea typeface="+mn-ea"/>
+                <a:cs typeface="+mn-cs"/>
+              </a:defRPr>
+            </a:lvl4pPr>
+            <a:lvl5pPr marL="1828800" algn="l" defTabSz="914400" rtl="0" eaLnBrk="1" latinLnBrk="0" hangingPunct="1">
+              <a:defRPr sz="1800" kern="1200">
+                <a:solidFill>
+                  <a:schemeClr val="tx1"/>
+                </a:solidFill>
+                <a:latin typeface="+mn-lt"/>
+                <a:ea typeface="+mn-ea"/>
+                <a:cs typeface="+mn-cs"/>
+              </a:defRPr>
+            </a:lvl5pPr>
+            <a:lvl6pPr marL="2286000" algn="l" defTabSz="914400" rtl="0" eaLnBrk="1" latinLnBrk="0" hangingPunct="1">
+              <a:defRPr sz="1800" kern="1200">
+                <a:solidFill>
+                  <a:schemeClr val="tx1"/>
+                </a:solidFill>
+                <a:latin typeface="+mn-lt"/>
+                <a:ea typeface="+mn-ea"/>
+                <a:cs typeface="+mn-cs"/>
+              </a:defRPr>
+            </a:lvl6pPr>
+            <a:lvl7pPr marL="2743200" algn="l" defTabSz="914400" rtl="0" eaLnBrk="1" latinLnBrk="0" hangingPunct="1">
+              <a:defRPr sz="1800" kern="1200">
+                <a:solidFill>
+                  <a:schemeClr val="tx1"/>
+                </a:solidFill>
+                <a:latin typeface="+mn-lt"/>
+                <a:ea typeface="+mn-ea"/>
+                <a:cs typeface="+mn-cs"/>
+              </a:defRPr>
+            </a:lvl7pPr>
+            <a:lvl8pPr marL="3200400" algn="l" defTabSz="914400" rtl="0" eaLnBrk="1" latinLnBrk="0" hangingPunct="1">
+              <a:defRPr sz="1800" kern="1200">
+                <a:solidFill>
+                  <a:schemeClr val="tx1"/>
+                </a:solidFill>
+                <a:latin typeface="+mn-lt"/>
+                <a:ea typeface="+mn-ea"/>
+                <a:cs typeface="+mn-cs"/>
+              </a:defRPr>
+            </a:lvl8pPr>
+            <a:lvl9pPr marL="3657600" algn="l" defTabSz="914400" rtl="0" eaLnBrk="1" latinLnBrk="0" hangingPunct="1">
+              <a:defRPr sz="1800" kern="1200">
+                <a:solidFill>
+                  <a:schemeClr val="tx1"/>
+                </a:solidFill>
+                <a:latin typeface="+mn-lt"/>
+                <a:ea typeface="+mn-ea"/>
+                <a:cs typeface="+mn-cs"/>
+              </a:defRPr>
+            </a:lvl9pPr>
+          </a:lstStyle>
+          <a:p>
+            <a:r>
               <a:rPr lang="zh-CN" altLang="en-US" dirty="0">
                 <a:latin typeface="微软雅黑" panose="020B0503020204020204" pitchFamily="34" charset="-122"/>
                 <a:ea typeface="微软雅黑" panose="020B0503020204020204" pitchFamily="34" charset="-122"/>
               </a:rPr>
-              <a:t>将整个计算过程建模为一个算术电路，针对这个算术电路构建零知识证明系统</a:t>
+              <a:t>承诺方</a:t>
+            </a:r>
+          </a:p>
+        </p:txBody>
+      </p:sp>
+      <p:sp>
+        <p:nvSpPr>
+          <p:cNvPr id="23" name="文本框 10">
+            <a:extLst>
+              <a:ext uri="{FF2B5EF4-FFF2-40B4-BE49-F238E27FC236}">
+                <a16:creationId xmlns:a16="http://schemas.microsoft.com/office/drawing/2014/main" id="{784A327C-F3EC-480F-A929-CA6ED4EFF8B5}"/>
+              </a:ext>
+            </a:extLst>
+          </p:cNvPr>
+          <p:cNvSpPr txBox="1"/>
+          <p:nvPr/>
+        </p:nvSpPr>
+        <p:spPr>
+          <a:xfrm>
+            <a:off x="8383905" y="1457814"/>
+            <a:ext cx="1362075" cy="368300"/>
+          </a:xfrm>
+          <a:prstGeom prst="rect">
+            <a:avLst/>
+          </a:prstGeom>
+          <a:noFill/>
+        </p:spPr>
+        <p:txBody>
+          <a:bodyPr wrap="square" rtlCol="0">
+            <a:spAutoFit/>
+          </a:bodyPr>
+          <a:lstStyle>
+            <a:defPPr>
+              <a:defRPr lang="zh-CN"/>
+            </a:defPPr>
+            <a:lvl1pPr marL="0" algn="l" defTabSz="914400" rtl="0" eaLnBrk="1" latinLnBrk="0" hangingPunct="1">
+              <a:defRPr sz="1800" kern="1200">
+                <a:solidFill>
+                  <a:schemeClr val="tx1"/>
+                </a:solidFill>
+                <a:latin typeface="+mn-lt"/>
+                <a:ea typeface="+mn-ea"/>
+                <a:cs typeface="+mn-cs"/>
+              </a:defRPr>
+            </a:lvl1pPr>
+            <a:lvl2pPr marL="457200" algn="l" defTabSz="914400" rtl="0" eaLnBrk="1" latinLnBrk="0" hangingPunct="1">
+              <a:defRPr sz="1800" kern="1200">
+                <a:solidFill>
+                  <a:schemeClr val="tx1"/>
+                </a:solidFill>
+                <a:latin typeface="+mn-lt"/>
+                <a:ea typeface="+mn-ea"/>
+                <a:cs typeface="+mn-cs"/>
+              </a:defRPr>
+            </a:lvl2pPr>
+            <a:lvl3pPr marL="914400" algn="l" defTabSz="914400" rtl="0" eaLnBrk="1" latinLnBrk="0" hangingPunct="1">
+              <a:defRPr sz="1800" kern="1200">
+                <a:solidFill>
+                  <a:schemeClr val="tx1"/>
+                </a:solidFill>
+                <a:latin typeface="+mn-lt"/>
+                <a:ea typeface="+mn-ea"/>
+                <a:cs typeface="+mn-cs"/>
+              </a:defRPr>
+            </a:lvl3pPr>
+            <a:lvl4pPr marL="1371600" algn="l" defTabSz="914400" rtl="0" eaLnBrk="1" latinLnBrk="0" hangingPunct="1">
+              <a:defRPr sz="1800" kern="1200">
+                <a:solidFill>
+                  <a:schemeClr val="tx1"/>
+                </a:solidFill>
+                <a:latin typeface="+mn-lt"/>
+                <a:ea typeface="+mn-ea"/>
+                <a:cs typeface="+mn-cs"/>
+              </a:defRPr>
+            </a:lvl4pPr>
+            <a:lvl5pPr marL="1828800" algn="l" defTabSz="914400" rtl="0" eaLnBrk="1" latinLnBrk="0" hangingPunct="1">
+              <a:defRPr sz="1800" kern="1200">
+                <a:solidFill>
+                  <a:schemeClr val="tx1"/>
+                </a:solidFill>
+                <a:latin typeface="+mn-lt"/>
+                <a:ea typeface="+mn-ea"/>
+                <a:cs typeface="+mn-cs"/>
+              </a:defRPr>
+            </a:lvl5pPr>
+            <a:lvl6pPr marL="2286000" algn="l" defTabSz="914400" rtl="0" eaLnBrk="1" latinLnBrk="0" hangingPunct="1">
+              <a:defRPr sz="1800" kern="1200">
+                <a:solidFill>
+                  <a:schemeClr val="tx1"/>
+                </a:solidFill>
+                <a:latin typeface="+mn-lt"/>
+                <a:ea typeface="+mn-ea"/>
+                <a:cs typeface="+mn-cs"/>
+              </a:defRPr>
+            </a:lvl6pPr>
+            <a:lvl7pPr marL="2743200" algn="l" defTabSz="914400" rtl="0" eaLnBrk="1" latinLnBrk="0" hangingPunct="1">
+              <a:defRPr sz="1800" kern="1200">
+                <a:solidFill>
+                  <a:schemeClr val="tx1"/>
+                </a:solidFill>
+                <a:latin typeface="+mn-lt"/>
+                <a:ea typeface="+mn-ea"/>
+                <a:cs typeface="+mn-cs"/>
+              </a:defRPr>
+            </a:lvl7pPr>
+            <a:lvl8pPr marL="3200400" algn="l" defTabSz="914400" rtl="0" eaLnBrk="1" latinLnBrk="0" hangingPunct="1">
+              <a:defRPr sz="1800" kern="1200">
+                <a:solidFill>
+                  <a:schemeClr val="tx1"/>
+                </a:solidFill>
+                <a:latin typeface="+mn-lt"/>
+                <a:ea typeface="+mn-ea"/>
+                <a:cs typeface="+mn-cs"/>
+              </a:defRPr>
+            </a:lvl8pPr>
+            <a:lvl9pPr marL="3657600" algn="l" defTabSz="914400" rtl="0" eaLnBrk="1" latinLnBrk="0" hangingPunct="1">
+              <a:defRPr sz="1800" kern="1200">
+                <a:solidFill>
+                  <a:schemeClr val="tx1"/>
+                </a:solidFill>
+                <a:latin typeface="+mn-lt"/>
+                <a:ea typeface="+mn-ea"/>
+                <a:cs typeface="+mn-cs"/>
+              </a:defRPr>
+            </a:lvl9pPr>
+          </a:lstStyle>
+          <a:p>
+            <a:pPr algn="ctr"/>
+            <a:r>
+              <a:rPr lang="zh-CN" altLang="en-US" dirty="0">
+                <a:latin typeface="微软雅黑" panose="020B0503020204020204" pitchFamily="34" charset="-122"/>
+                <a:ea typeface="微软雅黑" panose="020B0503020204020204" pitchFamily="34" charset="-122"/>
+              </a:rPr>
+              <a:t>验证方</a:t>
+            </a:r>
+          </a:p>
+        </p:txBody>
+      </p:sp>
+      <p:cxnSp>
+        <p:nvCxnSpPr>
+          <p:cNvPr id="24" name="直接箭头连接符 23">
+            <a:extLst>
+              <a:ext uri="{FF2B5EF4-FFF2-40B4-BE49-F238E27FC236}">
+                <a16:creationId xmlns:a16="http://schemas.microsoft.com/office/drawing/2014/main" id="{E8771A28-0067-4D7B-A0EA-B98BBEB3B037}"/>
+              </a:ext>
+            </a:extLst>
+          </p:cNvPr>
+          <p:cNvCxnSpPr/>
+          <p:nvPr/>
+        </p:nvCxnSpPr>
+        <p:spPr>
+          <a:xfrm>
+            <a:off x="3384232" y="2697823"/>
+            <a:ext cx="4467225" cy="9525"/>
+          </a:xfrm>
+          <a:prstGeom prst="straightConnector1">
+            <a:avLst/>
+          </a:prstGeom>
+          <a:ln w="28575" cmpd="sng">
+            <a:solidFill>
+              <a:schemeClr val="accent1">
+                <a:shade val="50000"/>
+              </a:schemeClr>
+            </a:solidFill>
+            <a:prstDash val="solid"/>
+            <a:tailEnd type="arrow"/>
+          </a:ln>
+        </p:spPr>
+        <p:style>
+          <a:lnRef idx="1">
+            <a:schemeClr val="accent1"/>
+          </a:lnRef>
+          <a:fillRef idx="0">
+            <a:schemeClr val="accent1"/>
+          </a:fillRef>
+          <a:effectRef idx="0">
+            <a:schemeClr val="accent1"/>
+          </a:effectRef>
+          <a:fontRef idx="minor">
+            <a:schemeClr val="tx1"/>
+          </a:fontRef>
+        </p:style>
+      </p:cxnSp>
+      <p:sp>
+        <p:nvSpPr>
+          <p:cNvPr id="27" name="文本框 15">
+            <a:extLst>
+              <a:ext uri="{FF2B5EF4-FFF2-40B4-BE49-F238E27FC236}">
+                <a16:creationId xmlns:a16="http://schemas.microsoft.com/office/drawing/2014/main" id="{D82B47E1-E50A-4357-BE52-689930A3B8D3}"/>
+              </a:ext>
+            </a:extLst>
+          </p:cNvPr>
+          <p:cNvSpPr txBox="1"/>
+          <p:nvPr/>
+        </p:nvSpPr>
+        <p:spPr>
+          <a:xfrm>
+            <a:off x="4296207" y="2154053"/>
+            <a:ext cx="2619248" cy="369332"/>
+          </a:xfrm>
+          <a:prstGeom prst="rect">
+            <a:avLst/>
+          </a:prstGeom>
+          <a:noFill/>
+        </p:spPr>
+        <p:txBody>
+          <a:bodyPr wrap="square" rtlCol="0">
+            <a:spAutoFit/>
+          </a:bodyPr>
+          <a:lstStyle>
+            <a:defPPr>
+              <a:defRPr lang="zh-CN"/>
+            </a:defPPr>
+            <a:lvl1pPr marL="0" algn="l" defTabSz="914400" rtl="0" eaLnBrk="1" latinLnBrk="0" hangingPunct="1">
+              <a:defRPr sz="1800" kern="1200">
+                <a:solidFill>
+                  <a:schemeClr val="tx1"/>
+                </a:solidFill>
+                <a:latin typeface="+mn-lt"/>
+                <a:ea typeface="+mn-ea"/>
+                <a:cs typeface="+mn-cs"/>
+              </a:defRPr>
+            </a:lvl1pPr>
+            <a:lvl2pPr marL="457200" algn="l" defTabSz="914400" rtl="0" eaLnBrk="1" latinLnBrk="0" hangingPunct="1">
+              <a:defRPr sz="1800" kern="1200">
+                <a:solidFill>
+                  <a:schemeClr val="tx1"/>
+                </a:solidFill>
+                <a:latin typeface="+mn-lt"/>
+                <a:ea typeface="+mn-ea"/>
+                <a:cs typeface="+mn-cs"/>
+              </a:defRPr>
+            </a:lvl2pPr>
+            <a:lvl3pPr marL="914400" algn="l" defTabSz="914400" rtl="0" eaLnBrk="1" latinLnBrk="0" hangingPunct="1">
+              <a:defRPr sz="1800" kern="1200">
+                <a:solidFill>
+                  <a:schemeClr val="tx1"/>
+                </a:solidFill>
+                <a:latin typeface="+mn-lt"/>
+                <a:ea typeface="+mn-ea"/>
+                <a:cs typeface="+mn-cs"/>
+              </a:defRPr>
+            </a:lvl3pPr>
+            <a:lvl4pPr marL="1371600" algn="l" defTabSz="914400" rtl="0" eaLnBrk="1" latinLnBrk="0" hangingPunct="1">
+              <a:defRPr sz="1800" kern="1200">
+                <a:solidFill>
+                  <a:schemeClr val="tx1"/>
+                </a:solidFill>
+                <a:latin typeface="+mn-lt"/>
+                <a:ea typeface="+mn-ea"/>
+                <a:cs typeface="+mn-cs"/>
+              </a:defRPr>
+            </a:lvl4pPr>
+            <a:lvl5pPr marL="1828800" algn="l" defTabSz="914400" rtl="0" eaLnBrk="1" latinLnBrk="0" hangingPunct="1">
+              <a:defRPr sz="1800" kern="1200">
+                <a:solidFill>
+                  <a:schemeClr val="tx1"/>
+                </a:solidFill>
+                <a:latin typeface="+mn-lt"/>
+                <a:ea typeface="+mn-ea"/>
+                <a:cs typeface="+mn-cs"/>
+              </a:defRPr>
+            </a:lvl5pPr>
+            <a:lvl6pPr marL="2286000" algn="l" defTabSz="914400" rtl="0" eaLnBrk="1" latinLnBrk="0" hangingPunct="1">
+              <a:defRPr sz="1800" kern="1200">
+                <a:solidFill>
+                  <a:schemeClr val="tx1"/>
+                </a:solidFill>
+                <a:latin typeface="+mn-lt"/>
+                <a:ea typeface="+mn-ea"/>
+                <a:cs typeface="+mn-cs"/>
+              </a:defRPr>
+            </a:lvl6pPr>
+            <a:lvl7pPr marL="2743200" algn="l" defTabSz="914400" rtl="0" eaLnBrk="1" latinLnBrk="0" hangingPunct="1">
+              <a:defRPr sz="1800" kern="1200">
+                <a:solidFill>
+                  <a:schemeClr val="tx1"/>
+                </a:solidFill>
+                <a:latin typeface="+mn-lt"/>
+                <a:ea typeface="+mn-ea"/>
+                <a:cs typeface="+mn-cs"/>
+              </a:defRPr>
+            </a:lvl7pPr>
+            <a:lvl8pPr marL="3200400" algn="l" defTabSz="914400" rtl="0" eaLnBrk="1" latinLnBrk="0" hangingPunct="1">
+              <a:defRPr sz="1800" kern="1200">
+                <a:solidFill>
+                  <a:schemeClr val="tx1"/>
+                </a:solidFill>
+                <a:latin typeface="+mn-lt"/>
+                <a:ea typeface="+mn-ea"/>
+                <a:cs typeface="+mn-cs"/>
+              </a:defRPr>
+            </a:lvl8pPr>
+            <a:lvl9pPr marL="3657600" algn="l" defTabSz="914400" rtl="0" eaLnBrk="1" latinLnBrk="0" hangingPunct="1">
+              <a:defRPr sz="1800" kern="1200">
+                <a:solidFill>
+                  <a:schemeClr val="tx1"/>
+                </a:solidFill>
+                <a:latin typeface="+mn-lt"/>
+                <a:ea typeface="+mn-ea"/>
+                <a:cs typeface="+mn-cs"/>
+              </a:defRPr>
+            </a:lvl9pPr>
+          </a:lstStyle>
+          <a:p>
+            <a:r>
+              <a:rPr lang="zh-CN" altLang="en-US" dirty="0">
+                <a:latin typeface="微软雅黑" panose="020B0503020204020204" pitchFamily="34" charset="-122"/>
+                <a:ea typeface="微软雅黑" panose="020B0503020204020204" pitchFamily="34" charset="-122"/>
+              </a:rPr>
+              <a:t>承诺结果</a:t>
+            </a:r>
+            <a:r>
+              <a:rPr lang="en-US" altLang="zh-CN" dirty="0">
+                <a:latin typeface="微软雅黑" panose="020B0503020204020204" pitchFamily="34" charset="-122"/>
+                <a:ea typeface="微软雅黑" panose="020B0503020204020204" pitchFamily="34" charset="-122"/>
+              </a:rPr>
+              <a:t>C=commit</a:t>
+            </a:r>
+            <a:r>
+              <a:rPr lang="zh-CN" altLang="en-US" dirty="0">
+                <a:latin typeface="微软雅黑" panose="020B0503020204020204" pitchFamily="34" charset="-122"/>
+                <a:ea typeface="微软雅黑" panose="020B0503020204020204" pitchFamily="34" charset="-122"/>
+              </a:rPr>
+              <a:t>（</a:t>
+            </a:r>
+            <a:r>
+              <a:rPr lang="en-US" altLang="zh-CN" dirty="0">
+                <a:latin typeface="微软雅黑" panose="020B0503020204020204" pitchFamily="34" charset="-122"/>
+                <a:ea typeface="微软雅黑" panose="020B0503020204020204" pitchFamily="34" charset="-122"/>
+              </a:rPr>
+              <a:t>x</a:t>
+            </a:r>
+            <a:r>
+              <a:rPr lang="zh-CN" altLang="en-US" dirty="0">
+                <a:latin typeface="微软雅黑" panose="020B0503020204020204" pitchFamily="34" charset="-122"/>
+                <a:ea typeface="微软雅黑" panose="020B0503020204020204" pitchFamily="34" charset="-122"/>
+              </a:rPr>
+              <a:t>）</a:t>
             </a:r>
             <a:endParaRPr lang="en-US" altLang="zh-CN" dirty="0">
               <a:latin typeface="微软雅黑" panose="020B0503020204020204" pitchFamily="34" charset="-122"/>
               <a:ea typeface="微软雅黑" panose="020B0503020204020204" pitchFamily="34" charset="-122"/>
             </a:endParaRPr>
           </a:p>
-          <a:p>
+        </p:txBody>
+      </p:sp>
+      <p:sp>
+        <p:nvSpPr>
+          <p:cNvPr id="29" name="椭圆形标注 17">
+            <a:extLst>
+              <a:ext uri="{FF2B5EF4-FFF2-40B4-BE49-F238E27FC236}">
+                <a16:creationId xmlns:a16="http://schemas.microsoft.com/office/drawing/2014/main" id="{EEBE8464-BEC4-44F0-9374-B32125B70878}"/>
+              </a:ext>
+            </a:extLst>
+          </p:cNvPr>
+          <p:cNvSpPr/>
+          <p:nvPr/>
+        </p:nvSpPr>
+        <p:spPr>
+          <a:xfrm>
+            <a:off x="9483725" y="1381614"/>
+            <a:ext cx="1543050" cy="771525"/>
+          </a:xfrm>
+          <a:prstGeom prst="wedgeEllipseCallout">
+            <a:avLst/>
+          </a:prstGeom>
+        </p:spPr>
+        <p:style>
+          <a:lnRef idx="2">
+            <a:schemeClr val="accent6"/>
+          </a:lnRef>
+          <a:fillRef idx="1">
+            <a:schemeClr val="lt1"/>
+          </a:fillRef>
+          <a:effectRef idx="0">
+            <a:schemeClr val="accent6"/>
+          </a:effectRef>
+          <a:fontRef idx="minor">
+            <a:schemeClr val="dk1"/>
+          </a:fontRef>
+        </p:style>
+        <p:txBody>
+          <a:bodyPr rtlCol="0" anchor="ctr"/>
+          <a:lstStyle>
+            <a:defPPr>
+              <a:defRPr lang="zh-CN">
+                <a:solidFill>
+                  <a:schemeClr val="dk1"/>
+                </a:solidFill>
+              </a:defRPr>
+            </a:defPPr>
+            <a:lvl1pPr marL="0" algn="l" defTabSz="914400" rtl="0" eaLnBrk="1" latinLnBrk="0" hangingPunct="1">
+              <a:defRPr sz="1800" kern="1200">
+                <a:solidFill>
+                  <a:schemeClr val="dk1"/>
+                </a:solidFill>
+                <a:latin typeface="+mn-lt"/>
+                <a:ea typeface="+mn-ea"/>
+                <a:cs typeface="+mn-cs"/>
+              </a:defRPr>
+            </a:lvl1pPr>
+            <a:lvl2pPr marL="457200" algn="l" defTabSz="914400" rtl="0" eaLnBrk="1" latinLnBrk="0" hangingPunct="1">
+              <a:defRPr sz="1800" kern="1200">
+                <a:solidFill>
+                  <a:schemeClr val="dk1"/>
+                </a:solidFill>
+                <a:latin typeface="+mn-lt"/>
+                <a:ea typeface="+mn-ea"/>
+                <a:cs typeface="+mn-cs"/>
+              </a:defRPr>
+            </a:lvl2pPr>
+            <a:lvl3pPr marL="914400" algn="l" defTabSz="914400" rtl="0" eaLnBrk="1" latinLnBrk="0" hangingPunct="1">
+              <a:defRPr sz="1800" kern="1200">
+                <a:solidFill>
+                  <a:schemeClr val="dk1"/>
+                </a:solidFill>
+                <a:latin typeface="+mn-lt"/>
+                <a:ea typeface="+mn-ea"/>
+                <a:cs typeface="+mn-cs"/>
+              </a:defRPr>
+            </a:lvl3pPr>
+            <a:lvl4pPr marL="1371600" algn="l" defTabSz="914400" rtl="0" eaLnBrk="1" latinLnBrk="0" hangingPunct="1">
+              <a:defRPr sz="1800" kern="1200">
+                <a:solidFill>
+                  <a:schemeClr val="dk1"/>
+                </a:solidFill>
+                <a:latin typeface="+mn-lt"/>
+                <a:ea typeface="+mn-ea"/>
+                <a:cs typeface="+mn-cs"/>
+              </a:defRPr>
+            </a:lvl4pPr>
+            <a:lvl5pPr marL="1828800" algn="l" defTabSz="914400" rtl="0" eaLnBrk="1" latinLnBrk="0" hangingPunct="1">
+              <a:defRPr sz="1800" kern="1200">
+                <a:solidFill>
+                  <a:schemeClr val="dk1"/>
+                </a:solidFill>
+                <a:latin typeface="+mn-lt"/>
+                <a:ea typeface="+mn-ea"/>
+                <a:cs typeface="+mn-cs"/>
+              </a:defRPr>
+            </a:lvl5pPr>
+            <a:lvl6pPr marL="2286000" algn="l" defTabSz="914400" rtl="0" eaLnBrk="1" latinLnBrk="0" hangingPunct="1">
+              <a:defRPr sz="1800" kern="1200">
+                <a:solidFill>
+                  <a:schemeClr val="dk1"/>
+                </a:solidFill>
+                <a:latin typeface="+mn-lt"/>
+                <a:ea typeface="+mn-ea"/>
+                <a:cs typeface="+mn-cs"/>
+              </a:defRPr>
+            </a:lvl6pPr>
+            <a:lvl7pPr marL="2743200" algn="l" defTabSz="914400" rtl="0" eaLnBrk="1" latinLnBrk="0" hangingPunct="1">
+              <a:defRPr sz="1800" kern="1200">
+                <a:solidFill>
+                  <a:schemeClr val="dk1"/>
+                </a:solidFill>
+                <a:latin typeface="+mn-lt"/>
+                <a:ea typeface="+mn-ea"/>
+                <a:cs typeface="+mn-cs"/>
+              </a:defRPr>
+            </a:lvl7pPr>
+            <a:lvl8pPr marL="3200400" algn="l" defTabSz="914400" rtl="0" eaLnBrk="1" latinLnBrk="0" hangingPunct="1">
+              <a:defRPr sz="1800" kern="1200">
+                <a:solidFill>
+                  <a:schemeClr val="dk1"/>
+                </a:solidFill>
+                <a:latin typeface="+mn-lt"/>
+                <a:ea typeface="+mn-ea"/>
+                <a:cs typeface="+mn-cs"/>
+              </a:defRPr>
+            </a:lvl8pPr>
+            <a:lvl9pPr marL="3657600" algn="l" defTabSz="914400" rtl="0" eaLnBrk="1" latinLnBrk="0" hangingPunct="1">
+              <a:defRPr sz="1800" kern="1200">
+                <a:solidFill>
+                  <a:schemeClr val="dk1"/>
+                </a:solidFill>
+                <a:latin typeface="+mn-lt"/>
+                <a:ea typeface="+mn-ea"/>
+                <a:cs typeface="+mn-cs"/>
+              </a:defRPr>
+            </a:lvl9pPr>
+          </a:lstStyle>
+          <a:p>
+            <a:pPr algn="ctr"/>
+            <a:endParaRPr lang="zh-CN" altLang="en-US">
+              <a:latin typeface="微软雅黑" panose="020B0503020204020204" pitchFamily="34" charset="-122"/>
+              <a:ea typeface="微软雅黑" panose="020B0503020204020204" pitchFamily="34" charset="-122"/>
+            </a:endParaRPr>
+          </a:p>
+        </p:txBody>
+      </p:sp>
+      <p:sp>
+        <p:nvSpPr>
+          <p:cNvPr id="30" name="文本框 18">
+            <a:extLst>
+              <a:ext uri="{FF2B5EF4-FFF2-40B4-BE49-F238E27FC236}">
+                <a16:creationId xmlns:a16="http://schemas.microsoft.com/office/drawing/2014/main" id="{B831F0B8-1A81-4904-BEF4-BC4DE1D477FC}"/>
+              </a:ext>
+            </a:extLst>
+          </p:cNvPr>
+          <p:cNvSpPr txBox="1"/>
+          <p:nvPr/>
+        </p:nvSpPr>
+        <p:spPr>
+          <a:xfrm>
+            <a:off x="9679305" y="1457814"/>
+            <a:ext cx="1170747" cy="646331"/>
+          </a:xfrm>
+          <a:prstGeom prst="rect">
+            <a:avLst/>
+          </a:prstGeom>
+          <a:noFill/>
+        </p:spPr>
+        <p:txBody>
+          <a:bodyPr wrap="square" rtlCol="0">
+            <a:spAutoFit/>
+          </a:bodyPr>
+          <a:lstStyle>
+            <a:defPPr>
+              <a:defRPr lang="zh-CN"/>
+            </a:defPPr>
+            <a:lvl1pPr marL="0" algn="l" defTabSz="914400" rtl="0" eaLnBrk="1" latinLnBrk="0" hangingPunct="1">
+              <a:defRPr sz="1800" kern="1200">
+                <a:solidFill>
+                  <a:schemeClr val="tx1"/>
+                </a:solidFill>
+                <a:latin typeface="+mn-lt"/>
+                <a:ea typeface="+mn-ea"/>
+                <a:cs typeface="+mn-cs"/>
+              </a:defRPr>
+            </a:lvl1pPr>
+            <a:lvl2pPr marL="457200" algn="l" defTabSz="914400" rtl="0" eaLnBrk="1" latinLnBrk="0" hangingPunct="1">
+              <a:defRPr sz="1800" kern="1200">
+                <a:solidFill>
+                  <a:schemeClr val="tx1"/>
+                </a:solidFill>
+                <a:latin typeface="+mn-lt"/>
+                <a:ea typeface="+mn-ea"/>
+                <a:cs typeface="+mn-cs"/>
+              </a:defRPr>
+            </a:lvl2pPr>
+            <a:lvl3pPr marL="914400" algn="l" defTabSz="914400" rtl="0" eaLnBrk="1" latinLnBrk="0" hangingPunct="1">
+              <a:defRPr sz="1800" kern="1200">
+                <a:solidFill>
+                  <a:schemeClr val="tx1"/>
+                </a:solidFill>
+                <a:latin typeface="+mn-lt"/>
+                <a:ea typeface="+mn-ea"/>
+                <a:cs typeface="+mn-cs"/>
+              </a:defRPr>
+            </a:lvl3pPr>
+            <a:lvl4pPr marL="1371600" algn="l" defTabSz="914400" rtl="0" eaLnBrk="1" latinLnBrk="0" hangingPunct="1">
+              <a:defRPr sz="1800" kern="1200">
+                <a:solidFill>
+                  <a:schemeClr val="tx1"/>
+                </a:solidFill>
+                <a:latin typeface="+mn-lt"/>
+                <a:ea typeface="+mn-ea"/>
+                <a:cs typeface="+mn-cs"/>
+              </a:defRPr>
+            </a:lvl4pPr>
+            <a:lvl5pPr marL="1828800" algn="l" defTabSz="914400" rtl="0" eaLnBrk="1" latinLnBrk="0" hangingPunct="1">
+              <a:defRPr sz="1800" kern="1200">
+                <a:solidFill>
+                  <a:schemeClr val="tx1"/>
+                </a:solidFill>
+                <a:latin typeface="+mn-lt"/>
+                <a:ea typeface="+mn-ea"/>
+                <a:cs typeface="+mn-cs"/>
+              </a:defRPr>
+            </a:lvl5pPr>
+            <a:lvl6pPr marL="2286000" algn="l" defTabSz="914400" rtl="0" eaLnBrk="1" latinLnBrk="0" hangingPunct="1">
+              <a:defRPr sz="1800" kern="1200">
+                <a:solidFill>
+                  <a:schemeClr val="tx1"/>
+                </a:solidFill>
+                <a:latin typeface="+mn-lt"/>
+                <a:ea typeface="+mn-ea"/>
+                <a:cs typeface="+mn-cs"/>
+              </a:defRPr>
+            </a:lvl6pPr>
+            <a:lvl7pPr marL="2743200" algn="l" defTabSz="914400" rtl="0" eaLnBrk="1" latinLnBrk="0" hangingPunct="1">
+              <a:defRPr sz="1800" kern="1200">
+                <a:solidFill>
+                  <a:schemeClr val="tx1"/>
+                </a:solidFill>
+                <a:latin typeface="+mn-lt"/>
+                <a:ea typeface="+mn-ea"/>
+                <a:cs typeface="+mn-cs"/>
+              </a:defRPr>
+            </a:lvl7pPr>
+            <a:lvl8pPr marL="3200400" algn="l" defTabSz="914400" rtl="0" eaLnBrk="1" latinLnBrk="0" hangingPunct="1">
+              <a:defRPr sz="1800" kern="1200">
+                <a:solidFill>
+                  <a:schemeClr val="tx1"/>
+                </a:solidFill>
+                <a:latin typeface="+mn-lt"/>
+                <a:ea typeface="+mn-ea"/>
+                <a:cs typeface="+mn-cs"/>
+              </a:defRPr>
+            </a:lvl8pPr>
+            <a:lvl9pPr marL="3657600" algn="l" defTabSz="914400" rtl="0" eaLnBrk="1" latinLnBrk="0" hangingPunct="1">
+              <a:defRPr sz="1800" kern="1200">
+                <a:solidFill>
+                  <a:schemeClr val="tx1"/>
+                </a:solidFill>
+                <a:latin typeface="+mn-lt"/>
+                <a:ea typeface="+mn-ea"/>
+                <a:cs typeface="+mn-cs"/>
+              </a:defRPr>
+            </a:lvl9pPr>
+          </a:lstStyle>
+          <a:p>
+            <a:r>
+              <a:rPr lang="en-US" altLang="zh-CN" dirty="0">
+                <a:latin typeface="微软雅黑" panose="020B0503020204020204" pitchFamily="34" charset="-122"/>
+                <a:ea typeface="微软雅黑" panose="020B0503020204020204" pitchFamily="34" charset="-122"/>
+              </a:rPr>
+              <a:t>C=commit(x</a:t>
+            </a:r>
+            <a:r>
+              <a:rPr lang="zh-CN" altLang="en-US" dirty="0">
+                <a:latin typeface="微软雅黑" panose="020B0503020204020204" pitchFamily="34" charset="-122"/>
+                <a:ea typeface="微软雅黑" panose="020B0503020204020204" pitchFamily="34" charset="-122"/>
+              </a:rPr>
+              <a:t>‘</a:t>
+            </a:r>
+            <a:r>
+              <a:rPr lang="en-US" altLang="zh-CN" dirty="0">
+                <a:latin typeface="微软雅黑" panose="020B0503020204020204" pitchFamily="34" charset="-122"/>
+                <a:ea typeface="微软雅黑" panose="020B0503020204020204" pitchFamily="34" charset="-122"/>
+              </a:rPr>
+              <a:t>)?</a:t>
+            </a:r>
+          </a:p>
+        </p:txBody>
+      </p:sp>
+      <p:cxnSp>
+        <p:nvCxnSpPr>
+          <p:cNvPr id="31" name="直接箭头连接符 30">
+            <a:extLst>
+              <a:ext uri="{FF2B5EF4-FFF2-40B4-BE49-F238E27FC236}">
+                <a16:creationId xmlns:a16="http://schemas.microsoft.com/office/drawing/2014/main" id="{EF297F55-5B79-45D7-83AA-41DFAF8AEA2D}"/>
+              </a:ext>
+            </a:extLst>
+          </p:cNvPr>
+          <p:cNvCxnSpPr/>
+          <p:nvPr/>
+        </p:nvCxnSpPr>
+        <p:spPr>
+          <a:xfrm>
+            <a:off x="3384232" y="3504629"/>
+            <a:ext cx="4467225" cy="9525"/>
+          </a:xfrm>
+          <a:prstGeom prst="straightConnector1">
+            <a:avLst/>
+          </a:prstGeom>
+          <a:ln w="28575" cmpd="sng">
+            <a:solidFill>
+              <a:schemeClr val="accent1">
+                <a:shade val="50000"/>
+              </a:schemeClr>
+            </a:solidFill>
+            <a:prstDash val="solid"/>
+            <a:tailEnd type="arrow"/>
+          </a:ln>
+        </p:spPr>
+        <p:style>
+          <a:lnRef idx="1">
+            <a:schemeClr val="accent1"/>
+          </a:lnRef>
+          <a:fillRef idx="0">
+            <a:schemeClr val="accent1"/>
+          </a:fillRef>
+          <a:effectRef idx="0">
+            <a:schemeClr val="accent1"/>
+          </a:effectRef>
+          <a:fontRef idx="minor">
+            <a:schemeClr val="tx1"/>
+          </a:fontRef>
+        </p:style>
+      </p:cxnSp>
+      <p:sp>
+        <p:nvSpPr>
+          <p:cNvPr id="32" name="文本框 15">
+            <a:extLst>
+              <a:ext uri="{FF2B5EF4-FFF2-40B4-BE49-F238E27FC236}">
+                <a16:creationId xmlns:a16="http://schemas.microsoft.com/office/drawing/2014/main" id="{110FB888-3F99-43AE-B6F5-A8880A12A6C4}"/>
+              </a:ext>
+            </a:extLst>
+          </p:cNvPr>
+          <p:cNvSpPr txBox="1"/>
+          <p:nvPr/>
+        </p:nvSpPr>
+        <p:spPr>
+          <a:xfrm>
+            <a:off x="4296207" y="2960859"/>
+            <a:ext cx="2619248" cy="369332"/>
+          </a:xfrm>
+          <a:prstGeom prst="rect">
+            <a:avLst/>
+          </a:prstGeom>
+          <a:noFill/>
+        </p:spPr>
+        <p:txBody>
+          <a:bodyPr wrap="square" rtlCol="0">
+            <a:spAutoFit/>
+          </a:bodyPr>
+          <a:lstStyle>
+            <a:defPPr>
+              <a:defRPr lang="zh-CN"/>
+            </a:defPPr>
+            <a:lvl1pPr marL="0" algn="l" defTabSz="914400" rtl="0" eaLnBrk="1" latinLnBrk="0" hangingPunct="1">
+              <a:defRPr sz="1800" kern="1200">
+                <a:solidFill>
+                  <a:schemeClr val="tx1"/>
+                </a:solidFill>
+                <a:latin typeface="+mn-lt"/>
+                <a:ea typeface="+mn-ea"/>
+                <a:cs typeface="+mn-cs"/>
+              </a:defRPr>
+            </a:lvl1pPr>
+            <a:lvl2pPr marL="457200" algn="l" defTabSz="914400" rtl="0" eaLnBrk="1" latinLnBrk="0" hangingPunct="1">
+              <a:defRPr sz="1800" kern="1200">
+                <a:solidFill>
+                  <a:schemeClr val="tx1"/>
+                </a:solidFill>
+                <a:latin typeface="+mn-lt"/>
+                <a:ea typeface="+mn-ea"/>
+                <a:cs typeface="+mn-cs"/>
+              </a:defRPr>
+            </a:lvl2pPr>
+            <a:lvl3pPr marL="914400" algn="l" defTabSz="914400" rtl="0" eaLnBrk="1" latinLnBrk="0" hangingPunct="1">
+              <a:defRPr sz="1800" kern="1200">
+                <a:solidFill>
+                  <a:schemeClr val="tx1"/>
+                </a:solidFill>
+                <a:latin typeface="+mn-lt"/>
+                <a:ea typeface="+mn-ea"/>
+                <a:cs typeface="+mn-cs"/>
+              </a:defRPr>
+            </a:lvl3pPr>
+            <a:lvl4pPr marL="1371600" algn="l" defTabSz="914400" rtl="0" eaLnBrk="1" latinLnBrk="0" hangingPunct="1">
+              <a:defRPr sz="1800" kern="1200">
+                <a:solidFill>
+                  <a:schemeClr val="tx1"/>
+                </a:solidFill>
+                <a:latin typeface="+mn-lt"/>
+                <a:ea typeface="+mn-ea"/>
+                <a:cs typeface="+mn-cs"/>
+              </a:defRPr>
+            </a:lvl4pPr>
+            <a:lvl5pPr marL="1828800" algn="l" defTabSz="914400" rtl="0" eaLnBrk="1" latinLnBrk="0" hangingPunct="1">
+              <a:defRPr sz="1800" kern="1200">
+                <a:solidFill>
+                  <a:schemeClr val="tx1"/>
+                </a:solidFill>
+                <a:latin typeface="+mn-lt"/>
+                <a:ea typeface="+mn-ea"/>
+                <a:cs typeface="+mn-cs"/>
+              </a:defRPr>
+            </a:lvl5pPr>
+            <a:lvl6pPr marL="2286000" algn="l" defTabSz="914400" rtl="0" eaLnBrk="1" latinLnBrk="0" hangingPunct="1">
+              <a:defRPr sz="1800" kern="1200">
+                <a:solidFill>
+                  <a:schemeClr val="tx1"/>
+                </a:solidFill>
+                <a:latin typeface="+mn-lt"/>
+                <a:ea typeface="+mn-ea"/>
+                <a:cs typeface="+mn-cs"/>
+              </a:defRPr>
+            </a:lvl6pPr>
+            <a:lvl7pPr marL="2743200" algn="l" defTabSz="914400" rtl="0" eaLnBrk="1" latinLnBrk="0" hangingPunct="1">
+              <a:defRPr sz="1800" kern="1200">
+                <a:solidFill>
+                  <a:schemeClr val="tx1"/>
+                </a:solidFill>
+                <a:latin typeface="+mn-lt"/>
+                <a:ea typeface="+mn-ea"/>
+                <a:cs typeface="+mn-cs"/>
+              </a:defRPr>
+            </a:lvl7pPr>
+            <a:lvl8pPr marL="3200400" algn="l" defTabSz="914400" rtl="0" eaLnBrk="1" latinLnBrk="0" hangingPunct="1">
+              <a:defRPr sz="1800" kern="1200">
+                <a:solidFill>
+                  <a:schemeClr val="tx1"/>
+                </a:solidFill>
+                <a:latin typeface="+mn-lt"/>
+                <a:ea typeface="+mn-ea"/>
+                <a:cs typeface="+mn-cs"/>
+              </a:defRPr>
+            </a:lvl8pPr>
+            <a:lvl9pPr marL="3657600" algn="l" defTabSz="914400" rtl="0" eaLnBrk="1" latinLnBrk="0" hangingPunct="1">
+              <a:defRPr sz="1800" kern="1200">
+                <a:solidFill>
+                  <a:schemeClr val="tx1"/>
+                </a:solidFill>
+                <a:latin typeface="+mn-lt"/>
+                <a:ea typeface="+mn-ea"/>
+                <a:cs typeface="+mn-cs"/>
+              </a:defRPr>
+            </a:lvl9pPr>
+          </a:lstStyle>
+          <a:p>
+            <a:pPr algn="ctr"/>
+            <a:r>
+              <a:rPr lang="zh-CN" altLang="en-US" dirty="0">
+                <a:latin typeface="微软雅黑" panose="020B0503020204020204" pitchFamily="34" charset="-122"/>
+                <a:ea typeface="微软雅黑" panose="020B0503020204020204" pitchFamily="34" charset="-122"/>
+              </a:rPr>
+              <a:t>公布密文</a:t>
+            </a:r>
+            <a:r>
+              <a:rPr lang="en-US" altLang="zh-CN" dirty="0">
+                <a:latin typeface="微软雅黑" panose="020B0503020204020204" pitchFamily="34" charset="-122"/>
+                <a:ea typeface="微软雅黑" panose="020B0503020204020204" pitchFamily="34" charset="-122"/>
+              </a:rPr>
+              <a:t>x’</a:t>
+            </a:r>
+          </a:p>
+        </p:txBody>
+      </p:sp>
+      <p:sp>
+        <p:nvSpPr>
+          <p:cNvPr id="33" name="文本框 9">
+            <a:extLst>
+              <a:ext uri="{FF2B5EF4-FFF2-40B4-BE49-F238E27FC236}">
+                <a16:creationId xmlns:a16="http://schemas.microsoft.com/office/drawing/2014/main" id="{7C4FEB8D-0499-414A-9E43-E91278D33A1F}"/>
+              </a:ext>
+            </a:extLst>
+          </p:cNvPr>
+          <p:cNvSpPr txBox="1"/>
+          <p:nvPr/>
+        </p:nvSpPr>
+        <p:spPr>
+          <a:xfrm>
+            <a:off x="1880234" y="3697328"/>
+            <a:ext cx="1362075" cy="369332"/>
+          </a:xfrm>
+          <a:prstGeom prst="rect">
+            <a:avLst/>
+          </a:prstGeom>
+          <a:noFill/>
+        </p:spPr>
+        <p:txBody>
+          <a:bodyPr wrap="square" rtlCol="0">
+            <a:spAutoFit/>
+          </a:bodyPr>
+          <a:lstStyle>
+            <a:defPPr>
+              <a:defRPr lang="zh-CN"/>
+            </a:defPPr>
+            <a:lvl1pPr marL="0" algn="l" defTabSz="914400" rtl="0" eaLnBrk="1" latinLnBrk="0" hangingPunct="1">
+              <a:defRPr sz="1800" kern="1200">
+                <a:solidFill>
+                  <a:schemeClr val="tx1"/>
+                </a:solidFill>
+                <a:latin typeface="+mn-lt"/>
+                <a:ea typeface="+mn-ea"/>
+                <a:cs typeface="+mn-cs"/>
+              </a:defRPr>
+            </a:lvl1pPr>
+            <a:lvl2pPr marL="457200" algn="l" defTabSz="914400" rtl="0" eaLnBrk="1" latinLnBrk="0" hangingPunct="1">
+              <a:defRPr sz="1800" kern="1200">
+                <a:solidFill>
+                  <a:schemeClr val="tx1"/>
+                </a:solidFill>
+                <a:latin typeface="+mn-lt"/>
+                <a:ea typeface="+mn-ea"/>
+                <a:cs typeface="+mn-cs"/>
+              </a:defRPr>
+            </a:lvl2pPr>
+            <a:lvl3pPr marL="914400" algn="l" defTabSz="914400" rtl="0" eaLnBrk="1" latinLnBrk="0" hangingPunct="1">
+              <a:defRPr sz="1800" kern="1200">
+                <a:solidFill>
+                  <a:schemeClr val="tx1"/>
+                </a:solidFill>
+                <a:latin typeface="+mn-lt"/>
+                <a:ea typeface="+mn-ea"/>
+                <a:cs typeface="+mn-cs"/>
+              </a:defRPr>
+            </a:lvl3pPr>
+            <a:lvl4pPr marL="1371600" algn="l" defTabSz="914400" rtl="0" eaLnBrk="1" latinLnBrk="0" hangingPunct="1">
+              <a:defRPr sz="1800" kern="1200">
+                <a:solidFill>
+                  <a:schemeClr val="tx1"/>
+                </a:solidFill>
+                <a:latin typeface="+mn-lt"/>
+                <a:ea typeface="+mn-ea"/>
+                <a:cs typeface="+mn-cs"/>
+              </a:defRPr>
+            </a:lvl4pPr>
+            <a:lvl5pPr marL="1828800" algn="l" defTabSz="914400" rtl="0" eaLnBrk="1" latinLnBrk="0" hangingPunct="1">
+              <a:defRPr sz="1800" kern="1200">
+                <a:solidFill>
+                  <a:schemeClr val="tx1"/>
+                </a:solidFill>
+                <a:latin typeface="+mn-lt"/>
+                <a:ea typeface="+mn-ea"/>
+                <a:cs typeface="+mn-cs"/>
+              </a:defRPr>
+            </a:lvl5pPr>
+            <a:lvl6pPr marL="2286000" algn="l" defTabSz="914400" rtl="0" eaLnBrk="1" latinLnBrk="0" hangingPunct="1">
+              <a:defRPr sz="1800" kern="1200">
+                <a:solidFill>
+                  <a:schemeClr val="tx1"/>
+                </a:solidFill>
+                <a:latin typeface="+mn-lt"/>
+                <a:ea typeface="+mn-ea"/>
+                <a:cs typeface="+mn-cs"/>
+              </a:defRPr>
+            </a:lvl6pPr>
+            <a:lvl7pPr marL="2743200" algn="l" defTabSz="914400" rtl="0" eaLnBrk="1" latinLnBrk="0" hangingPunct="1">
+              <a:defRPr sz="1800" kern="1200">
+                <a:solidFill>
+                  <a:schemeClr val="tx1"/>
+                </a:solidFill>
+                <a:latin typeface="+mn-lt"/>
+                <a:ea typeface="+mn-ea"/>
+                <a:cs typeface="+mn-cs"/>
+              </a:defRPr>
+            </a:lvl7pPr>
+            <a:lvl8pPr marL="3200400" algn="l" defTabSz="914400" rtl="0" eaLnBrk="1" latinLnBrk="0" hangingPunct="1">
+              <a:defRPr sz="1800" kern="1200">
+                <a:solidFill>
+                  <a:schemeClr val="tx1"/>
+                </a:solidFill>
+                <a:latin typeface="+mn-lt"/>
+                <a:ea typeface="+mn-ea"/>
+                <a:cs typeface="+mn-cs"/>
+              </a:defRPr>
+            </a:lvl8pPr>
+            <a:lvl9pPr marL="3657600" algn="l" defTabSz="914400" rtl="0" eaLnBrk="1" latinLnBrk="0" hangingPunct="1">
+              <a:defRPr sz="1800" kern="1200">
+                <a:solidFill>
+                  <a:schemeClr val="tx1"/>
+                </a:solidFill>
+                <a:latin typeface="+mn-lt"/>
+                <a:ea typeface="+mn-ea"/>
+                <a:cs typeface="+mn-cs"/>
+              </a:defRPr>
+            </a:lvl9pPr>
+          </a:lstStyle>
+          <a:p>
+            <a:r>
+              <a:rPr lang="zh-CN" altLang="en-US" dirty="0">
+                <a:latin typeface="微软雅黑" panose="020B0503020204020204" pitchFamily="34" charset="-122"/>
+                <a:ea typeface="微软雅黑" panose="020B0503020204020204" pitchFamily="34" charset="-122"/>
+              </a:rPr>
+              <a:t>拥有</a:t>
+            </a:r>
+            <a:r>
+              <a:rPr lang="en-US" altLang="zh-CN" dirty="0">
+                <a:latin typeface="微软雅黑" panose="020B0503020204020204" pitchFamily="34" charset="-122"/>
+                <a:ea typeface="微软雅黑" panose="020B0503020204020204" pitchFamily="34" charset="-122"/>
+              </a:rPr>
+              <a:t>x</a:t>
+            </a:r>
+            <a:endParaRPr lang="zh-CN" altLang="en-US" dirty="0">
+              <a:latin typeface="微软雅黑" panose="020B0503020204020204" pitchFamily="34" charset="-122"/>
+              <a:ea typeface="微软雅黑" panose="020B0503020204020204" pitchFamily="34" charset="-122"/>
+            </a:endParaRPr>
+          </a:p>
+        </p:txBody>
+      </p:sp>
+      <p:sp>
+        <p:nvSpPr>
+          <p:cNvPr id="2" name="文本框 1">
+            <a:extLst>
+              <a:ext uri="{FF2B5EF4-FFF2-40B4-BE49-F238E27FC236}">
+                <a16:creationId xmlns:a16="http://schemas.microsoft.com/office/drawing/2014/main" id="{D903E15B-F5C1-4796-A580-DFB90F65BC53}"/>
+              </a:ext>
+            </a:extLst>
+          </p:cNvPr>
+          <p:cNvSpPr txBox="1"/>
+          <p:nvPr/>
+        </p:nvSpPr>
+        <p:spPr>
+          <a:xfrm>
+            <a:off x="1133856" y="4462272"/>
+            <a:ext cx="9716196" cy="923330"/>
+          </a:xfrm>
+          <a:prstGeom prst="rect">
+            <a:avLst/>
+          </a:prstGeom>
+          <a:noFill/>
+        </p:spPr>
+        <p:txBody>
+          <a:bodyPr wrap="square" rtlCol="0">
+            <a:spAutoFit/>
+          </a:bodyPr>
+          <a:lstStyle/>
+          <a:p>
+            <a:r>
+              <a:rPr lang="zh-CN" altLang="en-US" dirty="0">
+                <a:latin typeface="微软雅黑" panose="020B0503020204020204" pitchFamily="34" charset="-122"/>
+                <a:ea typeface="微软雅黑" panose="020B0503020204020204" pitchFamily="34" charset="-122"/>
+              </a:rPr>
+              <a:t>选择合适的计算，可以保证</a:t>
+            </a:r>
+            <a:r>
+              <a:rPr lang="en-US" altLang="zh-CN" dirty="0">
+                <a:latin typeface="微软雅黑" panose="020B0503020204020204" pitchFamily="34" charset="-122"/>
+                <a:ea typeface="微软雅黑" panose="020B0503020204020204" pitchFamily="34" charset="-122"/>
+              </a:rPr>
+              <a:t>x</a:t>
+            </a:r>
+            <a:r>
+              <a:rPr lang="zh-CN" altLang="en-US" dirty="0">
+                <a:latin typeface="微软雅黑" panose="020B0503020204020204" pitchFamily="34" charset="-122"/>
+                <a:ea typeface="微软雅黑" panose="020B0503020204020204" pitchFamily="34" charset="-122"/>
+              </a:rPr>
+              <a:t>和</a:t>
+            </a:r>
+            <a:r>
+              <a:rPr lang="en-US" altLang="zh-CN" dirty="0">
+                <a:latin typeface="微软雅黑" panose="020B0503020204020204" pitchFamily="34" charset="-122"/>
+                <a:ea typeface="微软雅黑" panose="020B0503020204020204" pitchFamily="34" charset="-122"/>
+              </a:rPr>
+              <a:t>x’</a:t>
+            </a:r>
+            <a:r>
+              <a:rPr lang="zh-CN" altLang="en-US" dirty="0">
+                <a:latin typeface="微软雅黑" panose="020B0503020204020204" pitchFamily="34" charset="-122"/>
+                <a:ea typeface="微软雅黑" panose="020B0503020204020204" pitchFamily="34" charset="-122"/>
+              </a:rPr>
+              <a:t>一致</a:t>
+            </a:r>
             <a:endParaRPr lang="en-US" altLang="zh-CN" dirty="0">
               <a:latin typeface="微软雅黑" panose="020B0503020204020204" pitchFamily="34" charset="-122"/>
               <a:ea typeface="微软雅黑" panose="020B0503020204020204" pitchFamily="34" charset="-122"/>
             </a:endParaRPr>
           </a:p>
           <a:p>
+            <a:endParaRPr lang="en-US" altLang="zh-CN" dirty="0">
+              <a:latin typeface="微软雅黑" panose="020B0503020204020204" pitchFamily="34" charset="-122"/>
+              <a:ea typeface="微软雅黑" panose="020B0503020204020204" pitchFamily="34" charset="-122"/>
+            </a:endParaRPr>
+          </a:p>
+          <a:p>
             <a:r>
               <a:rPr lang="zh-CN" altLang="en-US" dirty="0">
                 <a:latin typeface="微软雅黑" panose="020B0503020204020204" pitchFamily="34" charset="-122"/>
                 <a:ea typeface="微软雅黑" panose="020B0503020204020204" pitchFamily="34" charset="-122"/>
               </a:rPr>
-              <a:t>将问题转为算术电路这部分称为零知识证明前端，针对电路构造证明系统的部分称为后端</a:t>
-            </a:r>
-            <a:endParaRPr lang="en-US" altLang="zh-CN" dirty="0">
-              <a:latin typeface="微软雅黑" panose="020B0503020204020204" pitchFamily="34" charset="-122"/>
-              <a:ea typeface="微软雅黑" panose="020B0503020204020204" pitchFamily="34" charset="-122"/>
-            </a:endParaRPr>
-          </a:p>
-          <a:p>
-            <a:endParaRPr lang="en-US" altLang="zh-CN" dirty="0">
-              <a:latin typeface="微软雅黑" panose="020B0503020204020204" pitchFamily="34" charset="-122"/>
-              <a:ea typeface="微软雅黑" panose="020B0503020204020204" pitchFamily="34" charset="-122"/>
-            </a:endParaRPr>
-          </a:p>
-          <a:p>
+              <a:t>在论文中，将模型的一些信息进行</a:t>
+            </a:r>
+            <a:r>
+              <a:rPr lang="en-US" altLang="zh-CN" dirty="0">
+                <a:latin typeface="微软雅黑" panose="020B0503020204020204" pitchFamily="34" charset="-122"/>
+                <a:ea typeface="微软雅黑" panose="020B0503020204020204" pitchFamily="34" charset="-122"/>
+              </a:rPr>
+              <a:t>commit</a:t>
+            </a:r>
             <a:r>
               <a:rPr lang="zh-CN" altLang="en-US" dirty="0">
                 <a:latin typeface="微软雅黑" panose="020B0503020204020204" pitchFamily="34" charset="-122"/>
                 <a:ea typeface="微软雅黑" panose="020B0503020204020204" pitchFamily="34" charset="-122"/>
               </a:rPr>
-              <a:t>论文使用</a:t>
-            </a:r>
-            <a:r>
-              <a:rPr lang="en-US" altLang="zh-CN" dirty="0">
-                <a:latin typeface="微软雅黑" panose="020B0503020204020204" pitchFamily="34" charset="-122"/>
-                <a:ea typeface="微软雅黑" panose="020B0503020204020204" pitchFamily="34" charset="-122"/>
-              </a:rPr>
-              <a:t>Aurora</a:t>
-            </a:r>
-            <a:r>
-              <a:rPr lang="zh-CN" altLang="en-US" dirty="0">
-                <a:latin typeface="微软雅黑" panose="020B0503020204020204" pitchFamily="34" charset="-122"/>
-                <a:ea typeface="微软雅黑" panose="020B0503020204020204" pitchFamily="34" charset="-122"/>
-              </a:rPr>
-              <a:t>作为零知识证明后端算法</a:t>
-            </a:r>
-            <a:endParaRPr lang="en-US" altLang="zh-CN" dirty="0"/>
+              <a:t>，确保可靠性</a:t>
+            </a:r>
           </a:p>
         </p:txBody>
       </p:sp>
     </p:spTree>
     <p:extLst>
       <p:ext uri="{BB962C8B-B14F-4D97-AF65-F5344CB8AC3E}">
-        <p14:creationId xmlns:p14="http://schemas.microsoft.com/office/powerpoint/2010/main" val="3048636695"/>
+        <p14:creationId xmlns:p14="http://schemas.microsoft.com/office/powerpoint/2010/main" val="2403268084"/>
       </p:ext>
     </p:extLst>
   </p:cSld>
@@ -10745,7 +12386,7 @@
     </p:spTree>
     <p:extLst>
       <p:ext uri="{BB962C8B-B14F-4D97-AF65-F5344CB8AC3E}">
-        <p14:creationId xmlns:p14="http://schemas.microsoft.com/office/powerpoint/2010/main" val="3349825032"/>
+        <p14:creationId xmlns:p14="http://schemas.microsoft.com/office/powerpoint/2010/main" val="3048636695"/>
       </p:ext>
     </p:extLst>
   </p:cSld>
